--- a/doc/Ramzhaev/Presentation.pptx
+++ b/doc/Ramzhaev/Presentation.pptx
@@ -113,7 +113,794 @@
       </a:defRPr>
     </a:lvl9pPr>
   </p:defaultTextStyle>
+  <p:extLst>
+    <p:ext uri="{EFAFB233-063F-42B5-8137-9DF3F51BA10A}">
+      <p15:sldGuideLst xmlns:p15="http://schemas.microsoft.com/office/powerpoint/2012/main"/>
+    </p:ext>
+  </p:extLst>
 </p:presentation>
+</file>
+
+<file path=ppt/charts/chart1.xml><?xml version="1.0" encoding="utf-8"?>
+<c:chartSpace xmlns:c="http://schemas.openxmlformats.org/drawingml/2006/chart" xmlns:a="http://schemas.openxmlformats.org/drawingml/2006/main" xmlns:r="http://schemas.openxmlformats.org/officeDocument/2006/relationships">
+  <c:date1904 val="0"/>
+  <c:lang val="ru-RU"/>
+  <c:roundedCorners val="0"/>
+  <mc:AlternateContent xmlns:mc="http://schemas.openxmlformats.org/markup-compatibility/2006">
+    <mc:Choice xmlns:c14="http://schemas.microsoft.com/office/drawing/2007/8/2/chart" Requires="c14">
+      <c14:style val="102"/>
+    </mc:Choice>
+    <mc:Fallback>
+      <c:style val="2"/>
+    </mc:Fallback>
+  </mc:AlternateContent>
+  <c:chart>
+    <c:title>
+      <c:layout/>
+      <c:overlay val="0"/>
+      <c:spPr>
+        <a:noFill/>
+        <a:ln>
+          <a:noFill/>
+        </a:ln>
+        <a:effectLst/>
+      </c:spPr>
+      <c:txPr>
+        <a:bodyPr rot="0" spcFirstLastPara="1" vertOverflow="ellipsis" vert="horz" wrap="square" anchor="ctr" anchorCtr="1"/>
+        <a:lstStyle/>
+        <a:p>
+          <a:pPr>
+            <a:defRPr sz="1400" b="0" i="0" u="none" strike="noStrike" kern="1200" spc="0" baseline="0">
+              <a:solidFill>
+                <a:schemeClr val="tx1">
+                  <a:lumMod val="65000"/>
+                  <a:lumOff val="35000"/>
+                </a:schemeClr>
+              </a:solidFill>
+              <a:latin typeface="+mn-lt"/>
+              <a:ea typeface="+mn-ea"/>
+              <a:cs typeface="+mn-cs"/>
+            </a:defRPr>
+          </a:pPr>
+          <a:endParaRPr lang="ru-RU"/>
+        </a:p>
+      </c:txPr>
+    </c:title>
+    <c:autoTitleDeleted val="0"/>
+    <c:plotArea>
+      <c:layout/>
+      <c:pieChart>
+        <c:varyColors val="1"/>
+        <c:ser>
+          <c:idx val="0"/>
+          <c:order val="0"/>
+          <c:tx>
+            <c:strRef>
+              <c:f>Лист1!$B$1</c:f>
+              <c:strCache>
+                <c:ptCount val="1"/>
+                <c:pt idx="0">
+                  <c:v>  </c:v>
+                </c:pt>
+              </c:strCache>
+            </c:strRef>
+          </c:tx>
+          <c:dPt>
+            <c:idx val="0"/>
+            <c:bubble3D val="0"/>
+            <c:spPr>
+              <a:solidFill>
+                <a:schemeClr val="accent1"/>
+              </a:solidFill>
+              <a:ln>
+                <a:noFill/>
+              </a:ln>
+              <a:effectLst/>
+            </c:spPr>
+            <c:extLst xmlns:c16r2="http://schemas.microsoft.com/office/drawing/2015/06/chart">
+              <c:ext xmlns:c16="http://schemas.microsoft.com/office/drawing/2014/chart" uri="{C3380CC4-5D6E-409C-BE32-E72D297353CC}">
+                <c16:uniqueId val="{00000001-3A90-4A65-B299-6D361595ABC1}"/>
+              </c:ext>
+            </c:extLst>
+          </c:dPt>
+          <c:dPt>
+            <c:idx val="1"/>
+            <c:bubble3D val="0"/>
+            <c:spPr>
+              <a:solidFill>
+                <a:schemeClr val="accent3"/>
+              </a:solidFill>
+              <a:ln>
+                <a:noFill/>
+              </a:ln>
+              <a:effectLst/>
+            </c:spPr>
+            <c:extLst xmlns:c16r2="http://schemas.microsoft.com/office/drawing/2015/06/chart">
+              <c:ext xmlns:c16="http://schemas.microsoft.com/office/drawing/2014/chart" uri="{C3380CC4-5D6E-409C-BE32-E72D297353CC}">
+                <c16:uniqueId val="{00000003-3A90-4A65-B299-6D361595ABC1}"/>
+              </c:ext>
+            </c:extLst>
+          </c:dPt>
+          <c:dPt>
+            <c:idx val="2"/>
+            <c:bubble3D val="0"/>
+            <c:spPr>
+              <a:solidFill>
+                <a:schemeClr val="accent5"/>
+              </a:solidFill>
+              <a:ln>
+                <a:noFill/>
+              </a:ln>
+              <a:effectLst/>
+            </c:spPr>
+            <c:extLst xmlns:c16r2="http://schemas.microsoft.com/office/drawing/2015/06/chart">
+              <c:ext xmlns:c16="http://schemas.microsoft.com/office/drawing/2014/chart" uri="{C3380CC4-5D6E-409C-BE32-E72D297353CC}">
+                <c16:uniqueId val="{00000005-3A90-4A65-B299-6D361595ABC1}"/>
+              </c:ext>
+            </c:extLst>
+          </c:dPt>
+          <c:dLbls>
+            <c:spPr>
+              <a:noFill/>
+              <a:ln>
+                <a:noFill/>
+              </a:ln>
+              <a:effectLst/>
+            </c:spPr>
+            <c:txPr>
+              <a:bodyPr rot="0" spcFirstLastPara="1" vertOverflow="ellipsis" vert="horz" wrap="square" lIns="38100" tIns="19050" rIns="38100" bIns="19050" anchor="ctr" anchorCtr="1">
+                <a:spAutoFit/>
+              </a:bodyPr>
+              <a:lstStyle/>
+              <a:p>
+                <a:pPr>
+                  <a:defRPr sz="1800" b="0" i="0" u="none" strike="noStrike" kern="1200" baseline="0">
+                    <a:solidFill>
+                      <a:schemeClr val="tx1">
+                        <a:lumMod val="75000"/>
+                        <a:lumOff val="25000"/>
+                      </a:schemeClr>
+                    </a:solidFill>
+                    <a:latin typeface="+mn-lt"/>
+                    <a:ea typeface="+mn-ea"/>
+                    <a:cs typeface="+mn-cs"/>
+                  </a:defRPr>
+                </a:pPr>
+                <a:endParaRPr lang="ru-RU"/>
+              </a:p>
+            </c:txPr>
+            <c:dLblPos val="bestFit"/>
+            <c:showLegendKey val="0"/>
+            <c:showVal val="1"/>
+            <c:showCatName val="0"/>
+            <c:showSerName val="0"/>
+            <c:showPercent val="0"/>
+            <c:showBubbleSize val="0"/>
+            <c:showLeaderLines val="1"/>
+            <c:leaderLines>
+              <c:spPr>
+                <a:ln w="9525" cap="flat" cmpd="sng" algn="ctr">
+                  <a:solidFill>
+                    <a:schemeClr val="tx1">
+                      <a:lumMod val="35000"/>
+                      <a:lumOff val="65000"/>
+                    </a:schemeClr>
+                  </a:solidFill>
+                  <a:prstDash val="solid"/>
+                  <a:round/>
+                </a:ln>
+                <a:effectLst/>
+              </c:spPr>
+            </c:leaderLines>
+            <c:extLst xmlns:c16r2="http://schemas.microsoft.com/office/drawing/2015/06/chart">
+              <c:ext xmlns:c15="http://schemas.microsoft.com/office/drawing/2012/chart" uri="{CE6537A1-D6FC-4f65-9D91-7224C49458BB}">
+                <c15:layout/>
+              </c:ext>
+            </c:extLst>
+          </c:dLbls>
+          <c:cat>
+            <c:strRef>
+              <c:f>Лист1!$A$2:$A$4</c:f>
+              <c:strCache>
+                <c:ptCount val="3"/>
+                <c:pt idx="0">
+                  <c:v>США</c:v>
+                </c:pt>
+                <c:pt idx="1">
+                  <c:v>Германия</c:v>
+                </c:pt>
+                <c:pt idx="2">
+                  <c:v>Израиль</c:v>
+                </c:pt>
+              </c:strCache>
+            </c:strRef>
+          </c:cat>
+          <c:val>
+            <c:numRef>
+              <c:f>Лист1!$B$2:$B$4</c:f>
+              <c:numCache>
+                <c:formatCode>0%</c:formatCode>
+                <c:ptCount val="3"/>
+                <c:pt idx="0">
+                  <c:v>0.5</c:v>
+                </c:pt>
+                <c:pt idx="1">
+                  <c:v>0.35</c:v>
+                </c:pt>
+                <c:pt idx="2">
+                  <c:v>0.15</c:v>
+                </c:pt>
+              </c:numCache>
+            </c:numRef>
+          </c:val>
+          <c:extLst xmlns:c16r2="http://schemas.microsoft.com/office/drawing/2015/06/chart">
+            <c:ext xmlns:c16="http://schemas.microsoft.com/office/drawing/2014/chart" uri="{C3380CC4-5D6E-409C-BE32-E72D297353CC}">
+              <c16:uniqueId val="{00000006-3A90-4A65-B299-6D361595ABC1}"/>
+            </c:ext>
+          </c:extLst>
+        </c:ser>
+        <c:dLbls>
+          <c:showLegendKey val="0"/>
+          <c:showVal val="1"/>
+          <c:showCatName val="0"/>
+          <c:showSerName val="0"/>
+          <c:showPercent val="0"/>
+          <c:showBubbleSize val="0"/>
+          <c:showLeaderLines val="1"/>
+        </c:dLbls>
+        <c:firstSliceAng val="0"/>
+      </c:pieChart>
+      <c:spPr>
+        <a:noFill/>
+        <a:ln>
+          <a:noFill/>
+        </a:ln>
+        <a:effectLst/>
+      </c:spPr>
+    </c:plotArea>
+    <c:legend>
+      <c:legendPos val="b"/>
+      <c:layout/>
+      <c:overlay val="0"/>
+      <c:spPr>
+        <a:noFill/>
+        <a:ln>
+          <a:noFill/>
+        </a:ln>
+        <a:effectLst/>
+      </c:spPr>
+      <c:txPr>
+        <a:bodyPr rot="0" spcFirstLastPara="1" vertOverflow="ellipsis" vert="horz" wrap="square" anchor="ctr" anchorCtr="1"/>
+        <a:lstStyle/>
+        <a:p>
+          <a:pPr>
+            <a:defRPr sz="1200" b="0" i="0" u="none" strike="noStrike" kern="1200" baseline="0">
+              <a:solidFill>
+                <a:schemeClr val="tx1">
+                  <a:lumMod val="65000"/>
+                  <a:lumOff val="35000"/>
+                </a:schemeClr>
+              </a:solidFill>
+              <a:latin typeface="+mn-lt"/>
+              <a:ea typeface="+mn-ea"/>
+              <a:cs typeface="+mn-cs"/>
+            </a:defRPr>
+          </a:pPr>
+          <a:endParaRPr lang="ru-RU"/>
+        </a:p>
+      </c:txPr>
+    </c:legend>
+    <c:plotVisOnly val="1"/>
+    <c:dispBlanksAs val="zero"/>
+    <c:showDLblsOverMax val="0"/>
+  </c:chart>
+  <c:spPr>
+    <a:solidFill>
+      <a:schemeClr val="bg1"/>
+    </a:solidFill>
+    <a:ln w="9525" cap="flat" cmpd="sng" algn="ctr">
+      <a:solidFill>
+        <a:schemeClr val="tx1">
+          <a:lumMod val="15000"/>
+          <a:lumOff val="85000"/>
+        </a:schemeClr>
+      </a:solidFill>
+      <a:prstDash val="solid"/>
+      <a:round/>
+    </a:ln>
+    <a:effectLst/>
+  </c:spPr>
+  <c:txPr>
+    <a:bodyPr/>
+    <a:lstStyle/>
+    <a:p>
+      <a:pPr>
+        <a:defRPr/>
+      </a:pPr>
+      <a:endParaRPr lang="ru-RU"/>
+    </a:p>
+  </c:txPr>
+  <c:externalData r:id="rId3">
+    <c:autoUpdate val="0"/>
+  </c:externalData>
+</c:chartSpace>
+</file>
+
+<file path=ppt/charts/colors1.xml><?xml version="1.0" encoding="utf-8"?>
+<cs:colorStyle xmlns:cs="http://schemas.microsoft.com/office/drawing/2012/chartStyle" xmlns:a="http://schemas.openxmlformats.org/drawingml/2006/main" meth="cycle" id="11">
+  <a:schemeClr val="accent1"/>
+  <a:schemeClr val="accent3"/>
+  <a:schemeClr val="accent5"/>
+  <cs:variation/>
+  <cs:variation>
+    <a:lumMod val="60000"/>
+  </cs:variation>
+  <cs:variation>
+    <a:lumMod val="80000"/>
+    <a:lumOff val="20000"/>
+  </cs:variation>
+  <cs:variation>
+    <a:lumMod val="80000"/>
+  </cs:variation>
+  <cs:variation>
+    <a:lumMod val="60000"/>
+    <a:lumOff val="40000"/>
+  </cs:variation>
+  <cs:variation>
+    <a:lumMod val="50000"/>
+  </cs:variation>
+  <cs:variation>
+    <a:lumMod val="70000"/>
+    <a:lumOff val="30000"/>
+  </cs:variation>
+  <cs:variation>
+    <a:lumMod val="70000"/>
+  </cs:variation>
+  <cs:variation>
+    <a:lumMod val="50000"/>
+    <a:lumOff val="50000"/>
+  </cs:variation>
+</cs:colorStyle>
+</file>
+
+<file path=ppt/charts/style1.xml><?xml version="1.0" encoding="utf-8"?>
+<cs:chartStyle xmlns:cs="http://schemas.microsoft.com/office/drawing/2012/chartStyle" xmlns:a="http://schemas.openxmlformats.org/drawingml/2006/main" id="102">
+  <cs:axisTitle>
+    <cs:lnRef idx="0"/>
+    <cs:fillRef idx="0"/>
+    <cs:effectRef idx="0"/>
+    <cs:fontRef idx="minor">
+      <a:schemeClr val="tx1"/>
+    </cs:fontRef>
+    <cs:defRPr sz="1000" b="1" kern="1200"/>
+  </cs:axisTitle>
+  <cs:categoryAxis>
+    <cs:lnRef idx="1">
+      <a:schemeClr val="tx1">
+        <a:tint val="75000"/>
+      </a:schemeClr>
+    </cs:lnRef>
+    <cs:fillRef idx="0"/>
+    <cs:effectRef idx="0"/>
+    <cs:fontRef idx="minor">
+      <a:schemeClr val="tx1"/>
+    </cs:fontRef>
+    <cs:spPr>
+      <a:ln>
+        <a:round/>
+      </a:ln>
+    </cs:spPr>
+    <cs:defRPr sz="1000" kern="1200"/>
+  </cs:categoryAxis>
+  <cs:chartArea mods="allowNoFillOverride allowNoLineOverride">
+    <cs:lnRef idx="1">
+      <a:schemeClr val="tx1">
+        <a:tint val="75000"/>
+      </a:schemeClr>
+    </cs:lnRef>
+    <cs:fillRef idx="1">
+      <a:schemeClr val="bg1"/>
+    </cs:fillRef>
+    <cs:effectRef idx="0"/>
+    <cs:fontRef idx="minor">
+      <a:schemeClr val="tx1"/>
+    </cs:fontRef>
+    <cs:spPr>
+      <a:ln>
+        <a:round/>
+      </a:ln>
+    </cs:spPr>
+    <cs:defRPr sz="1000" kern="1200"/>
+  </cs:chartArea>
+  <cs:dataLabel>
+    <cs:lnRef idx="0"/>
+    <cs:fillRef idx="0"/>
+    <cs:effectRef idx="0"/>
+    <cs:fontRef idx="minor">
+      <a:schemeClr val="tx1"/>
+    </cs:fontRef>
+    <cs:defRPr sz="1000" kern="1200"/>
+  </cs:dataLabel>
+  <cs:dataLabelCallout>
+    <cs:lnRef idx="0"/>
+    <cs:fillRef idx="0"/>
+    <cs:effectRef idx="0"/>
+    <cs:fontRef idx="minor">
+      <a:schemeClr val="dk1"/>
+    </cs:fontRef>
+    <cs:spPr>
+      <a:solidFill>
+        <a:schemeClr val="lt1"/>
+      </a:solidFill>
+      <a:ln>
+        <a:solidFill>
+          <a:schemeClr val="dk1">
+            <a:lumMod val="65000"/>
+            <a:lumOff val="35000"/>
+          </a:schemeClr>
+        </a:solidFill>
+      </a:ln>
+    </cs:spPr>
+    <cs:defRPr sz="1000" kern="1200"/>
+  </cs:dataLabelCallout>
+  <cs:dataPoint>
+    <cs:lnRef idx="0"/>
+    <cs:fillRef idx="1">
+      <cs:styleClr val="auto"/>
+    </cs:fillRef>
+    <cs:effectRef idx="0"/>
+    <cs:fontRef idx="minor">
+      <a:schemeClr val="tx1"/>
+    </cs:fontRef>
+  </cs:dataPoint>
+  <cs:dataPoint3D>
+    <cs:lnRef idx="0"/>
+    <cs:fillRef idx="1">
+      <cs:styleClr val="auto"/>
+    </cs:fillRef>
+    <cs:effectRef idx="0"/>
+    <cs:fontRef idx="minor">
+      <a:schemeClr val="tx1"/>
+    </cs:fontRef>
+  </cs:dataPoint3D>
+  <cs:dataPointLine>
+    <cs:lnRef idx="1">
+      <cs:styleClr val="auto"/>
+    </cs:lnRef>
+    <cs:lineWidthScale>3</cs:lineWidthScale>
+    <cs:fillRef idx="0"/>
+    <cs:effectRef idx="0"/>
+    <cs:fontRef idx="minor">
+      <a:schemeClr val="tx1"/>
+    </cs:fontRef>
+    <cs:spPr>
+      <a:ln cap="rnd">
+        <a:round/>
+      </a:ln>
+    </cs:spPr>
+  </cs:dataPointLine>
+  <cs:dataPointMarker>
+    <cs:lnRef idx="1">
+      <cs:styleClr val="auto"/>
+    </cs:lnRef>
+    <cs:fillRef idx="1">
+      <cs:styleClr val="auto"/>
+    </cs:fillRef>
+    <cs:effectRef idx="0"/>
+    <cs:fontRef idx="minor">
+      <a:schemeClr val="tx1"/>
+    </cs:fontRef>
+    <cs:spPr>
+      <a:ln>
+        <a:round/>
+      </a:ln>
+    </cs:spPr>
+  </cs:dataPointMarker>
+  <cs:dataPointMarkerLayout/>
+  <cs:dataPointWireframe>
+    <cs:lnRef idx="1">
+      <cs:styleClr val="auto"/>
+    </cs:lnRef>
+    <cs:fillRef idx="0"/>
+    <cs:effectRef idx="0"/>
+    <cs:fontRef idx="minor">
+      <a:schemeClr val="tx1"/>
+    </cs:fontRef>
+    <cs:spPr>
+      <a:ln>
+        <a:round/>
+      </a:ln>
+    </cs:spPr>
+  </cs:dataPointWireframe>
+  <cs:dataTable>
+    <cs:lnRef idx="1">
+      <a:schemeClr val="tx1">
+        <a:tint val="75000"/>
+      </a:schemeClr>
+    </cs:lnRef>
+    <cs:fillRef idx="0"/>
+    <cs:effectRef idx="0"/>
+    <cs:fontRef idx="minor">
+      <a:schemeClr val="tx1"/>
+    </cs:fontRef>
+    <cs:spPr>
+      <a:ln>
+        <a:round/>
+      </a:ln>
+    </cs:spPr>
+    <cs:defRPr sz="1000" kern="1200"/>
+  </cs:dataTable>
+  <cs:downBar>
+    <cs:lnRef idx="1">
+      <a:schemeClr val="tx1"/>
+    </cs:lnRef>
+    <cs:fillRef idx="1">
+      <a:schemeClr val="dk1">
+        <a:tint val="95000"/>
+      </a:schemeClr>
+    </cs:fillRef>
+    <cs:effectRef idx="0"/>
+    <cs:fontRef idx="minor">
+      <a:schemeClr val="tx1"/>
+    </cs:fontRef>
+    <cs:spPr>
+      <a:ln>
+        <a:round/>
+      </a:ln>
+    </cs:spPr>
+  </cs:downBar>
+  <cs:dropLine>
+    <cs:lnRef idx="1">
+      <a:schemeClr val="tx1"/>
+    </cs:lnRef>
+    <cs:fillRef idx="0"/>
+    <cs:effectRef idx="0"/>
+    <cs:fontRef idx="minor">
+      <a:schemeClr val="tx1"/>
+    </cs:fontRef>
+    <cs:spPr>
+      <a:ln>
+        <a:round/>
+      </a:ln>
+    </cs:spPr>
+  </cs:dropLine>
+  <cs:errorBar>
+    <cs:lnRef idx="1">
+      <a:schemeClr val="tx1"/>
+    </cs:lnRef>
+    <cs:fillRef idx="1">
+      <a:schemeClr val="tx1"/>
+    </cs:fillRef>
+    <cs:effectRef idx="0"/>
+    <cs:fontRef idx="minor">
+      <a:schemeClr val="tx1"/>
+    </cs:fontRef>
+    <cs:spPr>
+      <a:ln>
+        <a:round/>
+      </a:ln>
+    </cs:spPr>
+  </cs:errorBar>
+  <cs:floor>
+    <cs:lnRef idx="1">
+      <a:schemeClr val="tx1">
+        <a:tint val="75000"/>
+      </a:schemeClr>
+    </cs:lnRef>
+    <cs:fillRef idx="0"/>
+    <cs:effectRef idx="0"/>
+    <cs:fontRef idx="minor">
+      <a:schemeClr val="tx1"/>
+    </cs:fontRef>
+    <cs:spPr>
+      <a:ln>
+        <a:round/>
+      </a:ln>
+    </cs:spPr>
+  </cs:floor>
+  <cs:gridlineMajor>
+    <cs:lnRef idx="1">
+      <a:schemeClr val="tx1">
+        <a:tint val="75000"/>
+      </a:schemeClr>
+    </cs:lnRef>
+    <cs:fillRef idx="0"/>
+    <cs:effectRef idx="0"/>
+    <cs:fontRef idx="minor">
+      <a:schemeClr val="tx1"/>
+    </cs:fontRef>
+    <cs:spPr>
+      <a:ln>
+        <a:round/>
+      </a:ln>
+    </cs:spPr>
+  </cs:gridlineMajor>
+  <cs:gridlineMinor>
+    <cs:lnRef idx="1">
+      <a:schemeClr val="tx1">
+        <a:tint val="50000"/>
+      </a:schemeClr>
+    </cs:lnRef>
+    <cs:fillRef idx="0"/>
+    <cs:effectRef idx="0"/>
+    <cs:fontRef idx="minor">
+      <a:schemeClr val="tx1"/>
+    </cs:fontRef>
+    <cs:spPr>
+      <a:ln>
+        <a:round/>
+      </a:ln>
+    </cs:spPr>
+  </cs:gridlineMinor>
+  <cs:hiLoLine>
+    <cs:lnRef idx="1">
+      <a:schemeClr val="tx1"/>
+    </cs:lnRef>
+    <cs:fillRef idx="0"/>
+    <cs:effectRef idx="0"/>
+    <cs:fontRef idx="minor">
+      <a:schemeClr val="tx1"/>
+    </cs:fontRef>
+    <cs:spPr>
+      <a:ln>
+        <a:round/>
+      </a:ln>
+    </cs:spPr>
+  </cs:hiLoLine>
+  <cs:leaderLine>
+    <cs:lnRef idx="1">
+      <a:schemeClr val="tx1"/>
+    </cs:lnRef>
+    <cs:fillRef idx="0"/>
+    <cs:effectRef idx="0"/>
+    <cs:fontRef idx="minor">
+      <a:schemeClr val="tx1"/>
+    </cs:fontRef>
+    <cs:spPr>
+      <a:ln>
+        <a:round/>
+      </a:ln>
+    </cs:spPr>
+  </cs:leaderLine>
+  <cs:legend>
+    <cs:lnRef idx="0"/>
+    <cs:fillRef idx="0"/>
+    <cs:effectRef idx="0"/>
+    <cs:fontRef idx="minor">
+      <a:schemeClr val="tx1"/>
+    </cs:fontRef>
+    <cs:defRPr sz="1000" kern="1200"/>
+  </cs:legend>
+  <cs:plotArea mods="allowNoFillOverride allowNoLineOverride">
+    <cs:lnRef idx="0"/>
+    <cs:fillRef idx="1">
+      <a:schemeClr val="bg1"/>
+    </cs:fillRef>
+    <cs:effectRef idx="0"/>
+    <cs:fontRef idx="minor">
+      <a:schemeClr val="tx1"/>
+    </cs:fontRef>
+  </cs:plotArea>
+  <cs:plotArea3D>
+    <cs:lnRef idx="0"/>
+    <cs:fillRef idx="0"/>
+    <cs:effectRef idx="0"/>
+    <cs:fontRef idx="minor">
+      <a:schemeClr val="tx1"/>
+    </cs:fontRef>
+  </cs:plotArea3D>
+  <cs:seriesAxis>
+    <cs:lnRef idx="1">
+      <a:schemeClr val="tx1">
+        <a:tint val="75000"/>
+      </a:schemeClr>
+    </cs:lnRef>
+    <cs:fillRef idx="0"/>
+    <cs:effectRef idx="0"/>
+    <cs:fontRef idx="minor">
+      <a:schemeClr val="tx1"/>
+    </cs:fontRef>
+    <cs:spPr>
+      <a:ln>
+        <a:round/>
+      </a:ln>
+    </cs:spPr>
+    <cs:defRPr sz="1000" kern="1200"/>
+  </cs:seriesAxis>
+  <cs:seriesLine>
+    <cs:lnRef idx="1">
+      <a:schemeClr val="tx1"/>
+    </cs:lnRef>
+    <cs:fillRef idx="0"/>
+    <cs:effectRef idx="0"/>
+    <cs:fontRef idx="minor">
+      <a:schemeClr val="tx1"/>
+    </cs:fontRef>
+    <cs:spPr>
+      <a:ln>
+        <a:round/>
+      </a:ln>
+    </cs:spPr>
+  </cs:seriesLine>
+  <cs:title>
+    <cs:lnRef idx="0"/>
+    <cs:fillRef idx="0"/>
+    <cs:effectRef idx="0"/>
+    <cs:fontRef idx="minor">
+      <a:schemeClr val="tx1"/>
+    </cs:fontRef>
+    <cs:defRPr sz="1800" b="1" kern="1200"/>
+  </cs:title>
+  <cs:trendline>
+    <cs:lnRef idx="1">
+      <a:schemeClr val="tx1"/>
+    </cs:lnRef>
+    <cs:fillRef idx="0"/>
+    <cs:effectRef idx="0"/>
+    <cs:fontRef idx="minor">
+      <a:schemeClr val="tx1"/>
+    </cs:fontRef>
+    <cs:spPr>
+      <a:ln cap="rnd">
+        <a:round/>
+      </a:ln>
+    </cs:spPr>
+  </cs:trendline>
+  <cs:trendlineLabel>
+    <cs:lnRef idx="0"/>
+    <cs:fillRef idx="0"/>
+    <cs:effectRef idx="0"/>
+    <cs:fontRef idx="minor">
+      <a:schemeClr val="tx1"/>
+    </cs:fontRef>
+    <cs:defRPr sz="1000" kern="1200"/>
+  </cs:trendlineLabel>
+  <cs:upBar>
+    <cs:lnRef idx="1">
+      <a:schemeClr val="tx1"/>
+    </cs:lnRef>
+    <cs:fillRef idx="1">
+      <a:schemeClr val="dk1">
+        <a:tint val="5000"/>
+      </a:schemeClr>
+    </cs:fillRef>
+    <cs:effectRef idx="0"/>
+    <cs:fontRef idx="minor">
+      <a:schemeClr val="tx1"/>
+    </cs:fontRef>
+    <cs:spPr>
+      <a:ln>
+        <a:round/>
+      </a:ln>
+    </cs:spPr>
+  </cs:upBar>
+  <cs:valueAxis>
+    <cs:lnRef idx="1">
+      <a:schemeClr val="tx1">
+        <a:tint val="75000"/>
+      </a:schemeClr>
+    </cs:lnRef>
+    <cs:fillRef idx="0"/>
+    <cs:effectRef idx="0"/>
+    <cs:fontRef idx="minor">
+      <a:schemeClr val="tx1"/>
+    </cs:fontRef>
+    <cs:spPr>
+      <a:ln>
+        <a:round/>
+      </a:ln>
+    </cs:spPr>
+    <cs:defRPr sz="1000" kern="1200"/>
+  </cs:valueAxis>
+  <cs:wall>
+    <cs:lnRef idx="0"/>
+    <cs:fillRef idx="0"/>
+    <cs:effectRef idx="0"/>
+    <cs:fontRef idx="minor">
+      <a:schemeClr val="tx1"/>
+    </cs:fontRef>
+  </cs:wall>
+</cs:chartStyle>
 </file>
 
 <file path=ppt/slideLayouts/slideLayout1.xml><?xml version="1.0" encoding="utf-8"?>
@@ -342,7 +1129,7 @@
           <a:p>
             <a:fld id="{6AFA171F-3C62-41FB-8A99-EBED87995FF0}" type="datetimeFigureOut">
               <a:rPr lang="ru-RU" smtClean="0"/>
-              <a:t>04.10.2016</a:t>
+              <a:t>05.10.2016</a:t>
             </a:fld>
             <a:endParaRPr lang="ru-RU"/>
           </a:p>
@@ -550,7 +1337,7 @@
           <a:p>
             <a:fld id="{6AFA171F-3C62-41FB-8A99-EBED87995FF0}" type="datetimeFigureOut">
               <a:rPr lang="ru-RU" smtClean="0"/>
-              <a:t>04.10.2016</a:t>
+              <a:t>05.10.2016</a:t>
             </a:fld>
             <a:endParaRPr lang="ru-RU"/>
           </a:p>
@@ -806,7 +1593,7 @@
           <a:p>
             <a:fld id="{6AFA171F-3C62-41FB-8A99-EBED87995FF0}" type="datetimeFigureOut">
               <a:rPr lang="ru-RU" smtClean="0"/>
-              <a:t>04.10.2016</a:t>
+              <a:t>05.10.2016</a:t>
             </a:fld>
             <a:endParaRPr lang="ru-RU"/>
           </a:p>
@@ -980,7 +1767,7 @@
           <a:p>
             <a:fld id="{6AFA171F-3C62-41FB-8A99-EBED87995FF0}" type="datetimeFigureOut">
               <a:rPr lang="ru-RU" smtClean="0"/>
-              <a:t>04.10.2016</a:t>
+              <a:t>05.10.2016</a:t>
             </a:fld>
             <a:endParaRPr lang="ru-RU"/>
           </a:p>
@@ -1323,7 +2110,7 @@
           <a:p>
             <a:fld id="{6AFA171F-3C62-41FB-8A99-EBED87995FF0}" type="datetimeFigureOut">
               <a:rPr lang="ru-RU" smtClean="0"/>
-              <a:t>04.10.2016</a:t>
+              <a:t>05.10.2016</a:t>
             </a:fld>
             <a:endParaRPr lang="ru-RU"/>
           </a:p>
@@ -1598,7 +2385,7 @@
           <a:p>
             <a:fld id="{6AFA171F-3C62-41FB-8A99-EBED87995FF0}" type="datetimeFigureOut">
               <a:rPr lang="ru-RU" smtClean="0"/>
-              <a:t>04.10.2016</a:t>
+              <a:t>05.10.2016</a:t>
             </a:fld>
             <a:endParaRPr lang="ru-RU"/>
           </a:p>
@@ -1977,7 +2764,7 @@
           <a:p>
             <a:fld id="{6AFA171F-3C62-41FB-8A99-EBED87995FF0}" type="datetimeFigureOut">
               <a:rPr lang="ru-RU" smtClean="0"/>
-              <a:t>04.10.2016</a:t>
+              <a:t>05.10.2016</a:t>
             </a:fld>
             <a:endParaRPr lang="ru-RU"/>
           </a:p>
@@ -2095,7 +2882,7 @@
           <a:p>
             <a:fld id="{6AFA171F-3C62-41FB-8A99-EBED87995FF0}" type="datetimeFigureOut">
               <a:rPr lang="ru-RU" smtClean="0"/>
-              <a:t>04.10.2016</a:t>
+              <a:t>05.10.2016</a:t>
             </a:fld>
             <a:endParaRPr lang="ru-RU"/>
           </a:p>
@@ -2266,7 +3053,7 @@
           <a:p>
             <a:fld id="{6AFA171F-3C62-41FB-8A99-EBED87995FF0}" type="datetimeFigureOut">
               <a:rPr lang="ru-RU" smtClean="0"/>
-              <a:t>04.10.2016</a:t>
+              <a:t>05.10.2016</a:t>
             </a:fld>
             <a:endParaRPr lang="ru-RU"/>
           </a:p>
@@ -2620,7 +3407,7 @@
           <a:p>
             <a:fld id="{6AFA171F-3C62-41FB-8A99-EBED87995FF0}" type="datetimeFigureOut">
               <a:rPr lang="ru-RU" smtClean="0"/>
-              <a:t>04.10.2016</a:t>
+              <a:t>05.10.2016</a:t>
             </a:fld>
             <a:endParaRPr lang="ru-RU"/>
           </a:p>
@@ -3002,7 +3789,7 @@
           <a:p>
             <a:fld id="{6AFA171F-3C62-41FB-8A99-EBED87995FF0}" type="datetimeFigureOut">
               <a:rPr lang="ru-RU" smtClean="0"/>
-              <a:t>04.10.2016</a:t>
+              <a:t>05.10.2016</a:t>
             </a:fld>
             <a:endParaRPr lang="ru-RU"/>
           </a:p>
@@ -3289,7 +4076,7 @@
           <a:p>
             <a:fld id="{6AFA171F-3C62-41FB-8A99-EBED87995FF0}" type="datetimeFigureOut">
               <a:rPr lang="ru-RU" smtClean="0"/>
-              <a:t>04.10.2016</a:t>
+              <a:t>05.10.2016</a:t>
             </a:fld>
             <a:endParaRPr lang="ru-RU"/>
           </a:p>
@@ -5206,7 +5993,7 @@
           <p:nvPr>
             <p:extLst>
               <p:ext uri="{D42A27DB-BD31-4B8C-83A1-F6EECF244321}">
-                <p14:modId xmlns:p14="http://schemas.microsoft.com/office/powerpoint/2010/main" val="4026725186"/>
+                <p14:modId xmlns:p14="http://schemas.microsoft.com/office/powerpoint/2010/main" val="3605046705"/>
               </p:ext>
             </p:extLst>
           </p:nvPr>
@@ -5326,7 +6113,7 @@
                     <a:p>
                       <a:r>
                         <a:rPr lang="ru-RU" dirty="0" smtClean="0"/>
-                        <a:t>Мм</a:t>
+                        <a:t>мм</a:t>
                       </a:r>
                       <a:endParaRPr lang="ru-RU" dirty="0"/>
                     </a:p>
@@ -5452,7 +6239,7 @@
         </p:nvSpPr>
         <p:spPr>
           <a:xfrm>
-            <a:off x="6279701" y="5970915"/>
+            <a:off x="6279700" y="5506911"/>
             <a:ext cx="4675639" cy="369332"/>
           </a:xfrm>
           <a:prstGeom prst="rect">
@@ -5584,7 +6371,7 @@
           <p:nvPr>
             <p:extLst>
               <p:ext uri="{D42A27DB-BD31-4B8C-83A1-F6EECF244321}">
-                <p14:modId xmlns:p14="http://schemas.microsoft.com/office/powerpoint/2010/main" val="283912850"/>
+                <p14:modId xmlns:p14="http://schemas.microsoft.com/office/powerpoint/2010/main" val="2151637503"/>
               </p:ext>
             </p:extLst>
           </p:nvPr>
@@ -5704,7 +6491,7 @@
                     <a:p>
                       <a:r>
                         <a:rPr lang="ru-RU" dirty="0" smtClean="0"/>
-                        <a:t>Мм</a:t>
+                        <a:t>мм</a:t>
                       </a:r>
                       <a:endParaRPr lang="ru-RU" dirty="0"/>
                     </a:p>
@@ -5826,15 +6613,7 @@
           <a:p>
             <a:r>
               <a:rPr lang="ru-RU" dirty="0" smtClean="0"/>
-              <a:t>Основные характеристики э</a:t>
-            </a:r>
-            <a:r>
-              <a:rPr lang="ru-RU" dirty="0" smtClean="0"/>
-              <a:t>лектромагнитных </a:t>
-            </a:r>
-            <a:r>
-              <a:rPr lang="ru-RU" dirty="0" smtClean="0"/>
-              <a:t>систем</a:t>
+              <a:t>Основные характеристики электромагнитных систем</a:t>
             </a:r>
             <a:endParaRPr lang="ru-RU" dirty="0"/>
           </a:p>
@@ -5950,7 +6729,7 @@
           <p:nvPr>
             <p:extLst>
               <p:ext uri="{D42A27DB-BD31-4B8C-83A1-F6EECF244321}">
-                <p14:modId xmlns:p14="http://schemas.microsoft.com/office/powerpoint/2010/main" val="1503469781"/>
+                <p14:modId xmlns:p14="http://schemas.microsoft.com/office/powerpoint/2010/main" val="1189332047"/>
               </p:ext>
             </p:extLst>
           </p:nvPr>
@@ -6070,7 +6849,7 @@
                     <a:p>
                       <a:r>
                         <a:rPr lang="ru-RU" dirty="0" smtClean="0"/>
-                        <a:t>Мм</a:t>
+                        <a:t>мм</a:t>
                       </a:r>
                       <a:endParaRPr lang="ru-RU" dirty="0"/>
                     </a:p>
@@ -6424,7 +7203,7 @@
           <p:nvPr>
             <p:extLst>
               <p:ext uri="{D42A27DB-BD31-4B8C-83A1-F6EECF244321}">
-                <p14:modId xmlns:p14="http://schemas.microsoft.com/office/powerpoint/2010/main" val="1416763696"/>
+                <p14:modId xmlns:p14="http://schemas.microsoft.com/office/powerpoint/2010/main" val="1989959515"/>
               </p:ext>
             </p:extLst>
           </p:nvPr>
@@ -6544,7 +7323,7 @@
                     <a:p>
                       <a:r>
                         <a:rPr lang="ru-RU" dirty="0" smtClean="0"/>
-                        <a:t>Мм</a:t>
+                        <a:t>мм</a:t>
                       </a:r>
                       <a:endParaRPr lang="ru-RU" dirty="0"/>
                     </a:p>
@@ -6696,7 +7475,7 @@
           <p:nvPr>
             <p:extLst>
               <p:ext uri="{D42A27DB-BD31-4B8C-83A1-F6EECF244321}">
-                <p14:modId xmlns:p14="http://schemas.microsoft.com/office/powerpoint/2010/main" val="2952946685"/>
+                <p14:modId xmlns:p14="http://schemas.microsoft.com/office/powerpoint/2010/main" val="2446005368"/>
               </p:ext>
             </p:extLst>
           </p:nvPr>
@@ -6816,7 +7595,7 @@
                     <a:p>
                       <a:r>
                         <a:rPr lang="ru-RU" dirty="0" smtClean="0"/>
-                        <a:t>Мм</a:t>
+                        <a:t>мм</a:t>
                       </a:r>
                       <a:endParaRPr lang="ru-RU" dirty="0"/>
                     </a:p>
@@ -7019,6 +7798,59 @@
               <a:t>хирургический навигационных систем</a:t>
             </a:r>
             <a:endParaRPr lang="ru-RU" sz="3600" dirty="0"/>
+          </a:p>
+        </p:txBody>
+      </p:sp>
+      <p:graphicFrame>
+        <p:nvGraphicFramePr>
+          <p:cNvPr id="3" name="Диаграмма 2"/>
+          <p:cNvGraphicFramePr/>
+          <p:nvPr>
+            <p:extLst>
+              <p:ext uri="{D42A27DB-BD31-4B8C-83A1-F6EECF244321}">
+                <p14:modId xmlns:p14="http://schemas.microsoft.com/office/powerpoint/2010/main" val="2522252742"/>
+              </p:ext>
+            </p:extLst>
+          </p:nvPr>
+        </p:nvGraphicFramePr>
+        <p:xfrm>
+          <a:off x="600596" y="1850299"/>
+          <a:ext cx="5144884" cy="2797901"/>
+        </p:xfrm>
+        <a:graphic>
+          <a:graphicData uri="http://schemas.openxmlformats.org/drawingml/2006/chart">
+            <c:chart xmlns:c="http://schemas.openxmlformats.org/drawingml/2006/chart" xmlns:r="http://schemas.openxmlformats.org/officeDocument/2006/relationships" r:id="rId2"/>
+          </a:graphicData>
+        </a:graphic>
+      </p:graphicFrame>
+      <p:sp>
+        <p:nvSpPr>
+          <p:cNvPr id="5" name="TextBox 4"/>
+          <p:cNvSpPr txBox="1"/>
+          <p:nvPr/>
+        </p:nvSpPr>
+        <p:spPr>
+          <a:xfrm>
+            <a:off x="873390" y="4648200"/>
+            <a:ext cx="4599296" cy="646331"/>
+          </a:xfrm>
+          <a:prstGeom prst="rect">
+            <a:avLst/>
+          </a:prstGeom>
+          <a:noFill/>
+        </p:spPr>
+        <p:txBody>
+          <a:bodyPr wrap="square" rtlCol="0">
+            <a:spAutoFit/>
+          </a:bodyPr>
+          <a:lstStyle/>
+          <a:p>
+            <a:pPr algn="ctr"/>
+            <a:r>
+              <a:rPr lang="ru-RU" dirty="0" smtClean="0"/>
+              <a:t>Доля производства хирургических навигационных систем</a:t>
+            </a:r>
+            <a:endParaRPr lang="ru-RU" dirty="0"/>
           </a:p>
         </p:txBody>
       </p:sp>

--- a/doc/Ramzhaev/Presentation.pptx
+++ b/doc/Ramzhaev/Presentation.pptx
@@ -6,15 +6,18 @@
   </p:sldMasterIdLst>
   <p:sldIdLst>
     <p:sldId id="256" r:id="rId2"/>
-    <p:sldId id="257" r:id="rId3"/>
-    <p:sldId id="258" r:id="rId4"/>
-    <p:sldId id="259" r:id="rId5"/>
-    <p:sldId id="260" r:id="rId6"/>
-    <p:sldId id="261" r:id="rId7"/>
-    <p:sldId id="262" r:id="rId8"/>
-    <p:sldId id="263" r:id="rId9"/>
-    <p:sldId id="264" r:id="rId10"/>
-    <p:sldId id="265" r:id="rId11"/>
+    <p:sldId id="266" r:id="rId3"/>
+    <p:sldId id="257" r:id="rId4"/>
+    <p:sldId id="258" r:id="rId5"/>
+    <p:sldId id="267" r:id="rId6"/>
+    <p:sldId id="259" r:id="rId7"/>
+    <p:sldId id="260" r:id="rId8"/>
+    <p:sldId id="268" r:id="rId9"/>
+    <p:sldId id="261" r:id="rId10"/>
+    <p:sldId id="269" r:id="rId11"/>
+    <p:sldId id="262" r:id="rId12"/>
+    <p:sldId id="263" r:id="rId13"/>
+    <p:sldId id="265" r:id="rId14"/>
   </p:sldIdLst>
   <p:sldSz cx="12192000" cy="6858000"/>
   <p:notesSz cx="6858000" cy="9144000"/>
@@ -121,788 +124,6 @@
 </p:presentation>
 </file>
 
-<file path=ppt/charts/chart1.xml><?xml version="1.0" encoding="utf-8"?>
-<c:chartSpace xmlns:c="http://schemas.openxmlformats.org/drawingml/2006/chart" xmlns:a="http://schemas.openxmlformats.org/drawingml/2006/main" xmlns:r="http://schemas.openxmlformats.org/officeDocument/2006/relationships">
-  <c:date1904 val="0"/>
-  <c:lang val="ru-RU"/>
-  <c:roundedCorners val="0"/>
-  <mc:AlternateContent xmlns:mc="http://schemas.openxmlformats.org/markup-compatibility/2006">
-    <mc:Choice xmlns:c14="http://schemas.microsoft.com/office/drawing/2007/8/2/chart" Requires="c14">
-      <c14:style val="102"/>
-    </mc:Choice>
-    <mc:Fallback>
-      <c:style val="2"/>
-    </mc:Fallback>
-  </mc:AlternateContent>
-  <c:chart>
-    <c:title>
-      <c:layout/>
-      <c:overlay val="0"/>
-      <c:spPr>
-        <a:noFill/>
-        <a:ln>
-          <a:noFill/>
-        </a:ln>
-        <a:effectLst/>
-      </c:spPr>
-      <c:txPr>
-        <a:bodyPr rot="0" spcFirstLastPara="1" vertOverflow="ellipsis" vert="horz" wrap="square" anchor="ctr" anchorCtr="1"/>
-        <a:lstStyle/>
-        <a:p>
-          <a:pPr>
-            <a:defRPr sz="1400" b="0" i="0" u="none" strike="noStrike" kern="1200" spc="0" baseline="0">
-              <a:solidFill>
-                <a:schemeClr val="tx1">
-                  <a:lumMod val="65000"/>
-                  <a:lumOff val="35000"/>
-                </a:schemeClr>
-              </a:solidFill>
-              <a:latin typeface="+mn-lt"/>
-              <a:ea typeface="+mn-ea"/>
-              <a:cs typeface="+mn-cs"/>
-            </a:defRPr>
-          </a:pPr>
-          <a:endParaRPr lang="ru-RU"/>
-        </a:p>
-      </c:txPr>
-    </c:title>
-    <c:autoTitleDeleted val="0"/>
-    <c:plotArea>
-      <c:layout/>
-      <c:pieChart>
-        <c:varyColors val="1"/>
-        <c:ser>
-          <c:idx val="0"/>
-          <c:order val="0"/>
-          <c:tx>
-            <c:strRef>
-              <c:f>Лист1!$B$1</c:f>
-              <c:strCache>
-                <c:ptCount val="1"/>
-                <c:pt idx="0">
-                  <c:v>  </c:v>
-                </c:pt>
-              </c:strCache>
-            </c:strRef>
-          </c:tx>
-          <c:dPt>
-            <c:idx val="0"/>
-            <c:bubble3D val="0"/>
-            <c:spPr>
-              <a:solidFill>
-                <a:schemeClr val="accent1"/>
-              </a:solidFill>
-              <a:ln>
-                <a:noFill/>
-              </a:ln>
-              <a:effectLst/>
-            </c:spPr>
-            <c:extLst xmlns:c16r2="http://schemas.microsoft.com/office/drawing/2015/06/chart">
-              <c:ext xmlns:c16="http://schemas.microsoft.com/office/drawing/2014/chart" uri="{C3380CC4-5D6E-409C-BE32-E72D297353CC}">
-                <c16:uniqueId val="{00000001-3A90-4A65-B299-6D361595ABC1}"/>
-              </c:ext>
-            </c:extLst>
-          </c:dPt>
-          <c:dPt>
-            <c:idx val="1"/>
-            <c:bubble3D val="0"/>
-            <c:spPr>
-              <a:solidFill>
-                <a:schemeClr val="accent3"/>
-              </a:solidFill>
-              <a:ln>
-                <a:noFill/>
-              </a:ln>
-              <a:effectLst/>
-            </c:spPr>
-            <c:extLst xmlns:c16r2="http://schemas.microsoft.com/office/drawing/2015/06/chart">
-              <c:ext xmlns:c16="http://schemas.microsoft.com/office/drawing/2014/chart" uri="{C3380CC4-5D6E-409C-BE32-E72D297353CC}">
-                <c16:uniqueId val="{00000003-3A90-4A65-B299-6D361595ABC1}"/>
-              </c:ext>
-            </c:extLst>
-          </c:dPt>
-          <c:dPt>
-            <c:idx val="2"/>
-            <c:bubble3D val="0"/>
-            <c:spPr>
-              <a:solidFill>
-                <a:schemeClr val="accent5"/>
-              </a:solidFill>
-              <a:ln>
-                <a:noFill/>
-              </a:ln>
-              <a:effectLst/>
-            </c:spPr>
-            <c:extLst xmlns:c16r2="http://schemas.microsoft.com/office/drawing/2015/06/chart">
-              <c:ext xmlns:c16="http://schemas.microsoft.com/office/drawing/2014/chart" uri="{C3380CC4-5D6E-409C-BE32-E72D297353CC}">
-                <c16:uniqueId val="{00000005-3A90-4A65-B299-6D361595ABC1}"/>
-              </c:ext>
-            </c:extLst>
-          </c:dPt>
-          <c:dLbls>
-            <c:spPr>
-              <a:noFill/>
-              <a:ln>
-                <a:noFill/>
-              </a:ln>
-              <a:effectLst/>
-            </c:spPr>
-            <c:txPr>
-              <a:bodyPr rot="0" spcFirstLastPara="1" vertOverflow="ellipsis" vert="horz" wrap="square" lIns="38100" tIns="19050" rIns="38100" bIns="19050" anchor="ctr" anchorCtr="1">
-                <a:spAutoFit/>
-              </a:bodyPr>
-              <a:lstStyle/>
-              <a:p>
-                <a:pPr>
-                  <a:defRPr sz="1800" b="0" i="0" u="none" strike="noStrike" kern="1200" baseline="0">
-                    <a:solidFill>
-                      <a:schemeClr val="tx1">
-                        <a:lumMod val="75000"/>
-                        <a:lumOff val="25000"/>
-                      </a:schemeClr>
-                    </a:solidFill>
-                    <a:latin typeface="+mn-lt"/>
-                    <a:ea typeface="+mn-ea"/>
-                    <a:cs typeface="+mn-cs"/>
-                  </a:defRPr>
-                </a:pPr>
-                <a:endParaRPr lang="ru-RU"/>
-              </a:p>
-            </c:txPr>
-            <c:dLblPos val="bestFit"/>
-            <c:showLegendKey val="0"/>
-            <c:showVal val="1"/>
-            <c:showCatName val="0"/>
-            <c:showSerName val="0"/>
-            <c:showPercent val="0"/>
-            <c:showBubbleSize val="0"/>
-            <c:showLeaderLines val="1"/>
-            <c:leaderLines>
-              <c:spPr>
-                <a:ln w="9525" cap="flat" cmpd="sng" algn="ctr">
-                  <a:solidFill>
-                    <a:schemeClr val="tx1">
-                      <a:lumMod val="35000"/>
-                      <a:lumOff val="65000"/>
-                    </a:schemeClr>
-                  </a:solidFill>
-                  <a:prstDash val="solid"/>
-                  <a:round/>
-                </a:ln>
-                <a:effectLst/>
-              </c:spPr>
-            </c:leaderLines>
-            <c:extLst xmlns:c16r2="http://schemas.microsoft.com/office/drawing/2015/06/chart">
-              <c:ext xmlns:c15="http://schemas.microsoft.com/office/drawing/2012/chart" uri="{CE6537A1-D6FC-4f65-9D91-7224C49458BB}">
-                <c15:layout/>
-              </c:ext>
-            </c:extLst>
-          </c:dLbls>
-          <c:cat>
-            <c:strRef>
-              <c:f>Лист1!$A$2:$A$4</c:f>
-              <c:strCache>
-                <c:ptCount val="3"/>
-                <c:pt idx="0">
-                  <c:v>США</c:v>
-                </c:pt>
-                <c:pt idx="1">
-                  <c:v>Германия</c:v>
-                </c:pt>
-                <c:pt idx="2">
-                  <c:v>Израиль</c:v>
-                </c:pt>
-              </c:strCache>
-            </c:strRef>
-          </c:cat>
-          <c:val>
-            <c:numRef>
-              <c:f>Лист1!$B$2:$B$4</c:f>
-              <c:numCache>
-                <c:formatCode>0%</c:formatCode>
-                <c:ptCount val="3"/>
-                <c:pt idx="0">
-                  <c:v>0.5</c:v>
-                </c:pt>
-                <c:pt idx="1">
-                  <c:v>0.35</c:v>
-                </c:pt>
-                <c:pt idx="2">
-                  <c:v>0.15</c:v>
-                </c:pt>
-              </c:numCache>
-            </c:numRef>
-          </c:val>
-          <c:extLst xmlns:c16r2="http://schemas.microsoft.com/office/drawing/2015/06/chart">
-            <c:ext xmlns:c16="http://schemas.microsoft.com/office/drawing/2014/chart" uri="{C3380CC4-5D6E-409C-BE32-E72D297353CC}">
-              <c16:uniqueId val="{00000006-3A90-4A65-B299-6D361595ABC1}"/>
-            </c:ext>
-          </c:extLst>
-        </c:ser>
-        <c:dLbls>
-          <c:showLegendKey val="0"/>
-          <c:showVal val="1"/>
-          <c:showCatName val="0"/>
-          <c:showSerName val="0"/>
-          <c:showPercent val="0"/>
-          <c:showBubbleSize val="0"/>
-          <c:showLeaderLines val="1"/>
-        </c:dLbls>
-        <c:firstSliceAng val="0"/>
-      </c:pieChart>
-      <c:spPr>
-        <a:noFill/>
-        <a:ln>
-          <a:noFill/>
-        </a:ln>
-        <a:effectLst/>
-      </c:spPr>
-    </c:plotArea>
-    <c:legend>
-      <c:legendPos val="b"/>
-      <c:layout/>
-      <c:overlay val="0"/>
-      <c:spPr>
-        <a:noFill/>
-        <a:ln>
-          <a:noFill/>
-        </a:ln>
-        <a:effectLst/>
-      </c:spPr>
-      <c:txPr>
-        <a:bodyPr rot="0" spcFirstLastPara="1" vertOverflow="ellipsis" vert="horz" wrap="square" anchor="ctr" anchorCtr="1"/>
-        <a:lstStyle/>
-        <a:p>
-          <a:pPr>
-            <a:defRPr sz="1200" b="0" i="0" u="none" strike="noStrike" kern="1200" baseline="0">
-              <a:solidFill>
-                <a:schemeClr val="tx1">
-                  <a:lumMod val="65000"/>
-                  <a:lumOff val="35000"/>
-                </a:schemeClr>
-              </a:solidFill>
-              <a:latin typeface="+mn-lt"/>
-              <a:ea typeface="+mn-ea"/>
-              <a:cs typeface="+mn-cs"/>
-            </a:defRPr>
-          </a:pPr>
-          <a:endParaRPr lang="ru-RU"/>
-        </a:p>
-      </c:txPr>
-    </c:legend>
-    <c:plotVisOnly val="1"/>
-    <c:dispBlanksAs val="zero"/>
-    <c:showDLblsOverMax val="0"/>
-  </c:chart>
-  <c:spPr>
-    <a:solidFill>
-      <a:schemeClr val="bg1"/>
-    </a:solidFill>
-    <a:ln w="9525" cap="flat" cmpd="sng" algn="ctr">
-      <a:solidFill>
-        <a:schemeClr val="tx1">
-          <a:lumMod val="15000"/>
-          <a:lumOff val="85000"/>
-        </a:schemeClr>
-      </a:solidFill>
-      <a:prstDash val="solid"/>
-      <a:round/>
-    </a:ln>
-    <a:effectLst/>
-  </c:spPr>
-  <c:txPr>
-    <a:bodyPr/>
-    <a:lstStyle/>
-    <a:p>
-      <a:pPr>
-        <a:defRPr/>
-      </a:pPr>
-      <a:endParaRPr lang="ru-RU"/>
-    </a:p>
-  </c:txPr>
-  <c:externalData r:id="rId3">
-    <c:autoUpdate val="0"/>
-  </c:externalData>
-</c:chartSpace>
-</file>
-
-<file path=ppt/charts/colors1.xml><?xml version="1.0" encoding="utf-8"?>
-<cs:colorStyle xmlns:cs="http://schemas.microsoft.com/office/drawing/2012/chartStyle" xmlns:a="http://schemas.openxmlformats.org/drawingml/2006/main" meth="cycle" id="11">
-  <a:schemeClr val="accent1"/>
-  <a:schemeClr val="accent3"/>
-  <a:schemeClr val="accent5"/>
-  <cs:variation/>
-  <cs:variation>
-    <a:lumMod val="60000"/>
-  </cs:variation>
-  <cs:variation>
-    <a:lumMod val="80000"/>
-    <a:lumOff val="20000"/>
-  </cs:variation>
-  <cs:variation>
-    <a:lumMod val="80000"/>
-  </cs:variation>
-  <cs:variation>
-    <a:lumMod val="60000"/>
-    <a:lumOff val="40000"/>
-  </cs:variation>
-  <cs:variation>
-    <a:lumMod val="50000"/>
-  </cs:variation>
-  <cs:variation>
-    <a:lumMod val="70000"/>
-    <a:lumOff val="30000"/>
-  </cs:variation>
-  <cs:variation>
-    <a:lumMod val="70000"/>
-  </cs:variation>
-  <cs:variation>
-    <a:lumMod val="50000"/>
-    <a:lumOff val="50000"/>
-  </cs:variation>
-</cs:colorStyle>
-</file>
-
-<file path=ppt/charts/style1.xml><?xml version="1.0" encoding="utf-8"?>
-<cs:chartStyle xmlns:cs="http://schemas.microsoft.com/office/drawing/2012/chartStyle" xmlns:a="http://schemas.openxmlformats.org/drawingml/2006/main" id="102">
-  <cs:axisTitle>
-    <cs:lnRef idx="0"/>
-    <cs:fillRef idx="0"/>
-    <cs:effectRef idx="0"/>
-    <cs:fontRef idx="minor">
-      <a:schemeClr val="tx1"/>
-    </cs:fontRef>
-    <cs:defRPr sz="1000" b="1" kern="1200"/>
-  </cs:axisTitle>
-  <cs:categoryAxis>
-    <cs:lnRef idx="1">
-      <a:schemeClr val="tx1">
-        <a:tint val="75000"/>
-      </a:schemeClr>
-    </cs:lnRef>
-    <cs:fillRef idx="0"/>
-    <cs:effectRef idx="0"/>
-    <cs:fontRef idx="minor">
-      <a:schemeClr val="tx1"/>
-    </cs:fontRef>
-    <cs:spPr>
-      <a:ln>
-        <a:round/>
-      </a:ln>
-    </cs:spPr>
-    <cs:defRPr sz="1000" kern="1200"/>
-  </cs:categoryAxis>
-  <cs:chartArea mods="allowNoFillOverride allowNoLineOverride">
-    <cs:lnRef idx="1">
-      <a:schemeClr val="tx1">
-        <a:tint val="75000"/>
-      </a:schemeClr>
-    </cs:lnRef>
-    <cs:fillRef idx="1">
-      <a:schemeClr val="bg1"/>
-    </cs:fillRef>
-    <cs:effectRef idx="0"/>
-    <cs:fontRef idx="minor">
-      <a:schemeClr val="tx1"/>
-    </cs:fontRef>
-    <cs:spPr>
-      <a:ln>
-        <a:round/>
-      </a:ln>
-    </cs:spPr>
-    <cs:defRPr sz="1000" kern="1200"/>
-  </cs:chartArea>
-  <cs:dataLabel>
-    <cs:lnRef idx="0"/>
-    <cs:fillRef idx="0"/>
-    <cs:effectRef idx="0"/>
-    <cs:fontRef idx="minor">
-      <a:schemeClr val="tx1"/>
-    </cs:fontRef>
-    <cs:defRPr sz="1000" kern="1200"/>
-  </cs:dataLabel>
-  <cs:dataLabelCallout>
-    <cs:lnRef idx="0"/>
-    <cs:fillRef idx="0"/>
-    <cs:effectRef idx="0"/>
-    <cs:fontRef idx="minor">
-      <a:schemeClr val="dk1"/>
-    </cs:fontRef>
-    <cs:spPr>
-      <a:solidFill>
-        <a:schemeClr val="lt1"/>
-      </a:solidFill>
-      <a:ln>
-        <a:solidFill>
-          <a:schemeClr val="dk1">
-            <a:lumMod val="65000"/>
-            <a:lumOff val="35000"/>
-          </a:schemeClr>
-        </a:solidFill>
-      </a:ln>
-    </cs:spPr>
-    <cs:defRPr sz="1000" kern="1200"/>
-  </cs:dataLabelCallout>
-  <cs:dataPoint>
-    <cs:lnRef idx="0"/>
-    <cs:fillRef idx="1">
-      <cs:styleClr val="auto"/>
-    </cs:fillRef>
-    <cs:effectRef idx="0"/>
-    <cs:fontRef idx="minor">
-      <a:schemeClr val="tx1"/>
-    </cs:fontRef>
-  </cs:dataPoint>
-  <cs:dataPoint3D>
-    <cs:lnRef idx="0"/>
-    <cs:fillRef idx="1">
-      <cs:styleClr val="auto"/>
-    </cs:fillRef>
-    <cs:effectRef idx="0"/>
-    <cs:fontRef idx="minor">
-      <a:schemeClr val="tx1"/>
-    </cs:fontRef>
-  </cs:dataPoint3D>
-  <cs:dataPointLine>
-    <cs:lnRef idx="1">
-      <cs:styleClr val="auto"/>
-    </cs:lnRef>
-    <cs:lineWidthScale>3</cs:lineWidthScale>
-    <cs:fillRef idx="0"/>
-    <cs:effectRef idx="0"/>
-    <cs:fontRef idx="minor">
-      <a:schemeClr val="tx1"/>
-    </cs:fontRef>
-    <cs:spPr>
-      <a:ln cap="rnd">
-        <a:round/>
-      </a:ln>
-    </cs:spPr>
-  </cs:dataPointLine>
-  <cs:dataPointMarker>
-    <cs:lnRef idx="1">
-      <cs:styleClr val="auto"/>
-    </cs:lnRef>
-    <cs:fillRef idx="1">
-      <cs:styleClr val="auto"/>
-    </cs:fillRef>
-    <cs:effectRef idx="0"/>
-    <cs:fontRef idx="minor">
-      <a:schemeClr val="tx1"/>
-    </cs:fontRef>
-    <cs:spPr>
-      <a:ln>
-        <a:round/>
-      </a:ln>
-    </cs:spPr>
-  </cs:dataPointMarker>
-  <cs:dataPointMarkerLayout/>
-  <cs:dataPointWireframe>
-    <cs:lnRef idx="1">
-      <cs:styleClr val="auto"/>
-    </cs:lnRef>
-    <cs:fillRef idx="0"/>
-    <cs:effectRef idx="0"/>
-    <cs:fontRef idx="minor">
-      <a:schemeClr val="tx1"/>
-    </cs:fontRef>
-    <cs:spPr>
-      <a:ln>
-        <a:round/>
-      </a:ln>
-    </cs:spPr>
-  </cs:dataPointWireframe>
-  <cs:dataTable>
-    <cs:lnRef idx="1">
-      <a:schemeClr val="tx1">
-        <a:tint val="75000"/>
-      </a:schemeClr>
-    </cs:lnRef>
-    <cs:fillRef idx="0"/>
-    <cs:effectRef idx="0"/>
-    <cs:fontRef idx="minor">
-      <a:schemeClr val="tx1"/>
-    </cs:fontRef>
-    <cs:spPr>
-      <a:ln>
-        <a:round/>
-      </a:ln>
-    </cs:spPr>
-    <cs:defRPr sz="1000" kern="1200"/>
-  </cs:dataTable>
-  <cs:downBar>
-    <cs:lnRef idx="1">
-      <a:schemeClr val="tx1"/>
-    </cs:lnRef>
-    <cs:fillRef idx="1">
-      <a:schemeClr val="dk1">
-        <a:tint val="95000"/>
-      </a:schemeClr>
-    </cs:fillRef>
-    <cs:effectRef idx="0"/>
-    <cs:fontRef idx="minor">
-      <a:schemeClr val="tx1"/>
-    </cs:fontRef>
-    <cs:spPr>
-      <a:ln>
-        <a:round/>
-      </a:ln>
-    </cs:spPr>
-  </cs:downBar>
-  <cs:dropLine>
-    <cs:lnRef idx="1">
-      <a:schemeClr val="tx1"/>
-    </cs:lnRef>
-    <cs:fillRef idx="0"/>
-    <cs:effectRef idx="0"/>
-    <cs:fontRef idx="minor">
-      <a:schemeClr val="tx1"/>
-    </cs:fontRef>
-    <cs:spPr>
-      <a:ln>
-        <a:round/>
-      </a:ln>
-    </cs:spPr>
-  </cs:dropLine>
-  <cs:errorBar>
-    <cs:lnRef idx="1">
-      <a:schemeClr val="tx1"/>
-    </cs:lnRef>
-    <cs:fillRef idx="1">
-      <a:schemeClr val="tx1"/>
-    </cs:fillRef>
-    <cs:effectRef idx="0"/>
-    <cs:fontRef idx="minor">
-      <a:schemeClr val="tx1"/>
-    </cs:fontRef>
-    <cs:spPr>
-      <a:ln>
-        <a:round/>
-      </a:ln>
-    </cs:spPr>
-  </cs:errorBar>
-  <cs:floor>
-    <cs:lnRef idx="1">
-      <a:schemeClr val="tx1">
-        <a:tint val="75000"/>
-      </a:schemeClr>
-    </cs:lnRef>
-    <cs:fillRef idx="0"/>
-    <cs:effectRef idx="0"/>
-    <cs:fontRef idx="minor">
-      <a:schemeClr val="tx1"/>
-    </cs:fontRef>
-    <cs:spPr>
-      <a:ln>
-        <a:round/>
-      </a:ln>
-    </cs:spPr>
-  </cs:floor>
-  <cs:gridlineMajor>
-    <cs:lnRef idx="1">
-      <a:schemeClr val="tx1">
-        <a:tint val="75000"/>
-      </a:schemeClr>
-    </cs:lnRef>
-    <cs:fillRef idx="0"/>
-    <cs:effectRef idx="0"/>
-    <cs:fontRef idx="minor">
-      <a:schemeClr val="tx1"/>
-    </cs:fontRef>
-    <cs:spPr>
-      <a:ln>
-        <a:round/>
-      </a:ln>
-    </cs:spPr>
-  </cs:gridlineMajor>
-  <cs:gridlineMinor>
-    <cs:lnRef idx="1">
-      <a:schemeClr val="tx1">
-        <a:tint val="50000"/>
-      </a:schemeClr>
-    </cs:lnRef>
-    <cs:fillRef idx="0"/>
-    <cs:effectRef idx="0"/>
-    <cs:fontRef idx="minor">
-      <a:schemeClr val="tx1"/>
-    </cs:fontRef>
-    <cs:spPr>
-      <a:ln>
-        <a:round/>
-      </a:ln>
-    </cs:spPr>
-  </cs:gridlineMinor>
-  <cs:hiLoLine>
-    <cs:lnRef idx="1">
-      <a:schemeClr val="tx1"/>
-    </cs:lnRef>
-    <cs:fillRef idx="0"/>
-    <cs:effectRef idx="0"/>
-    <cs:fontRef idx="minor">
-      <a:schemeClr val="tx1"/>
-    </cs:fontRef>
-    <cs:spPr>
-      <a:ln>
-        <a:round/>
-      </a:ln>
-    </cs:spPr>
-  </cs:hiLoLine>
-  <cs:leaderLine>
-    <cs:lnRef idx="1">
-      <a:schemeClr val="tx1"/>
-    </cs:lnRef>
-    <cs:fillRef idx="0"/>
-    <cs:effectRef idx="0"/>
-    <cs:fontRef idx="minor">
-      <a:schemeClr val="tx1"/>
-    </cs:fontRef>
-    <cs:spPr>
-      <a:ln>
-        <a:round/>
-      </a:ln>
-    </cs:spPr>
-  </cs:leaderLine>
-  <cs:legend>
-    <cs:lnRef idx="0"/>
-    <cs:fillRef idx="0"/>
-    <cs:effectRef idx="0"/>
-    <cs:fontRef idx="minor">
-      <a:schemeClr val="tx1"/>
-    </cs:fontRef>
-    <cs:defRPr sz="1000" kern="1200"/>
-  </cs:legend>
-  <cs:plotArea mods="allowNoFillOverride allowNoLineOverride">
-    <cs:lnRef idx="0"/>
-    <cs:fillRef idx="1">
-      <a:schemeClr val="bg1"/>
-    </cs:fillRef>
-    <cs:effectRef idx="0"/>
-    <cs:fontRef idx="minor">
-      <a:schemeClr val="tx1"/>
-    </cs:fontRef>
-  </cs:plotArea>
-  <cs:plotArea3D>
-    <cs:lnRef idx="0"/>
-    <cs:fillRef idx="0"/>
-    <cs:effectRef idx="0"/>
-    <cs:fontRef idx="minor">
-      <a:schemeClr val="tx1"/>
-    </cs:fontRef>
-  </cs:plotArea3D>
-  <cs:seriesAxis>
-    <cs:lnRef idx="1">
-      <a:schemeClr val="tx1">
-        <a:tint val="75000"/>
-      </a:schemeClr>
-    </cs:lnRef>
-    <cs:fillRef idx="0"/>
-    <cs:effectRef idx="0"/>
-    <cs:fontRef idx="minor">
-      <a:schemeClr val="tx1"/>
-    </cs:fontRef>
-    <cs:spPr>
-      <a:ln>
-        <a:round/>
-      </a:ln>
-    </cs:spPr>
-    <cs:defRPr sz="1000" kern="1200"/>
-  </cs:seriesAxis>
-  <cs:seriesLine>
-    <cs:lnRef idx="1">
-      <a:schemeClr val="tx1"/>
-    </cs:lnRef>
-    <cs:fillRef idx="0"/>
-    <cs:effectRef idx="0"/>
-    <cs:fontRef idx="minor">
-      <a:schemeClr val="tx1"/>
-    </cs:fontRef>
-    <cs:spPr>
-      <a:ln>
-        <a:round/>
-      </a:ln>
-    </cs:spPr>
-  </cs:seriesLine>
-  <cs:title>
-    <cs:lnRef idx="0"/>
-    <cs:fillRef idx="0"/>
-    <cs:effectRef idx="0"/>
-    <cs:fontRef idx="minor">
-      <a:schemeClr val="tx1"/>
-    </cs:fontRef>
-    <cs:defRPr sz="1800" b="1" kern="1200"/>
-  </cs:title>
-  <cs:trendline>
-    <cs:lnRef idx="1">
-      <a:schemeClr val="tx1"/>
-    </cs:lnRef>
-    <cs:fillRef idx="0"/>
-    <cs:effectRef idx="0"/>
-    <cs:fontRef idx="minor">
-      <a:schemeClr val="tx1"/>
-    </cs:fontRef>
-    <cs:spPr>
-      <a:ln cap="rnd">
-        <a:round/>
-      </a:ln>
-    </cs:spPr>
-  </cs:trendline>
-  <cs:trendlineLabel>
-    <cs:lnRef idx="0"/>
-    <cs:fillRef idx="0"/>
-    <cs:effectRef idx="0"/>
-    <cs:fontRef idx="minor">
-      <a:schemeClr val="tx1"/>
-    </cs:fontRef>
-    <cs:defRPr sz="1000" kern="1200"/>
-  </cs:trendlineLabel>
-  <cs:upBar>
-    <cs:lnRef idx="1">
-      <a:schemeClr val="tx1"/>
-    </cs:lnRef>
-    <cs:fillRef idx="1">
-      <a:schemeClr val="dk1">
-        <a:tint val="5000"/>
-      </a:schemeClr>
-    </cs:fillRef>
-    <cs:effectRef idx="0"/>
-    <cs:fontRef idx="minor">
-      <a:schemeClr val="tx1"/>
-    </cs:fontRef>
-    <cs:spPr>
-      <a:ln>
-        <a:round/>
-      </a:ln>
-    </cs:spPr>
-  </cs:upBar>
-  <cs:valueAxis>
-    <cs:lnRef idx="1">
-      <a:schemeClr val="tx1">
-        <a:tint val="75000"/>
-      </a:schemeClr>
-    </cs:lnRef>
-    <cs:fillRef idx="0"/>
-    <cs:effectRef idx="0"/>
-    <cs:fontRef idx="minor">
-      <a:schemeClr val="tx1"/>
-    </cs:fontRef>
-    <cs:spPr>
-      <a:ln>
-        <a:round/>
-      </a:ln>
-    </cs:spPr>
-    <cs:defRPr sz="1000" kern="1200"/>
-  </cs:valueAxis>
-  <cs:wall>
-    <cs:lnRef idx="0"/>
-    <cs:fillRef idx="0"/>
-    <cs:effectRef idx="0"/>
-    <cs:fontRef idx="minor">
-      <a:schemeClr val="tx1"/>
-    </cs:fontRef>
-  </cs:wall>
-</cs:chartStyle>
-</file>
-
 <file path=ppt/slideLayouts/slideLayout1.xml><?xml version="1.0" encoding="utf-8"?>
 <p:sldLayout xmlns:a="http://schemas.openxmlformats.org/drawingml/2006/main" xmlns:r="http://schemas.openxmlformats.org/officeDocument/2006/relationships" xmlns:p="http://schemas.openxmlformats.org/presentationml/2006/main" showMasterSp="0" type="title" preserve="1">
   <p:cSld name="Титульный слайд">
@@ -1129,7 +350,7 @@
           <a:p>
             <a:fld id="{6AFA171F-3C62-41FB-8A99-EBED87995FF0}" type="datetimeFigureOut">
               <a:rPr lang="ru-RU" smtClean="0"/>
-              <a:t>05.10.2016</a:t>
+              <a:t>19.10.2016</a:t>
             </a:fld>
             <a:endParaRPr lang="ru-RU"/>
           </a:p>
@@ -1337,7 +558,7 @@
           <a:p>
             <a:fld id="{6AFA171F-3C62-41FB-8A99-EBED87995FF0}" type="datetimeFigureOut">
               <a:rPr lang="ru-RU" smtClean="0"/>
-              <a:t>05.10.2016</a:t>
+              <a:t>19.10.2016</a:t>
             </a:fld>
             <a:endParaRPr lang="ru-RU"/>
           </a:p>
@@ -1593,7 +814,7 @@
           <a:p>
             <a:fld id="{6AFA171F-3C62-41FB-8A99-EBED87995FF0}" type="datetimeFigureOut">
               <a:rPr lang="ru-RU" smtClean="0"/>
-              <a:t>05.10.2016</a:t>
+              <a:t>19.10.2016</a:t>
             </a:fld>
             <a:endParaRPr lang="ru-RU"/>
           </a:p>
@@ -1767,7 +988,7 @@
           <a:p>
             <a:fld id="{6AFA171F-3C62-41FB-8A99-EBED87995FF0}" type="datetimeFigureOut">
               <a:rPr lang="ru-RU" smtClean="0"/>
-              <a:t>05.10.2016</a:t>
+              <a:t>19.10.2016</a:t>
             </a:fld>
             <a:endParaRPr lang="ru-RU"/>
           </a:p>
@@ -2110,7 +1331,7 @@
           <a:p>
             <a:fld id="{6AFA171F-3C62-41FB-8A99-EBED87995FF0}" type="datetimeFigureOut">
               <a:rPr lang="ru-RU" smtClean="0"/>
-              <a:t>05.10.2016</a:t>
+              <a:t>19.10.2016</a:t>
             </a:fld>
             <a:endParaRPr lang="ru-RU"/>
           </a:p>
@@ -2385,7 +1606,7 @@
           <a:p>
             <a:fld id="{6AFA171F-3C62-41FB-8A99-EBED87995FF0}" type="datetimeFigureOut">
               <a:rPr lang="ru-RU" smtClean="0"/>
-              <a:t>05.10.2016</a:t>
+              <a:t>19.10.2016</a:t>
             </a:fld>
             <a:endParaRPr lang="ru-RU"/>
           </a:p>
@@ -2764,7 +1985,7 @@
           <a:p>
             <a:fld id="{6AFA171F-3C62-41FB-8A99-EBED87995FF0}" type="datetimeFigureOut">
               <a:rPr lang="ru-RU" smtClean="0"/>
-              <a:t>05.10.2016</a:t>
+              <a:t>19.10.2016</a:t>
             </a:fld>
             <a:endParaRPr lang="ru-RU"/>
           </a:p>
@@ -2882,7 +2103,7 @@
           <a:p>
             <a:fld id="{6AFA171F-3C62-41FB-8A99-EBED87995FF0}" type="datetimeFigureOut">
               <a:rPr lang="ru-RU" smtClean="0"/>
-              <a:t>05.10.2016</a:t>
+              <a:t>19.10.2016</a:t>
             </a:fld>
             <a:endParaRPr lang="ru-RU"/>
           </a:p>
@@ -3053,7 +2274,7 @@
           <a:p>
             <a:fld id="{6AFA171F-3C62-41FB-8A99-EBED87995FF0}" type="datetimeFigureOut">
               <a:rPr lang="ru-RU" smtClean="0"/>
-              <a:t>05.10.2016</a:t>
+              <a:t>19.10.2016</a:t>
             </a:fld>
             <a:endParaRPr lang="ru-RU"/>
           </a:p>
@@ -3407,7 +2628,7 @@
           <a:p>
             <a:fld id="{6AFA171F-3C62-41FB-8A99-EBED87995FF0}" type="datetimeFigureOut">
               <a:rPr lang="ru-RU" smtClean="0"/>
-              <a:t>05.10.2016</a:t>
+              <a:t>19.10.2016</a:t>
             </a:fld>
             <a:endParaRPr lang="ru-RU"/>
           </a:p>
@@ -3789,7 +3010,7 @@
           <a:p>
             <a:fld id="{6AFA171F-3C62-41FB-8A99-EBED87995FF0}" type="datetimeFigureOut">
               <a:rPr lang="ru-RU" smtClean="0"/>
-              <a:t>05.10.2016</a:t>
+              <a:t>19.10.2016</a:t>
             </a:fld>
             <a:endParaRPr lang="ru-RU"/>
           </a:p>
@@ -4076,7 +3297,7 @@
           <a:p>
             <a:fld id="{6AFA171F-3C62-41FB-8A99-EBED87995FF0}" type="datetimeFigureOut">
               <a:rPr lang="ru-RU" smtClean="0"/>
-              <a:t>05.10.2016</a:t>
+              <a:t>19.10.2016</a:t>
             </a:fld>
             <a:endParaRPr lang="ru-RU"/>
           </a:p>
@@ -4646,7 +3867,7 @@
         </p:nvSpPr>
         <p:spPr>
           <a:xfrm>
-            <a:off x="2849879" y="3779520"/>
+            <a:off x="2849879" y="3810000"/>
             <a:ext cx="6676508" cy="523220"/>
           </a:xfrm>
           <a:prstGeom prst="rect">
@@ -4686,10 +3907,1429 @@
   <p:clrMapOvr>
     <a:masterClrMapping/>
   </p:clrMapOvr>
+  <p:timing>
+    <p:tnLst>
+      <p:par>
+        <p:cTn id="1" dur="indefinite" restart="never" nodeType="tmRoot"/>
+      </p:par>
+    </p:tnLst>
+  </p:timing>
 </p:sld>
 </file>
 
 <file path=ppt/slides/slide10.xml><?xml version="1.0" encoding="utf-8"?>
+<p:sld xmlns:a="http://schemas.openxmlformats.org/drawingml/2006/main" xmlns:r="http://schemas.openxmlformats.org/officeDocument/2006/relationships" xmlns:p="http://schemas.openxmlformats.org/presentationml/2006/main">
+  <p:cSld>
+    <p:spTree>
+      <p:nvGrpSpPr>
+        <p:cNvPr id="1" name=""/>
+        <p:cNvGrpSpPr/>
+        <p:nvPr/>
+      </p:nvGrpSpPr>
+      <p:grpSpPr>
+        <a:xfrm>
+          <a:off x="0" y="0"/>
+          <a:ext cx="0" cy="0"/>
+          <a:chOff x="0" y="0"/>
+          <a:chExt cx="0" cy="0"/>
+        </a:xfrm>
+      </p:grpSpPr>
+      <p:sp>
+        <p:nvSpPr>
+          <p:cNvPr id="5" name="TextBox 4"/>
+          <p:cNvSpPr txBox="1"/>
+          <p:nvPr/>
+        </p:nvSpPr>
+        <p:spPr>
+          <a:xfrm>
+            <a:off x="5181600" y="1326147"/>
+            <a:ext cx="7010400" cy="5047536"/>
+          </a:xfrm>
+          <a:prstGeom prst="rect">
+            <a:avLst/>
+          </a:prstGeom>
+          <a:noFill/>
+        </p:spPr>
+        <p:txBody>
+          <a:bodyPr wrap="square" rtlCol="0">
+            <a:spAutoFit/>
+          </a:bodyPr>
+          <a:lstStyle/>
+          <a:p>
+            <a:r>
+              <a:rPr lang="ru-RU" sz="2400" b="1" dirty="0" smtClean="0"/>
+              <a:t>Преимущества электромагнитных систем:</a:t>
+            </a:r>
+          </a:p>
+          <a:p>
+            <a:pPr marL="342900" lvl="0" indent="-342900">
+              <a:buFont typeface="+mj-lt"/>
+              <a:buAutoNum type="arabicPeriod"/>
+            </a:pPr>
+            <a:r>
+              <a:rPr lang="ru-RU" sz="2400" dirty="0">
+                <a:ea typeface="Times New Roman" panose="02020603050405020304" pitchFamily="18" charset="0"/>
+              </a:rPr>
+              <a:t>Не требуется четкая линия видимости между генератором поля и датчиком</a:t>
+            </a:r>
+          </a:p>
+          <a:p>
+            <a:pPr marL="342900" lvl="0" indent="-342900">
+              <a:buFont typeface="+mj-lt"/>
+              <a:buAutoNum type="arabicPeriod"/>
+            </a:pPr>
+            <a:r>
+              <a:rPr lang="ru-RU" sz="2400" dirty="0">
+                <a:ea typeface="Times New Roman" panose="02020603050405020304" pitchFamily="18" charset="0"/>
+              </a:rPr>
+              <a:t>Возможность использования гибкого инструмента внутри </a:t>
+            </a:r>
+            <a:r>
+              <a:rPr lang="ru-RU" sz="2400" dirty="0" smtClean="0">
+                <a:ea typeface="Times New Roman" panose="02020603050405020304" pitchFamily="18" charset="0"/>
+              </a:rPr>
+              <a:t>человека</a:t>
+            </a:r>
+          </a:p>
+          <a:p>
+            <a:pPr marL="342900" indent="-342900">
+              <a:buFont typeface="+mj-lt"/>
+              <a:buAutoNum type="arabicPeriod"/>
+            </a:pPr>
+            <a:r>
+              <a:rPr lang="ru-RU" sz="2400" dirty="0" smtClean="0">
+                <a:ea typeface="Times New Roman" panose="02020603050405020304" pitchFamily="18" charset="0"/>
+              </a:rPr>
+              <a:t>Более высока точность</a:t>
+            </a:r>
+            <a:endParaRPr lang="ru-RU" sz="2400" dirty="0">
+              <a:ea typeface="Times New Roman" panose="02020603050405020304" pitchFamily="18" charset="0"/>
+            </a:endParaRPr>
+          </a:p>
+          <a:p>
+            <a:r>
+              <a:rPr lang="ru-RU" sz="2400" b="1" dirty="0" smtClean="0"/>
+              <a:t>Недостатки </a:t>
+            </a:r>
+            <a:r>
+              <a:rPr lang="ru-RU" sz="2400" b="1" dirty="0"/>
+              <a:t>электромагнитных </a:t>
+            </a:r>
+            <a:r>
+              <a:rPr lang="ru-RU" sz="2400" b="1" dirty="0" smtClean="0"/>
+              <a:t>систем</a:t>
+            </a:r>
+            <a:r>
+              <a:rPr lang="ru-RU" sz="2400" b="1" dirty="0"/>
+              <a:t>:</a:t>
+            </a:r>
+          </a:p>
+          <a:p>
+            <a:pPr marL="342900" lvl="0" indent="-342900">
+              <a:spcBef>
+                <a:spcPts val="600"/>
+              </a:spcBef>
+              <a:spcAft>
+                <a:spcPts val="600"/>
+              </a:spcAft>
+              <a:buFont typeface="+mj-lt"/>
+              <a:buAutoNum type="arabicPeriod"/>
+            </a:pPr>
+            <a:r>
+              <a:rPr lang="ru-RU" sz="2400" dirty="0">
+                <a:ea typeface="Times New Roman" panose="02020603050405020304" pitchFamily="18" charset="0"/>
+              </a:rPr>
+              <a:t>Возникают ошибки обнаружения, если система работает с металлическими объектами</a:t>
+            </a:r>
+          </a:p>
+          <a:p>
+            <a:pPr marL="342900" lvl="0" indent="-342900">
+              <a:buFont typeface="+mj-lt"/>
+              <a:buAutoNum type="arabicPeriod"/>
+            </a:pPr>
+            <a:r>
+              <a:rPr lang="ru-RU" sz="2400" dirty="0">
+                <a:ea typeface="Times New Roman" panose="02020603050405020304" pitchFamily="18" charset="0"/>
+              </a:rPr>
+              <a:t>Нет возможности провести МРТ во время проведения операции</a:t>
+            </a:r>
+          </a:p>
+          <a:p>
+            <a:pPr marL="342900" lvl="0" indent="-342900">
+              <a:buFont typeface="+mj-lt"/>
+              <a:buAutoNum type="arabicPeriod"/>
+            </a:pPr>
+            <a:r>
+              <a:rPr lang="ru-RU" sz="2400" dirty="0">
+                <a:ea typeface="Times New Roman" panose="02020603050405020304" pitchFamily="18" charset="0"/>
+              </a:rPr>
+              <a:t>Более дорогое оборудование по сравнению с оптической навигационной </a:t>
+            </a:r>
+            <a:r>
+              <a:rPr lang="ru-RU" sz="2400" dirty="0" smtClean="0">
+                <a:ea typeface="Times New Roman" panose="02020603050405020304" pitchFamily="18" charset="0"/>
+              </a:rPr>
+              <a:t>системой</a:t>
+            </a:r>
+            <a:endParaRPr lang="ru-RU" sz="2400" dirty="0"/>
+          </a:p>
+        </p:txBody>
+      </p:sp>
+      <p:sp>
+        <p:nvSpPr>
+          <p:cNvPr id="6" name="TextBox 5"/>
+          <p:cNvSpPr txBox="1"/>
+          <p:nvPr/>
+        </p:nvSpPr>
+        <p:spPr>
+          <a:xfrm>
+            <a:off x="1767840" y="335280"/>
+            <a:ext cx="8894486" cy="646331"/>
+          </a:xfrm>
+          <a:prstGeom prst="rect">
+            <a:avLst/>
+          </a:prstGeom>
+          <a:noFill/>
+        </p:spPr>
+        <p:txBody>
+          <a:bodyPr wrap="none" rtlCol="0">
+            <a:spAutoFit/>
+          </a:bodyPr>
+          <a:lstStyle/>
+          <a:p>
+            <a:r>
+              <a:rPr lang="ru-RU" sz="3600" dirty="0" smtClean="0"/>
+              <a:t>Электромагнитные навигационные системы</a:t>
+            </a:r>
+            <a:endParaRPr lang="ru-RU" sz="3600" dirty="0"/>
+          </a:p>
+        </p:txBody>
+      </p:sp>
+      <p:pic>
+        <p:nvPicPr>
+          <p:cNvPr id="1026" name="Picture 2" descr="Large image of Figure 1."/>
+          <p:cNvPicPr>
+            <a:picLocks noChangeAspect="1" noChangeArrowheads="1"/>
+          </p:cNvPicPr>
+          <p:nvPr/>
+        </p:nvPicPr>
+        <p:blipFill>
+          <a:blip r:embed="rId2">
+            <a:extLst>
+              <a:ext uri="{28A0092B-C50C-407E-A947-70E740481C1C}">
+                <a14:useLocalDpi xmlns:a14="http://schemas.microsoft.com/office/drawing/2010/main" val="0"/>
+              </a:ext>
+            </a:extLst>
+          </a:blip>
+          <a:srcRect/>
+          <a:stretch>
+            <a:fillRect/>
+          </a:stretch>
+        </p:blipFill>
+        <p:spPr bwMode="auto">
+          <a:xfrm>
+            <a:off x="266700" y="1326147"/>
+            <a:ext cx="4914900" cy="4314826"/>
+          </a:xfrm>
+          <a:prstGeom prst="rect">
+            <a:avLst/>
+          </a:prstGeom>
+          <a:noFill/>
+          <a:extLst>
+            <a:ext uri="{909E8E84-426E-40DD-AFC4-6F175D3DCCD1}">
+              <a14:hiddenFill xmlns:a14="http://schemas.microsoft.com/office/drawing/2010/main">
+                <a:solidFill>
+                  <a:srgbClr val="FFFFFF"/>
+                </a:solidFill>
+              </a14:hiddenFill>
+            </a:ext>
+          </a:extLst>
+        </p:spPr>
+      </p:pic>
+      <p:sp>
+        <p:nvSpPr>
+          <p:cNvPr id="2" name="TextBox 1"/>
+          <p:cNvSpPr txBox="1"/>
+          <p:nvPr/>
+        </p:nvSpPr>
+        <p:spPr>
+          <a:xfrm>
+            <a:off x="613410" y="5662343"/>
+            <a:ext cx="4221480" cy="646331"/>
+          </a:xfrm>
+          <a:prstGeom prst="rect">
+            <a:avLst/>
+          </a:prstGeom>
+          <a:noFill/>
+        </p:spPr>
+        <p:txBody>
+          <a:bodyPr wrap="square" rtlCol="0">
+            <a:spAutoFit/>
+          </a:bodyPr>
+          <a:lstStyle/>
+          <a:p>
+            <a:pPr algn="ctr"/>
+            <a:r>
+              <a:rPr lang="ru-RU" dirty="0" smtClean="0"/>
+              <a:t>Способ расположения генератора электромагнитных волн</a:t>
+            </a:r>
+            <a:endParaRPr lang="ru-RU" dirty="0"/>
+          </a:p>
+        </p:txBody>
+      </p:sp>
+    </p:spTree>
+    <p:extLst>
+      <p:ext uri="{BB962C8B-B14F-4D97-AF65-F5344CB8AC3E}">
+        <p14:creationId xmlns:p14="http://schemas.microsoft.com/office/powerpoint/2010/main" val="1438668449"/>
+      </p:ext>
+    </p:extLst>
+  </p:cSld>
+  <p:clrMapOvr>
+    <a:masterClrMapping/>
+  </p:clrMapOvr>
+</p:sld>
+</file>
+
+<file path=ppt/slides/slide11.xml><?xml version="1.0" encoding="utf-8"?>
+<p:sld xmlns:a="http://schemas.openxmlformats.org/drawingml/2006/main" xmlns:r="http://schemas.openxmlformats.org/officeDocument/2006/relationships" xmlns:p="http://schemas.openxmlformats.org/presentationml/2006/main">
+  <p:cSld>
+    <p:spTree>
+      <p:nvGrpSpPr>
+        <p:cNvPr id="1" name=""/>
+        <p:cNvGrpSpPr/>
+        <p:nvPr/>
+      </p:nvGrpSpPr>
+      <p:grpSpPr>
+        <a:xfrm>
+          <a:off x="0" y="0"/>
+          <a:ext cx="0" cy="0"/>
+          <a:chOff x="0" y="0"/>
+          <a:chExt cx="0" cy="0"/>
+        </a:xfrm>
+      </p:grpSpPr>
+      <p:sp>
+        <p:nvSpPr>
+          <p:cNvPr id="4" name="TextBox 3"/>
+          <p:cNvSpPr txBox="1"/>
+          <p:nvPr/>
+        </p:nvSpPr>
+        <p:spPr>
+          <a:xfrm>
+            <a:off x="2362200" y="259080"/>
+            <a:ext cx="7800020" cy="646331"/>
+          </a:xfrm>
+          <a:prstGeom prst="rect">
+            <a:avLst/>
+          </a:prstGeom>
+          <a:noFill/>
+        </p:spPr>
+        <p:txBody>
+          <a:bodyPr wrap="none" rtlCol="0">
+            <a:spAutoFit/>
+          </a:bodyPr>
+          <a:lstStyle/>
+          <a:p>
+            <a:r>
+              <a:rPr lang="ru-RU" sz="3600" dirty="0" smtClean="0"/>
+              <a:t>Акустические навигационные системы</a:t>
+            </a:r>
+            <a:endParaRPr lang="ru-RU" sz="3600" dirty="0"/>
+          </a:p>
+        </p:txBody>
+      </p:sp>
+      <p:graphicFrame>
+        <p:nvGraphicFramePr>
+          <p:cNvPr id="5" name="Таблица 4"/>
+          <p:cNvGraphicFramePr>
+            <a:graphicFrameLocks noGrp="1"/>
+          </p:cNvGraphicFramePr>
+          <p:nvPr>
+            <p:extLst>
+              <p:ext uri="{D42A27DB-BD31-4B8C-83A1-F6EECF244321}">
+                <p14:modId xmlns:p14="http://schemas.microsoft.com/office/powerpoint/2010/main" val="943951465"/>
+              </p:ext>
+            </p:extLst>
+          </p:nvPr>
+        </p:nvGraphicFramePr>
+        <p:xfrm>
+          <a:off x="5284937" y="905411"/>
+          <a:ext cx="5642143" cy="1266150"/>
+        </p:xfrm>
+        <a:graphic>
+          <a:graphicData uri="http://schemas.openxmlformats.org/drawingml/2006/table">
+            <a:tbl>
+              <a:tblPr firstRow="1" bandRow="1">
+                <a:tableStyleId>{5C22544A-7EE6-4342-B048-85BDC9FD1C3A}</a:tableStyleId>
+              </a:tblPr>
+              <a:tblGrid>
+                <a:gridCol w="2670343"/>
+                <a:gridCol w="1188720"/>
+                <a:gridCol w="1783080"/>
+              </a:tblGrid>
+              <a:tr h="198216">
+                <a:tc>
+                  <a:txBody>
+                    <a:bodyPr/>
+                    <a:lstStyle/>
+                    <a:p>
+                      <a:pPr algn="just">
+                        <a:lnSpc>
+                          <a:spcPct val="150000"/>
+                        </a:lnSpc>
+                        <a:spcAft>
+                          <a:spcPts val="0"/>
+                        </a:spcAft>
+                      </a:pPr>
+                      <a:r>
+                        <a:rPr lang="ru-RU" sz="1400" dirty="0">
+                          <a:effectLst/>
+                          <a:latin typeface="Times New Roman" panose="02020603050405020304" pitchFamily="18" charset="0"/>
+                          <a:ea typeface="Calibri" panose="020F0502020204030204" pitchFamily="34" charset="0"/>
+                          <a:cs typeface="Times New Roman" panose="02020603050405020304" pitchFamily="18" charset="0"/>
+                        </a:rPr>
+                        <a:t>Наименование</a:t>
+                      </a:r>
+                      <a:endParaRPr lang="ru-RU" sz="1100" dirty="0">
+                        <a:effectLst/>
+                        <a:latin typeface="Calibri" panose="020F0502020204030204" pitchFamily="34" charset="0"/>
+                        <a:ea typeface="Calibri" panose="020F0502020204030204" pitchFamily="34" charset="0"/>
+                        <a:cs typeface="Times New Roman" panose="02020603050405020304" pitchFamily="18" charset="0"/>
+                      </a:endParaRPr>
+                    </a:p>
+                  </a:txBody>
+                  <a:tcPr marL="68580" marR="68580" marT="0" marB="0"/>
+                </a:tc>
+                <a:tc>
+                  <a:txBody>
+                    <a:bodyPr/>
+                    <a:lstStyle/>
+                    <a:p>
+                      <a:r>
+                        <a:rPr lang="ru-RU" sz="1800" b="1" kern="1200" dirty="0" smtClean="0">
+                          <a:solidFill>
+                            <a:schemeClr val="lt1"/>
+                          </a:solidFill>
+                          <a:effectLst/>
+                          <a:latin typeface="+mn-lt"/>
+                          <a:ea typeface="+mn-ea"/>
+                          <a:cs typeface="+mn-cs"/>
+                        </a:rPr>
+                        <a:t>Величина</a:t>
+                      </a:r>
+                      <a:endParaRPr lang="ru-RU" dirty="0"/>
+                    </a:p>
+                  </a:txBody>
+                  <a:tcPr/>
+                </a:tc>
+                <a:tc>
+                  <a:txBody>
+                    <a:bodyPr/>
+                    <a:lstStyle/>
+                    <a:p>
+                      <a:r>
+                        <a:rPr lang="ru-RU" sz="1800" b="1" kern="1200" dirty="0" smtClean="0">
+                          <a:solidFill>
+                            <a:schemeClr val="lt1"/>
+                          </a:solidFill>
+                          <a:effectLst/>
+                          <a:latin typeface="+mn-lt"/>
+                          <a:ea typeface="+mn-ea"/>
+                          <a:cs typeface="+mn-cs"/>
+                        </a:rPr>
+                        <a:t>Диапазон</a:t>
+                      </a:r>
+                      <a:endParaRPr lang="ru-RU" dirty="0"/>
+                    </a:p>
+                  </a:txBody>
+                  <a:tcPr/>
+                </a:tc>
+              </a:tr>
+              <a:tr h="450195">
+                <a:tc>
+                  <a:txBody>
+                    <a:bodyPr/>
+                    <a:lstStyle/>
+                    <a:p>
+                      <a:pPr algn="just">
+                        <a:lnSpc>
+                          <a:spcPct val="150000"/>
+                        </a:lnSpc>
+                        <a:spcAft>
+                          <a:spcPts val="0"/>
+                        </a:spcAft>
+                      </a:pPr>
+                      <a:r>
+                        <a:rPr lang="ru-RU" sz="1800" dirty="0" smtClean="0">
+                          <a:effectLst/>
+                          <a:latin typeface="+mn-lt"/>
+                          <a:ea typeface="Calibri" panose="020F0502020204030204" pitchFamily="34" charset="0"/>
+                          <a:cs typeface="Times New Roman" panose="02020603050405020304" pitchFamily="18" charset="0"/>
+                        </a:rPr>
+                        <a:t>Частота</a:t>
+                      </a:r>
+                      <a:r>
+                        <a:rPr lang="en-US" sz="1800" dirty="0" smtClean="0">
+                          <a:effectLst/>
+                          <a:latin typeface="+mn-lt"/>
+                          <a:ea typeface="Calibri" panose="020F0502020204030204" pitchFamily="34" charset="0"/>
+                          <a:cs typeface="Times New Roman" panose="02020603050405020304" pitchFamily="18" charset="0"/>
+                        </a:rPr>
+                        <a:t> </a:t>
+                      </a:r>
+                      <a:r>
+                        <a:rPr lang="ru-RU" sz="1800" dirty="0" smtClean="0">
+                          <a:effectLst/>
+                          <a:latin typeface="+mn-lt"/>
+                          <a:ea typeface="Calibri" panose="020F0502020204030204" pitchFamily="34" charset="0"/>
+                          <a:cs typeface="Times New Roman" panose="02020603050405020304" pitchFamily="18" charset="0"/>
+                        </a:rPr>
+                        <a:t>детектирования</a:t>
+                      </a:r>
+                      <a:endParaRPr lang="ru-RU" sz="1800" dirty="0">
+                        <a:effectLst/>
+                        <a:latin typeface="+mn-lt"/>
+                        <a:ea typeface="Calibri" panose="020F0502020204030204" pitchFamily="34" charset="0"/>
+                        <a:cs typeface="Times New Roman" panose="02020603050405020304" pitchFamily="18" charset="0"/>
+                      </a:endParaRPr>
+                    </a:p>
+                  </a:txBody>
+                  <a:tcPr marL="68580" marR="68580" marT="0" marB="0"/>
+                </a:tc>
+                <a:tc>
+                  <a:txBody>
+                    <a:bodyPr/>
+                    <a:lstStyle/>
+                    <a:p>
+                      <a:pPr algn="just">
+                        <a:lnSpc>
+                          <a:spcPct val="150000"/>
+                        </a:lnSpc>
+                        <a:spcAft>
+                          <a:spcPts val="0"/>
+                        </a:spcAft>
+                      </a:pPr>
+                      <a:r>
+                        <a:rPr lang="ru-RU" sz="1800" dirty="0">
+                          <a:effectLst/>
+                          <a:latin typeface="+mn-lt"/>
+                          <a:ea typeface="Calibri" panose="020F0502020204030204" pitchFamily="34" charset="0"/>
+                          <a:cs typeface="Times New Roman" panose="02020603050405020304" pitchFamily="18" charset="0"/>
+                        </a:rPr>
+                        <a:t>К</a:t>
+                      </a:r>
+                      <a:r>
+                        <a:rPr lang="ru-RU" sz="1800" dirty="0" smtClean="0">
+                          <a:effectLst/>
+                          <a:latin typeface="+mn-lt"/>
+                          <a:ea typeface="Calibri" panose="020F0502020204030204" pitchFamily="34" charset="0"/>
+                          <a:cs typeface="Times New Roman" panose="02020603050405020304" pitchFamily="18" charset="0"/>
+                        </a:rPr>
+                        <a:t>Гц</a:t>
+                      </a:r>
+                      <a:endParaRPr lang="ru-RU" sz="1800" dirty="0">
+                        <a:effectLst/>
+                        <a:latin typeface="+mn-lt"/>
+                        <a:ea typeface="Calibri" panose="020F0502020204030204" pitchFamily="34" charset="0"/>
+                        <a:cs typeface="Times New Roman" panose="02020603050405020304" pitchFamily="18" charset="0"/>
+                      </a:endParaRPr>
+                    </a:p>
+                  </a:txBody>
+                  <a:tcPr marL="68580" marR="68580" marT="0" marB="0"/>
+                </a:tc>
+                <a:tc>
+                  <a:txBody>
+                    <a:bodyPr/>
+                    <a:lstStyle/>
+                    <a:p>
+                      <a:pPr algn="just">
+                        <a:lnSpc>
+                          <a:spcPct val="150000"/>
+                        </a:lnSpc>
+                        <a:spcAft>
+                          <a:spcPts val="0"/>
+                        </a:spcAft>
+                      </a:pPr>
+                      <a:r>
+                        <a:rPr lang="ru-RU" sz="1800" kern="1200" dirty="0" smtClean="0">
+                          <a:solidFill>
+                            <a:schemeClr val="dk1"/>
+                          </a:solidFill>
+                          <a:effectLst/>
+                          <a:latin typeface="+mn-lt"/>
+                          <a:ea typeface="+mn-ea"/>
+                          <a:cs typeface="+mn-cs"/>
+                        </a:rPr>
+                        <a:t>≈20</a:t>
+                      </a:r>
+                      <a:endParaRPr lang="ru-RU" sz="1800" dirty="0">
+                        <a:effectLst/>
+                        <a:latin typeface="+mn-lt"/>
+                        <a:ea typeface="Calibri" panose="020F0502020204030204" pitchFamily="34" charset="0"/>
+                        <a:cs typeface="Times New Roman" panose="02020603050405020304" pitchFamily="18" charset="0"/>
+                      </a:endParaRPr>
+                    </a:p>
+                  </a:txBody>
+                  <a:tcPr marL="68580" marR="68580" marT="0" marB="0"/>
+                </a:tc>
+              </a:tr>
+              <a:tr h="450195">
+                <a:tc>
+                  <a:txBody>
+                    <a:bodyPr/>
+                    <a:lstStyle/>
+                    <a:p>
+                      <a:pPr algn="just">
+                        <a:lnSpc>
+                          <a:spcPct val="150000"/>
+                        </a:lnSpc>
+                        <a:spcAft>
+                          <a:spcPts val="0"/>
+                        </a:spcAft>
+                      </a:pPr>
+                      <a:r>
+                        <a:rPr lang="ru-RU" sz="1800">
+                          <a:effectLst/>
+                          <a:latin typeface="+mn-lt"/>
+                          <a:ea typeface="Calibri" panose="020F0502020204030204" pitchFamily="34" charset="0"/>
+                          <a:cs typeface="Times New Roman" panose="02020603050405020304" pitchFamily="18" charset="0"/>
+                        </a:rPr>
+                        <a:t>Точность</a:t>
+                      </a:r>
+                    </a:p>
+                  </a:txBody>
+                  <a:tcPr marL="68580" marR="68580" marT="0" marB="0"/>
+                </a:tc>
+                <a:tc>
+                  <a:txBody>
+                    <a:bodyPr/>
+                    <a:lstStyle/>
+                    <a:p>
+                      <a:pPr algn="just">
+                        <a:lnSpc>
+                          <a:spcPct val="150000"/>
+                        </a:lnSpc>
+                        <a:spcAft>
+                          <a:spcPts val="0"/>
+                        </a:spcAft>
+                      </a:pPr>
+                      <a:r>
+                        <a:rPr lang="ru-RU" sz="1800">
+                          <a:effectLst/>
+                          <a:latin typeface="+mn-lt"/>
+                          <a:ea typeface="Calibri" panose="020F0502020204030204" pitchFamily="34" charset="0"/>
+                          <a:cs typeface="Times New Roman" panose="02020603050405020304" pitchFamily="18" charset="0"/>
+                        </a:rPr>
+                        <a:t>мм</a:t>
+                      </a:r>
+                    </a:p>
+                  </a:txBody>
+                  <a:tcPr marL="68580" marR="68580" marT="0" marB="0"/>
+                </a:tc>
+                <a:tc>
+                  <a:txBody>
+                    <a:bodyPr/>
+                    <a:lstStyle/>
+                    <a:p>
+                      <a:pPr algn="just">
+                        <a:lnSpc>
+                          <a:spcPct val="150000"/>
+                        </a:lnSpc>
+                        <a:spcAft>
+                          <a:spcPts val="0"/>
+                        </a:spcAft>
+                      </a:pPr>
+                      <a:r>
+                        <a:rPr lang="ru-RU" sz="1800" dirty="0">
+                          <a:effectLst/>
+                          <a:latin typeface="+mn-lt"/>
+                          <a:ea typeface="Calibri" panose="020F0502020204030204" pitchFamily="34" charset="0"/>
+                          <a:cs typeface="Times New Roman" panose="02020603050405020304" pitchFamily="18" charset="0"/>
+                        </a:rPr>
+                        <a:t> </a:t>
+                      </a:r>
+                      <a:r>
+                        <a:rPr lang="ru-RU" sz="1800" kern="1200" dirty="0" smtClean="0">
+                          <a:solidFill>
+                            <a:schemeClr val="dk1"/>
+                          </a:solidFill>
+                          <a:effectLst/>
+                          <a:latin typeface="+mn-lt"/>
+                          <a:ea typeface="+mn-ea"/>
+                          <a:cs typeface="+mn-cs"/>
+                        </a:rPr>
+                        <a:t>≈</a:t>
+                      </a:r>
+                      <a:r>
+                        <a:rPr lang="en-US" sz="1800" kern="1200" dirty="0" smtClean="0">
+                          <a:solidFill>
+                            <a:schemeClr val="dk1"/>
+                          </a:solidFill>
+                          <a:effectLst/>
+                          <a:latin typeface="+mn-lt"/>
+                          <a:ea typeface="+mn-ea"/>
+                          <a:cs typeface="+mn-cs"/>
+                        </a:rPr>
+                        <a:t>1.0-2.0</a:t>
+                      </a:r>
+                      <a:endParaRPr lang="ru-RU" sz="1800" dirty="0">
+                        <a:effectLst/>
+                        <a:latin typeface="+mn-lt"/>
+                        <a:ea typeface="Calibri" panose="020F0502020204030204" pitchFamily="34" charset="0"/>
+                        <a:cs typeface="Times New Roman" panose="02020603050405020304" pitchFamily="18" charset="0"/>
+                      </a:endParaRPr>
+                    </a:p>
+                  </a:txBody>
+                  <a:tcPr marL="68580" marR="68580" marT="0" marB="0"/>
+                </a:tc>
+              </a:tr>
+            </a:tbl>
+          </a:graphicData>
+        </a:graphic>
+      </p:graphicFrame>
+      <p:sp>
+        <p:nvSpPr>
+          <p:cNvPr id="6" name="TextBox 5"/>
+          <p:cNvSpPr txBox="1"/>
+          <p:nvPr/>
+        </p:nvSpPr>
+        <p:spPr>
+          <a:xfrm>
+            <a:off x="5886380" y="2171561"/>
+            <a:ext cx="4852675" cy="369332"/>
+          </a:xfrm>
+          <a:prstGeom prst="rect">
+            <a:avLst/>
+          </a:prstGeom>
+          <a:noFill/>
+        </p:spPr>
+        <p:txBody>
+          <a:bodyPr wrap="none" rtlCol="0">
+            <a:spAutoFit/>
+          </a:bodyPr>
+          <a:lstStyle/>
+          <a:p>
+            <a:r>
+              <a:rPr lang="ru-RU" dirty="0" smtClean="0"/>
+              <a:t>Основные характеристики акустических систем</a:t>
+            </a:r>
+            <a:endParaRPr lang="ru-RU" dirty="0"/>
+          </a:p>
+        </p:txBody>
+      </p:sp>
+      <p:pic>
+        <p:nvPicPr>
+          <p:cNvPr id="2" name="Рисунок 1"/>
+          <p:cNvPicPr>
+            <a:picLocks noChangeAspect="1"/>
+          </p:cNvPicPr>
+          <p:nvPr/>
+        </p:nvPicPr>
+        <p:blipFill>
+          <a:blip r:embed="rId2"/>
+          <a:stretch>
+            <a:fillRect/>
+          </a:stretch>
+        </p:blipFill>
+        <p:spPr>
+          <a:xfrm>
+            <a:off x="443965" y="905411"/>
+            <a:ext cx="3313582" cy="4402501"/>
+          </a:xfrm>
+          <a:prstGeom prst="rect">
+            <a:avLst/>
+          </a:prstGeom>
+        </p:spPr>
+      </p:pic>
+      <p:sp>
+        <p:nvSpPr>
+          <p:cNvPr id="3" name="TextBox 2"/>
+          <p:cNvSpPr txBox="1"/>
+          <p:nvPr/>
+        </p:nvSpPr>
+        <p:spPr>
+          <a:xfrm>
+            <a:off x="67186" y="5307912"/>
+            <a:ext cx="4067139" cy="646331"/>
+          </a:xfrm>
+          <a:prstGeom prst="rect">
+            <a:avLst/>
+          </a:prstGeom>
+          <a:noFill/>
+        </p:spPr>
+        <p:txBody>
+          <a:bodyPr wrap="none" rtlCol="0">
+            <a:spAutoFit/>
+          </a:bodyPr>
+          <a:lstStyle/>
+          <a:p>
+            <a:pPr algn="ctr"/>
+            <a:r>
+              <a:rPr lang="ru-RU" dirty="0" smtClean="0"/>
+              <a:t>Облако точек полученное при помощи </a:t>
+            </a:r>
+          </a:p>
+          <a:p>
+            <a:pPr algn="ctr"/>
+            <a:r>
+              <a:rPr lang="ru-RU" dirty="0" smtClean="0"/>
+              <a:t>акустической навигационной системы</a:t>
+            </a:r>
+            <a:endParaRPr lang="ru-RU" dirty="0"/>
+          </a:p>
+        </p:txBody>
+      </p:sp>
+      <p:sp>
+        <p:nvSpPr>
+          <p:cNvPr id="8" name="TextBox 7"/>
+          <p:cNvSpPr txBox="1"/>
+          <p:nvPr/>
+        </p:nvSpPr>
+        <p:spPr>
+          <a:xfrm>
+            <a:off x="5110647" y="3268087"/>
+            <a:ext cx="6404143" cy="3046988"/>
+          </a:xfrm>
+          <a:prstGeom prst="rect">
+            <a:avLst/>
+          </a:prstGeom>
+          <a:noFill/>
+        </p:spPr>
+        <p:txBody>
+          <a:bodyPr wrap="square" rtlCol="0">
+            <a:spAutoFit/>
+          </a:bodyPr>
+          <a:lstStyle/>
+          <a:p>
+            <a:r>
+              <a:rPr lang="ru-RU" sz="2400" b="1" dirty="0" smtClean="0"/>
+              <a:t>Преимущества:</a:t>
+            </a:r>
+          </a:p>
+          <a:p>
+            <a:pPr marL="342900" indent="-342900">
+              <a:buFont typeface="+mj-lt"/>
+              <a:buAutoNum type="arabicPeriod"/>
+            </a:pPr>
+            <a:r>
+              <a:rPr lang="ru-RU" sz="2400" dirty="0" smtClean="0"/>
+              <a:t>Возможность получения облака точек оперируемого объекта во время операции</a:t>
+            </a:r>
+          </a:p>
+          <a:p>
+            <a:r>
+              <a:rPr lang="ru-RU" sz="2400" b="1" dirty="0" smtClean="0"/>
+              <a:t>Недостатки:</a:t>
+            </a:r>
+          </a:p>
+          <a:p>
+            <a:pPr marL="342900" indent="-342900">
+              <a:buFont typeface="+mj-lt"/>
+              <a:buAutoNum type="arabicPeriod"/>
+            </a:pPr>
+            <a:r>
+              <a:rPr lang="ru-RU" sz="2400" dirty="0" smtClean="0"/>
+              <a:t>Дороговизна оборудования</a:t>
+            </a:r>
+          </a:p>
+          <a:p>
+            <a:pPr marL="342900" indent="-342900">
+              <a:buFont typeface="+mj-lt"/>
+              <a:buAutoNum type="arabicPeriod"/>
+            </a:pPr>
+            <a:r>
+              <a:rPr lang="ru-RU" sz="2400" dirty="0" smtClean="0"/>
+              <a:t>Сложность реализации</a:t>
+            </a:r>
+          </a:p>
+          <a:p>
+            <a:pPr marL="342900" indent="-342900">
+              <a:buFont typeface="+mj-lt"/>
+              <a:buAutoNum type="arabicPeriod"/>
+            </a:pPr>
+            <a:r>
+              <a:rPr lang="ru-RU" sz="2400" dirty="0" smtClean="0"/>
+              <a:t>Внешние факторы могут оказывать сильное влияние на детектируемые данные</a:t>
+            </a:r>
+            <a:endParaRPr lang="ru-RU" sz="2400" dirty="0"/>
+          </a:p>
+        </p:txBody>
+      </p:sp>
+    </p:spTree>
+    <p:extLst>
+      <p:ext uri="{BB962C8B-B14F-4D97-AF65-F5344CB8AC3E}">
+        <p14:creationId xmlns:p14="http://schemas.microsoft.com/office/powerpoint/2010/main" val="537769083"/>
+      </p:ext>
+    </p:extLst>
+  </p:cSld>
+  <p:clrMapOvr>
+    <a:masterClrMapping/>
+  </p:clrMapOvr>
+  <p:timing>
+    <p:tnLst>
+      <p:par>
+        <p:cTn id="1" dur="indefinite" restart="never" nodeType="tmRoot"/>
+      </p:par>
+    </p:tnLst>
+  </p:timing>
+</p:sld>
+</file>
+
+<file path=ppt/slides/slide12.xml><?xml version="1.0" encoding="utf-8"?>
+<p:sld xmlns:a="http://schemas.openxmlformats.org/drawingml/2006/main" xmlns:r="http://schemas.openxmlformats.org/officeDocument/2006/relationships" xmlns:p="http://schemas.openxmlformats.org/presentationml/2006/main">
+  <p:cSld>
+    <p:spTree>
+      <p:nvGrpSpPr>
+        <p:cNvPr id="1" name=""/>
+        <p:cNvGrpSpPr/>
+        <p:nvPr/>
+      </p:nvGrpSpPr>
+      <p:grpSpPr>
+        <a:xfrm>
+          <a:off x="0" y="0"/>
+          <a:ext cx="0" cy="0"/>
+          <a:chOff x="0" y="0"/>
+          <a:chExt cx="0" cy="0"/>
+        </a:xfrm>
+      </p:grpSpPr>
+      <p:sp>
+        <p:nvSpPr>
+          <p:cNvPr id="4" name="TextBox 3"/>
+          <p:cNvSpPr txBox="1"/>
+          <p:nvPr/>
+        </p:nvSpPr>
+        <p:spPr>
+          <a:xfrm>
+            <a:off x="2164080" y="304800"/>
+            <a:ext cx="8025595" cy="646331"/>
+          </a:xfrm>
+          <a:prstGeom prst="rect">
+            <a:avLst/>
+          </a:prstGeom>
+          <a:noFill/>
+        </p:spPr>
+        <p:txBody>
+          <a:bodyPr wrap="none" rtlCol="0">
+            <a:spAutoFit/>
+          </a:bodyPr>
+          <a:lstStyle/>
+          <a:p>
+            <a:r>
+              <a:rPr lang="ru-RU" sz="3600" dirty="0" smtClean="0"/>
+              <a:t>Механические навигационные системы</a:t>
+            </a:r>
+            <a:endParaRPr lang="ru-RU" sz="3600" dirty="0"/>
+          </a:p>
+        </p:txBody>
+      </p:sp>
+      <p:pic>
+        <p:nvPicPr>
+          <p:cNvPr id="5" name="Рисунок 4"/>
+          <p:cNvPicPr>
+            <a:picLocks noChangeAspect="1"/>
+          </p:cNvPicPr>
+          <p:nvPr/>
+        </p:nvPicPr>
+        <p:blipFill>
+          <a:blip r:embed="rId2"/>
+          <a:stretch>
+            <a:fillRect/>
+          </a:stretch>
+        </p:blipFill>
+        <p:spPr>
+          <a:xfrm>
+            <a:off x="1280329" y="932526"/>
+            <a:ext cx="3129940" cy="2963288"/>
+          </a:xfrm>
+          <a:prstGeom prst="rect">
+            <a:avLst/>
+          </a:prstGeom>
+        </p:spPr>
+      </p:pic>
+      <p:sp>
+        <p:nvSpPr>
+          <p:cNvPr id="6" name="TextBox 5"/>
+          <p:cNvSpPr txBox="1"/>
+          <p:nvPr/>
+        </p:nvSpPr>
+        <p:spPr>
+          <a:xfrm>
+            <a:off x="928979" y="3895814"/>
+            <a:ext cx="4296689" cy="646331"/>
+          </a:xfrm>
+          <a:prstGeom prst="rect">
+            <a:avLst/>
+          </a:prstGeom>
+          <a:noFill/>
+        </p:spPr>
+        <p:txBody>
+          <a:bodyPr wrap="none" rtlCol="0">
+            <a:spAutoFit/>
+          </a:bodyPr>
+          <a:lstStyle/>
+          <a:p>
+            <a:pPr algn="ctr"/>
+            <a:r>
+              <a:rPr lang="ru-RU" dirty="0" smtClean="0"/>
+              <a:t>Гироскопическая</a:t>
+            </a:r>
+            <a:r>
+              <a:rPr lang="en-US" dirty="0" smtClean="0"/>
+              <a:t> </a:t>
+            </a:r>
+            <a:r>
+              <a:rPr lang="ru-RU" dirty="0" smtClean="0"/>
+              <a:t>навигационная система </a:t>
+            </a:r>
+            <a:endParaRPr lang="en-US" dirty="0" smtClean="0"/>
+          </a:p>
+          <a:p>
+            <a:pPr algn="ctr"/>
+            <a:r>
+              <a:rPr lang="en-US" dirty="0" smtClean="0"/>
+              <a:t>Zimmer </a:t>
+            </a:r>
+            <a:r>
+              <a:rPr lang="en-US" dirty="0" err="1" smtClean="0"/>
+              <a:t>iAssisst</a:t>
+            </a:r>
+            <a:r>
+              <a:rPr lang="en-US" dirty="0" smtClean="0"/>
+              <a:t> Knee</a:t>
+            </a:r>
+            <a:endParaRPr lang="ru-RU" dirty="0"/>
+          </a:p>
+        </p:txBody>
+      </p:sp>
+      <p:graphicFrame>
+        <p:nvGraphicFramePr>
+          <p:cNvPr id="9" name="Таблица 8"/>
+          <p:cNvGraphicFramePr>
+            <a:graphicFrameLocks noGrp="1"/>
+          </p:cNvGraphicFramePr>
+          <p:nvPr>
+            <p:extLst>
+              <p:ext uri="{D42A27DB-BD31-4B8C-83A1-F6EECF244321}">
+                <p14:modId xmlns:p14="http://schemas.microsoft.com/office/powerpoint/2010/main" val="2499476035"/>
+              </p:ext>
+            </p:extLst>
+          </p:nvPr>
+        </p:nvGraphicFramePr>
+        <p:xfrm>
+          <a:off x="426164" y="4460007"/>
+          <a:ext cx="4838268" cy="1645920"/>
+        </p:xfrm>
+        <a:graphic>
+          <a:graphicData uri="http://schemas.openxmlformats.org/drawingml/2006/table">
+            <a:tbl>
+              <a:tblPr firstRow="1" bandRow="1">
+                <a:tableStyleId>{5C22544A-7EE6-4342-B048-85BDC9FD1C3A}</a:tableStyleId>
+              </a:tblPr>
+              <a:tblGrid>
+                <a:gridCol w="2018522"/>
+                <a:gridCol w="1357628"/>
+                <a:gridCol w="1462118"/>
+              </a:tblGrid>
+              <a:tr h="198216">
+                <a:tc>
+                  <a:txBody>
+                    <a:bodyPr/>
+                    <a:lstStyle/>
+                    <a:p>
+                      <a:pPr algn="just">
+                        <a:lnSpc>
+                          <a:spcPct val="150000"/>
+                        </a:lnSpc>
+                        <a:spcAft>
+                          <a:spcPts val="0"/>
+                        </a:spcAft>
+                      </a:pPr>
+                      <a:r>
+                        <a:rPr lang="ru-RU" sz="1400" dirty="0">
+                          <a:effectLst/>
+                          <a:latin typeface="Times New Roman" panose="02020603050405020304" pitchFamily="18" charset="0"/>
+                          <a:ea typeface="Calibri" panose="020F0502020204030204" pitchFamily="34" charset="0"/>
+                          <a:cs typeface="Times New Roman" panose="02020603050405020304" pitchFamily="18" charset="0"/>
+                        </a:rPr>
+                        <a:t>Наименование</a:t>
+                      </a:r>
+                      <a:endParaRPr lang="ru-RU" sz="1100" dirty="0">
+                        <a:effectLst/>
+                        <a:latin typeface="Calibri" panose="020F0502020204030204" pitchFamily="34" charset="0"/>
+                        <a:ea typeface="Calibri" panose="020F0502020204030204" pitchFamily="34" charset="0"/>
+                        <a:cs typeface="Times New Roman" panose="02020603050405020304" pitchFamily="18" charset="0"/>
+                      </a:endParaRPr>
+                    </a:p>
+                  </a:txBody>
+                  <a:tcPr marL="68580" marR="68580" marT="0" marB="0"/>
+                </a:tc>
+                <a:tc>
+                  <a:txBody>
+                    <a:bodyPr/>
+                    <a:lstStyle/>
+                    <a:p>
+                      <a:r>
+                        <a:rPr lang="ru-RU" sz="1800" b="1" kern="1200" dirty="0" smtClean="0">
+                          <a:solidFill>
+                            <a:schemeClr val="lt1"/>
+                          </a:solidFill>
+                          <a:effectLst/>
+                          <a:latin typeface="+mn-lt"/>
+                          <a:ea typeface="+mn-ea"/>
+                          <a:cs typeface="+mn-cs"/>
+                        </a:rPr>
+                        <a:t>Величина</a:t>
+                      </a:r>
+                      <a:endParaRPr lang="ru-RU" dirty="0"/>
+                    </a:p>
+                  </a:txBody>
+                  <a:tcPr/>
+                </a:tc>
+                <a:tc>
+                  <a:txBody>
+                    <a:bodyPr/>
+                    <a:lstStyle/>
+                    <a:p>
+                      <a:r>
+                        <a:rPr lang="ru-RU" sz="1800" b="1" kern="1200" dirty="0" smtClean="0">
+                          <a:solidFill>
+                            <a:schemeClr val="lt1"/>
+                          </a:solidFill>
+                          <a:effectLst/>
+                          <a:latin typeface="+mn-lt"/>
+                          <a:ea typeface="+mn-ea"/>
+                          <a:cs typeface="+mn-cs"/>
+                        </a:rPr>
+                        <a:t>Диапазон</a:t>
+                      </a:r>
+                      <a:endParaRPr lang="ru-RU" dirty="0"/>
+                    </a:p>
+                  </a:txBody>
+                  <a:tcPr/>
+                </a:tc>
+              </a:tr>
+              <a:tr h="328275">
+                <a:tc>
+                  <a:txBody>
+                    <a:bodyPr/>
+                    <a:lstStyle/>
+                    <a:p>
+                      <a:r>
+                        <a:rPr lang="ru-RU" dirty="0" smtClean="0"/>
+                        <a:t>Точность</a:t>
+                      </a:r>
+                      <a:endParaRPr lang="ru-RU" dirty="0"/>
+                    </a:p>
+                  </a:txBody>
+                  <a:tcPr/>
+                </a:tc>
+                <a:tc>
+                  <a:txBody>
+                    <a:bodyPr/>
+                    <a:lstStyle/>
+                    <a:p>
+                      <a:r>
+                        <a:rPr lang="ru-RU" dirty="0" smtClean="0"/>
+                        <a:t>мм</a:t>
+                      </a:r>
+                      <a:endParaRPr lang="ru-RU" dirty="0"/>
+                    </a:p>
+                  </a:txBody>
+                  <a:tcPr/>
+                </a:tc>
+                <a:tc>
+                  <a:txBody>
+                    <a:bodyPr/>
+                    <a:lstStyle/>
+                    <a:p>
+                      <a:r>
+                        <a:rPr lang="ru-RU" sz="1800" kern="1200" dirty="0" smtClean="0">
+                          <a:solidFill>
+                            <a:schemeClr val="dk1"/>
+                          </a:solidFill>
+                          <a:effectLst/>
+                          <a:latin typeface="+mn-lt"/>
+                          <a:ea typeface="+mn-ea"/>
+                          <a:cs typeface="+mn-cs"/>
+                        </a:rPr>
+                        <a:t>≈0.3-2.0</a:t>
+                      </a:r>
+                      <a:endParaRPr lang="ru-RU" dirty="0"/>
+                    </a:p>
+                  </a:txBody>
+                  <a:tcPr/>
+                </a:tc>
+              </a:tr>
+              <a:tr h="297795">
+                <a:tc>
+                  <a:txBody>
+                    <a:bodyPr/>
+                    <a:lstStyle/>
+                    <a:p>
+                      <a:r>
+                        <a:rPr lang="ru-RU" dirty="0" smtClean="0"/>
+                        <a:t>Угол наклона</a:t>
+                      </a:r>
+                      <a:r>
+                        <a:rPr lang="ru-RU" baseline="0" dirty="0" smtClean="0"/>
+                        <a:t> анатомической оси</a:t>
+                      </a:r>
+                      <a:endParaRPr lang="ru-RU" dirty="0"/>
+                    </a:p>
+                  </a:txBody>
+                  <a:tcPr/>
+                </a:tc>
+                <a:tc>
+                  <a:txBody>
+                    <a:bodyPr/>
+                    <a:lstStyle/>
+                    <a:p>
+                      <a:r>
+                        <a:rPr lang="ru-RU" sz="1800" kern="1200" dirty="0" smtClean="0">
+                          <a:solidFill>
+                            <a:schemeClr val="dk1"/>
+                          </a:solidFill>
+                          <a:effectLst/>
+                          <a:latin typeface="+mn-lt"/>
+                          <a:ea typeface="+mn-ea"/>
+                          <a:cs typeface="+mn-cs"/>
+                        </a:rPr>
+                        <a:t>º</a:t>
+                      </a:r>
+                      <a:endParaRPr lang="ru-RU" dirty="0"/>
+                    </a:p>
+                  </a:txBody>
+                  <a:tcPr/>
+                </a:tc>
+                <a:tc>
+                  <a:txBody>
+                    <a:bodyPr/>
+                    <a:lstStyle/>
+                    <a:p>
+                      <a:r>
+                        <a:rPr lang="ru-RU" dirty="0" smtClean="0"/>
+                        <a:t>0-5</a:t>
+                      </a:r>
+                      <a:endParaRPr lang="ru-RU" dirty="0"/>
+                    </a:p>
+                  </a:txBody>
+                  <a:tcPr/>
+                </a:tc>
+              </a:tr>
+            </a:tbl>
+          </a:graphicData>
+        </a:graphic>
+      </p:graphicFrame>
+      <p:sp>
+        <p:nvSpPr>
+          <p:cNvPr id="12" name="TextBox 11"/>
+          <p:cNvSpPr txBox="1"/>
+          <p:nvPr/>
+        </p:nvSpPr>
+        <p:spPr>
+          <a:xfrm>
+            <a:off x="0" y="6023789"/>
+            <a:ext cx="5690597" cy="646331"/>
+          </a:xfrm>
+          <a:prstGeom prst="rect">
+            <a:avLst/>
+          </a:prstGeom>
+          <a:noFill/>
+        </p:spPr>
+        <p:txBody>
+          <a:bodyPr wrap="none" rtlCol="0">
+            <a:spAutoFit/>
+          </a:bodyPr>
+          <a:lstStyle/>
+          <a:p>
+            <a:r>
+              <a:rPr lang="ru-RU" dirty="0" smtClean="0"/>
+              <a:t>Основные характеристики системы </a:t>
+            </a:r>
+            <a:r>
+              <a:rPr lang="en-US" dirty="0" smtClean="0"/>
+              <a:t>Zimmer </a:t>
+            </a:r>
+            <a:r>
+              <a:rPr lang="en-US" dirty="0" err="1" smtClean="0"/>
+              <a:t>iAssisst</a:t>
+            </a:r>
+            <a:r>
+              <a:rPr lang="en-US" dirty="0" smtClean="0"/>
+              <a:t> Knee</a:t>
+            </a:r>
+            <a:endParaRPr lang="ru-RU" dirty="0" smtClean="0"/>
+          </a:p>
+          <a:p>
+            <a:endParaRPr lang="ru-RU" dirty="0"/>
+          </a:p>
+        </p:txBody>
+      </p:sp>
+      <p:pic>
+        <p:nvPicPr>
+          <p:cNvPr id="1026" name="Picture 2" descr="http://www.zimmer.com/content/dam/zimmer-web/images/en-US/medical-professionals/knee/iASSIST-podCalibration-hero.png"/>
+          <p:cNvPicPr>
+            <a:picLocks noChangeAspect="1" noChangeArrowheads="1"/>
+          </p:cNvPicPr>
+          <p:nvPr/>
+        </p:nvPicPr>
+        <p:blipFill>
+          <a:blip r:embed="rId3">
+            <a:extLst>
+              <a:ext uri="{28A0092B-C50C-407E-A947-70E740481C1C}">
+                <a14:useLocalDpi xmlns:a14="http://schemas.microsoft.com/office/drawing/2010/main" val="0"/>
+              </a:ext>
+            </a:extLst>
+          </a:blip>
+          <a:srcRect/>
+          <a:stretch>
+            <a:fillRect/>
+          </a:stretch>
+        </p:blipFill>
+        <p:spPr bwMode="auto">
+          <a:xfrm>
+            <a:off x="5690597" y="551477"/>
+            <a:ext cx="5145132" cy="3344337"/>
+          </a:xfrm>
+          <a:prstGeom prst="rect">
+            <a:avLst/>
+          </a:prstGeom>
+          <a:noFill/>
+          <a:extLst>
+            <a:ext uri="{909E8E84-426E-40DD-AFC4-6F175D3DCCD1}">
+              <a14:hiddenFill xmlns:a14="http://schemas.microsoft.com/office/drawing/2010/main">
+                <a:solidFill>
+                  <a:srgbClr val="FFFFFF"/>
+                </a:solidFill>
+              </a14:hiddenFill>
+            </a:ext>
+          </a:extLst>
+        </p:spPr>
+      </p:pic>
+      <p:sp>
+        <p:nvSpPr>
+          <p:cNvPr id="2" name="TextBox 1"/>
+          <p:cNvSpPr txBox="1"/>
+          <p:nvPr/>
+        </p:nvSpPr>
+        <p:spPr>
+          <a:xfrm>
+            <a:off x="6413236" y="3701059"/>
+            <a:ext cx="4422493" cy="646331"/>
+          </a:xfrm>
+          <a:prstGeom prst="rect">
+            <a:avLst/>
+          </a:prstGeom>
+          <a:noFill/>
+        </p:spPr>
+        <p:txBody>
+          <a:bodyPr wrap="none" rtlCol="0">
+            <a:spAutoFit/>
+          </a:bodyPr>
+          <a:lstStyle/>
+          <a:p>
+            <a:pPr algn="ctr"/>
+            <a:r>
+              <a:rPr lang="ru-RU" dirty="0" smtClean="0"/>
+              <a:t>Система для калибровки гироскопической </a:t>
+            </a:r>
+          </a:p>
+          <a:p>
+            <a:pPr algn="ctr"/>
+            <a:r>
+              <a:rPr lang="ru-RU" dirty="0" smtClean="0"/>
+              <a:t>навигационной системы</a:t>
+            </a:r>
+            <a:endParaRPr lang="ru-RU" dirty="0"/>
+          </a:p>
+        </p:txBody>
+      </p:sp>
+      <p:sp>
+        <p:nvSpPr>
+          <p:cNvPr id="3" name="TextBox 2"/>
+          <p:cNvSpPr txBox="1"/>
+          <p:nvPr/>
+        </p:nvSpPr>
+        <p:spPr>
+          <a:xfrm>
+            <a:off x="6233375" y="4560749"/>
+            <a:ext cx="5756856" cy="1754326"/>
+          </a:xfrm>
+          <a:prstGeom prst="rect">
+            <a:avLst/>
+          </a:prstGeom>
+          <a:noFill/>
+        </p:spPr>
+        <p:txBody>
+          <a:bodyPr wrap="square" rtlCol="0">
+            <a:spAutoFit/>
+          </a:bodyPr>
+          <a:lstStyle/>
+          <a:p>
+            <a:r>
+              <a:rPr lang="ru-RU" dirty="0" smtClean="0"/>
+              <a:t>Преимущества:</a:t>
+            </a:r>
+          </a:p>
+          <a:p>
+            <a:pPr marL="342900" indent="-342900">
+              <a:buFont typeface="+mj-lt"/>
+              <a:buAutoNum type="arabicPeriod"/>
+            </a:pPr>
+            <a:r>
+              <a:rPr lang="ru-RU" dirty="0" smtClean="0"/>
+              <a:t>Более простое использование при проведении операции</a:t>
+            </a:r>
+          </a:p>
+          <a:p>
+            <a:pPr marL="342900" indent="-342900">
+              <a:buFont typeface="+mj-lt"/>
+              <a:buAutoNum type="arabicPeriod"/>
+            </a:pPr>
+            <a:r>
+              <a:rPr lang="ru-RU" dirty="0" smtClean="0"/>
+              <a:t>Не требует дополнительного оборудования </a:t>
+            </a:r>
+          </a:p>
+          <a:p>
+            <a:r>
+              <a:rPr lang="ru-RU" dirty="0" smtClean="0"/>
+              <a:t>Недостатки:</a:t>
+            </a:r>
+          </a:p>
+          <a:p>
+            <a:pPr marL="342900" indent="-342900">
+              <a:buFont typeface="+mj-lt"/>
+              <a:buAutoNum type="arabicPeriod"/>
+            </a:pPr>
+            <a:r>
+              <a:rPr lang="ru-RU" dirty="0" smtClean="0"/>
+              <a:t>Жесткая привязка к положению инструмента</a:t>
+            </a:r>
+            <a:endParaRPr lang="ru-RU" dirty="0"/>
+          </a:p>
+        </p:txBody>
+      </p:sp>
+    </p:spTree>
+    <p:extLst>
+      <p:ext uri="{BB962C8B-B14F-4D97-AF65-F5344CB8AC3E}">
+        <p14:creationId xmlns:p14="http://schemas.microsoft.com/office/powerpoint/2010/main" val="1382713349"/>
+      </p:ext>
+    </p:extLst>
+  </p:cSld>
+  <p:clrMapOvr>
+    <a:masterClrMapping/>
+  </p:clrMapOvr>
+  <p:timing>
+    <p:tnLst>
+      <p:par>
+        <p:cTn id="1" dur="indefinite" restart="never" nodeType="tmRoot"/>
+      </p:par>
+    </p:tnLst>
+  </p:timing>
+</p:sld>
+</file>
+
+<file path=ppt/slides/slide13.xml><?xml version="1.0" encoding="utf-8"?>
 <p:sld xmlns:a="http://schemas.openxmlformats.org/drawingml/2006/main" xmlns:r="http://schemas.openxmlformats.org/officeDocument/2006/relationships" xmlns:p="http://schemas.openxmlformats.org/presentationml/2006/main">
   <p:cSld>
     <p:spTree>
@@ -4774,6 +5414,124 @@
         </p:nvSpPr>
         <p:spPr>
           <a:xfrm>
+            <a:off x="3773216" y="624840"/>
+            <a:ext cx="4892045" cy="646331"/>
+          </a:xfrm>
+          <a:prstGeom prst="rect">
+            <a:avLst/>
+          </a:prstGeom>
+          <a:noFill/>
+        </p:spPr>
+        <p:txBody>
+          <a:bodyPr wrap="none" rtlCol="0">
+            <a:spAutoFit/>
+          </a:bodyPr>
+          <a:lstStyle/>
+          <a:p>
+            <a:pPr algn="ctr"/>
+            <a:r>
+              <a:rPr lang="ru-RU" sz="3600" dirty="0" smtClean="0"/>
+              <a:t>Основные определения</a:t>
+            </a:r>
+            <a:endParaRPr lang="ru-RU" sz="3600" dirty="0"/>
+          </a:p>
+        </p:txBody>
+      </p:sp>
+      <p:sp>
+        <p:nvSpPr>
+          <p:cNvPr id="5" name="Прямоугольник 4"/>
+          <p:cNvSpPr/>
+          <p:nvPr/>
+        </p:nvSpPr>
+        <p:spPr>
+          <a:xfrm>
+            <a:off x="1121459" y="1701076"/>
+            <a:ext cx="10195560" cy="1200329"/>
+          </a:xfrm>
+          <a:prstGeom prst="rect">
+            <a:avLst/>
+          </a:prstGeom>
+        </p:spPr>
+        <p:txBody>
+          <a:bodyPr wrap="square">
+            <a:spAutoFit/>
+          </a:bodyPr>
+          <a:lstStyle/>
+          <a:p>
+            <a:pPr algn="just"/>
+            <a:r>
+              <a:rPr lang="ru-RU" sz="2400" dirty="0" err="1">
+                <a:ea typeface="Calibri" panose="020F0502020204030204" pitchFamily="34" charset="0"/>
+              </a:rPr>
+              <a:t>Интраоперационная</a:t>
+            </a:r>
+            <a:r>
+              <a:rPr lang="ru-RU" sz="2400" dirty="0">
+                <a:ea typeface="Calibri" panose="020F0502020204030204" pitchFamily="34" charset="0"/>
+              </a:rPr>
+              <a:t> хирургическая система – это </a:t>
+            </a:r>
+            <a:r>
+              <a:rPr lang="ru-RU" sz="2400" dirty="0" err="1">
+                <a:ea typeface="Calibri" panose="020F0502020204030204" pitchFamily="34" charset="0"/>
+              </a:rPr>
+              <a:t>програмно-аппартный</a:t>
+            </a:r>
+            <a:r>
+              <a:rPr lang="ru-RU" sz="2400" dirty="0">
+                <a:ea typeface="Calibri" panose="020F0502020204030204" pitchFamily="34" charset="0"/>
+              </a:rPr>
+              <a:t> комплекс, позволяющая врачу отслеживать положение хирургического инструмента относительно оперируемого объекта в реальном времени.</a:t>
+            </a:r>
+            <a:endParaRPr lang="ru-RU" sz="2400" dirty="0"/>
+          </a:p>
+        </p:txBody>
+      </p:sp>
+    </p:spTree>
+    <p:extLst>
+      <p:ext uri="{BB962C8B-B14F-4D97-AF65-F5344CB8AC3E}">
+        <p14:creationId xmlns:p14="http://schemas.microsoft.com/office/powerpoint/2010/main" val="2470830968"/>
+      </p:ext>
+    </p:extLst>
+  </p:cSld>
+  <p:clrMapOvr>
+    <a:masterClrMapping/>
+  </p:clrMapOvr>
+  <p:timing>
+    <p:tnLst>
+      <p:par>
+        <p:cTn id="1" dur="indefinite" restart="never" nodeType="tmRoot"/>
+      </p:par>
+    </p:tnLst>
+  </p:timing>
+</p:sld>
+</file>
+
+<file path=ppt/slides/slide3.xml><?xml version="1.0" encoding="utf-8"?>
+<p:sld xmlns:a="http://schemas.openxmlformats.org/drawingml/2006/main" xmlns:r="http://schemas.openxmlformats.org/officeDocument/2006/relationships" xmlns:p="http://schemas.openxmlformats.org/presentationml/2006/main">
+  <p:cSld>
+    <p:spTree>
+      <p:nvGrpSpPr>
+        <p:cNvPr id="1" name=""/>
+        <p:cNvGrpSpPr/>
+        <p:nvPr/>
+      </p:nvGrpSpPr>
+      <p:grpSpPr>
+        <a:xfrm>
+          <a:off x="0" y="0"/>
+          <a:ext cx="0" cy="0"/>
+          <a:chOff x="0" y="0"/>
+          <a:chExt cx="0" cy="0"/>
+        </a:xfrm>
+      </p:grpSpPr>
+      <p:sp>
+        <p:nvSpPr>
+          <p:cNvPr id="4" name="TextBox 3"/>
+          <p:cNvSpPr txBox="1"/>
+          <p:nvPr/>
+        </p:nvSpPr>
+        <p:spPr>
+          <a:xfrm>
             <a:off x="3474720" y="182880"/>
             <a:ext cx="4940391" cy="646331"/>
           </a:xfrm>
@@ -5017,7 +5775,7 @@
         <p:spPr>
           <a:xfrm>
             <a:off x="6524287" y="3505159"/>
-            <a:ext cx="4654223" cy="369332"/>
+            <a:ext cx="4763227" cy="369332"/>
           </a:xfrm>
           <a:prstGeom prst="rect">
             <a:avLst/>
@@ -5032,15 +5790,7 @@
           <a:p>
             <a:r>
               <a:rPr lang="ru-RU" dirty="0" smtClean="0"/>
-              <a:t>Первая </a:t>
-            </a:r>
-            <a:r>
-              <a:rPr lang="ru-RU" dirty="0" err="1" smtClean="0"/>
-              <a:t>хирургическа</a:t>
-            </a:r>
-            <a:r>
-              <a:rPr lang="ru-RU" dirty="0" smtClean="0"/>
-              <a:t> навигационная система</a:t>
+              <a:t>Первая хирургическая навигационная система</a:t>
             </a:r>
             <a:endParaRPr lang="ru-RU" dirty="0"/>
           </a:p>
@@ -5139,7 +5889,7 @@
 </p:sld>
 </file>
 
-<file path=ppt/slides/slide3.xml><?xml version="1.0" encoding="utf-8"?>
+<file path=ppt/slides/slide4.xml><?xml version="1.0" encoding="utf-8"?>
 <p:sld xmlns:a="http://schemas.openxmlformats.org/drawingml/2006/main" xmlns:r="http://schemas.openxmlformats.org/officeDocument/2006/relationships" xmlns:p="http://schemas.openxmlformats.org/presentationml/2006/main">
   <p:cSld>
     <p:spTree>
@@ -5179,7 +5929,7 @@
         </p:blipFill>
         <p:spPr bwMode="auto">
           <a:xfrm>
-            <a:off x="0" y="838200"/>
+            <a:off x="0" y="634633"/>
             <a:ext cx="4416915" cy="3028742"/>
           </a:xfrm>
           <a:prstGeom prst="rect">
@@ -5224,69 +5974,6 @@
               <a:t>Сферы применения и виды систем</a:t>
             </a:r>
             <a:endParaRPr lang="ru-RU" sz="3600" dirty="0"/>
-          </a:p>
-        </p:txBody>
-      </p:sp>
-      <p:sp>
-        <p:nvSpPr>
-          <p:cNvPr id="5" name="TextBox 4"/>
-          <p:cNvSpPr txBox="1"/>
-          <p:nvPr/>
-        </p:nvSpPr>
-        <p:spPr>
-          <a:xfrm>
-            <a:off x="5914319" y="1859280"/>
-            <a:ext cx="6277681" cy="1569660"/>
-          </a:xfrm>
-          <a:prstGeom prst="rect">
-            <a:avLst/>
-          </a:prstGeom>
-          <a:noFill/>
-        </p:spPr>
-        <p:txBody>
-          <a:bodyPr wrap="none" rtlCol="0">
-            <a:spAutoFit/>
-          </a:bodyPr>
-          <a:lstStyle/>
-          <a:p>
-            <a:pPr marL="285750" indent="-285750">
-              <a:buFont typeface="Arial" panose="020B0604020202020204" pitchFamily="34" charset="0"/>
-              <a:buChar char="•"/>
-            </a:pPr>
-            <a:r>
-              <a:rPr lang="ru-RU" sz="2400" dirty="0" smtClean="0"/>
-              <a:t>Оптические навигационные системы</a:t>
-            </a:r>
-          </a:p>
-          <a:p>
-            <a:pPr marL="285750" indent="-285750">
-              <a:buFont typeface="Arial" panose="020B0604020202020204" pitchFamily="34" charset="0"/>
-              <a:buChar char="•"/>
-            </a:pPr>
-            <a:r>
-              <a:rPr lang="ru-RU" sz="2400" dirty="0" smtClean="0"/>
-              <a:t>Электромагнитные навигационные системы</a:t>
-            </a:r>
-          </a:p>
-          <a:p>
-            <a:pPr marL="285750" indent="-285750">
-              <a:buFont typeface="Arial" panose="020B0604020202020204" pitchFamily="34" charset="0"/>
-              <a:buChar char="•"/>
-            </a:pPr>
-            <a:r>
-              <a:rPr lang="ru-RU" sz="2400" dirty="0" smtClean="0"/>
-              <a:t>Акустические навигационные системы</a:t>
-            </a:r>
-          </a:p>
-          <a:p>
-            <a:pPr marL="285750" indent="-285750">
-              <a:buFont typeface="Arial" panose="020B0604020202020204" pitchFamily="34" charset="0"/>
-              <a:buChar char="•"/>
-            </a:pPr>
-            <a:r>
-              <a:rPr lang="ru-RU" sz="2400" dirty="0" smtClean="0"/>
-              <a:t>Механические навигационные системы</a:t>
-            </a:r>
           </a:p>
         </p:txBody>
       </p:sp>
@@ -5306,7 +5993,7 @@
         </p:blipFill>
         <p:spPr>
           <a:xfrm>
-            <a:off x="221858" y="3581399"/>
+            <a:off x="253512" y="3520438"/>
             <a:ext cx="4456822" cy="2715801"/>
           </a:xfrm>
           <a:prstGeom prst="rect">
@@ -5330,7 +6017,7 @@
         </p:blipFill>
         <p:spPr>
           <a:xfrm>
-            <a:off x="5914319" y="3581399"/>
+            <a:off x="5899077" y="3261357"/>
             <a:ext cx="5187543" cy="2715801"/>
           </a:xfrm>
           <a:prstGeom prst="rect">
@@ -5338,6 +6025,86 @@
           </a:prstGeom>
         </p:spPr>
       </p:pic>
+      <p:sp>
+        <p:nvSpPr>
+          <p:cNvPr id="2" name="TextBox 1"/>
+          <p:cNvSpPr txBox="1"/>
+          <p:nvPr/>
+        </p:nvSpPr>
+        <p:spPr>
+          <a:xfrm>
+            <a:off x="5003753" y="634633"/>
+            <a:ext cx="3934731" cy="2308324"/>
+          </a:xfrm>
+          <a:prstGeom prst="rect">
+            <a:avLst/>
+          </a:prstGeom>
+          <a:noFill/>
+        </p:spPr>
+        <p:txBody>
+          <a:bodyPr wrap="none" rtlCol="0">
+            <a:spAutoFit/>
+          </a:bodyPr>
+          <a:lstStyle/>
+          <a:p>
+            <a:r>
+              <a:rPr lang="ru-RU" sz="2400" dirty="0" smtClean="0"/>
+              <a:t>Сферы применения:</a:t>
+            </a:r>
+          </a:p>
+          <a:p>
+            <a:pPr marL="342900" indent="-342900">
+              <a:buFont typeface="Arial" panose="020B0604020202020204" pitchFamily="34" charset="0"/>
+              <a:buChar char="•"/>
+            </a:pPr>
+            <a:r>
+              <a:rPr lang="ru-RU" sz="2400" dirty="0" smtClean="0"/>
+              <a:t>Нейрохирургия</a:t>
+            </a:r>
+          </a:p>
+          <a:p>
+            <a:pPr marL="342900" indent="-342900">
+              <a:buFont typeface="Arial" panose="020B0604020202020204" pitchFamily="34" charset="0"/>
+              <a:buChar char="•"/>
+            </a:pPr>
+            <a:r>
+              <a:rPr lang="ru-RU" sz="2400" dirty="0" smtClean="0"/>
+              <a:t>ЛОР-хирургия</a:t>
+            </a:r>
+          </a:p>
+          <a:p>
+            <a:pPr marL="342900" indent="-342900">
+              <a:buFont typeface="Arial" panose="020B0604020202020204" pitchFamily="34" charset="0"/>
+              <a:buChar char="•"/>
+            </a:pPr>
+            <a:r>
+              <a:rPr lang="ru-RU" sz="2400" dirty="0" smtClean="0"/>
+              <a:t>ЧЛХ-хирургия</a:t>
+            </a:r>
+          </a:p>
+          <a:p>
+            <a:pPr marL="342900" indent="-342900">
+              <a:buFont typeface="Arial" panose="020B0604020202020204" pitchFamily="34" charset="0"/>
+              <a:buChar char="•"/>
+            </a:pPr>
+            <a:r>
+              <a:rPr lang="ru-RU" sz="2400" dirty="0" smtClean="0"/>
+              <a:t>Спинальная хирургия</a:t>
+            </a:r>
+          </a:p>
+          <a:p>
+            <a:pPr marL="342900" indent="-342900">
+              <a:buFont typeface="Arial" panose="020B0604020202020204" pitchFamily="34" charset="0"/>
+              <a:buChar char="•"/>
+            </a:pPr>
+            <a:r>
+              <a:rPr lang="ru-RU" sz="2400" dirty="0" smtClean="0"/>
+              <a:t>Ортопедическая хирургия</a:t>
+            </a:r>
+            <a:endParaRPr lang="ru-RU" sz="2400" dirty="0"/>
+          </a:p>
+        </p:txBody>
+      </p:sp>
     </p:spTree>
     <p:extLst>
       <p:ext uri="{BB962C8B-B14F-4D97-AF65-F5344CB8AC3E}">
@@ -5358,7 +6125,7 @@
 </p:sld>
 </file>
 
-<file path=ppt/slides/slide4.xml><?xml version="1.0" encoding="utf-8"?>
+<file path=ppt/slides/slide5.xml><?xml version="1.0" encoding="utf-8"?>
 <p:sld xmlns:a="http://schemas.openxmlformats.org/drawingml/2006/main" xmlns:r="http://schemas.openxmlformats.org/officeDocument/2006/relationships" xmlns:p="http://schemas.openxmlformats.org/presentationml/2006/main">
   <p:cSld>
     <p:spTree>
@@ -5383,8 +6150,8 @@
         </p:nvSpPr>
         <p:spPr>
           <a:xfrm>
-            <a:off x="2636520" y="304800"/>
-            <a:ext cx="6982424" cy="646331"/>
+            <a:off x="126689" y="1306875"/>
+            <a:ext cx="6277681" cy="1938992"/>
           </a:xfrm>
           <a:prstGeom prst="rect">
             <a:avLst/>
@@ -5398,6 +6165,324 @@
           <a:lstStyle/>
           <a:p>
             <a:r>
+              <a:rPr lang="ru-RU" sz="2400" dirty="0" smtClean="0"/>
+              <a:t>Виды систем:</a:t>
+            </a:r>
+            <a:endParaRPr lang="en-US" sz="2400" dirty="0" smtClean="0"/>
+          </a:p>
+          <a:p>
+            <a:pPr marL="285750" indent="-285750">
+              <a:buFont typeface="Arial" panose="020B0604020202020204" pitchFamily="34" charset="0"/>
+              <a:buChar char="•"/>
+            </a:pPr>
+            <a:r>
+              <a:rPr lang="ru-RU" sz="2400" dirty="0" smtClean="0"/>
+              <a:t>Оптические навигационные системы</a:t>
+            </a:r>
+          </a:p>
+          <a:p>
+            <a:pPr marL="285750" indent="-285750">
+              <a:buFont typeface="Arial" panose="020B0604020202020204" pitchFamily="34" charset="0"/>
+              <a:buChar char="•"/>
+            </a:pPr>
+            <a:r>
+              <a:rPr lang="ru-RU" sz="2400" dirty="0" smtClean="0"/>
+              <a:t>Электромагнитные навигационные системы</a:t>
+            </a:r>
+          </a:p>
+          <a:p>
+            <a:pPr marL="285750" indent="-285750">
+              <a:buFont typeface="Arial" panose="020B0604020202020204" pitchFamily="34" charset="0"/>
+              <a:buChar char="•"/>
+            </a:pPr>
+            <a:r>
+              <a:rPr lang="ru-RU" sz="2400" dirty="0" smtClean="0"/>
+              <a:t>Акустические навигационные системы</a:t>
+            </a:r>
+          </a:p>
+          <a:p>
+            <a:pPr marL="285750" indent="-285750">
+              <a:buFont typeface="Arial" panose="020B0604020202020204" pitchFamily="34" charset="0"/>
+              <a:buChar char="•"/>
+            </a:pPr>
+            <a:r>
+              <a:rPr lang="ru-RU" sz="2400" dirty="0" smtClean="0"/>
+              <a:t>Механические навигационные системы</a:t>
+            </a:r>
+          </a:p>
+        </p:txBody>
+      </p:sp>
+      <p:sp>
+        <p:nvSpPr>
+          <p:cNvPr id="5" name="TextBox 4"/>
+          <p:cNvSpPr txBox="1"/>
+          <p:nvPr/>
+        </p:nvSpPr>
+        <p:spPr>
+          <a:xfrm>
+            <a:off x="2667000" y="314117"/>
+            <a:ext cx="7025962" cy="646331"/>
+          </a:xfrm>
+          <a:prstGeom prst="rect">
+            <a:avLst/>
+          </a:prstGeom>
+          <a:noFill/>
+        </p:spPr>
+        <p:txBody>
+          <a:bodyPr wrap="none" rtlCol="0">
+            <a:spAutoFit/>
+          </a:bodyPr>
+          <a:lstStyle/>
+          <a:p>
+            <a:r>
+              <a:rPr lang="ru-RU" sz="3600" dirty="0" smtClean="0"/>
+              <a:t>Сферы применения и виды систем</a:t>
+            </a:r>
+            <a:endParaRPr lang="ru-RU" sz="3600" dirty="0"/>
+          </a:p>
+        </p:txBody>
+      </p:sp>
+      <p:pic>
+        <p:nvPicPr>
+          <p:cNvPr id="1026" name="Picture 2" descr="Состав хирургической  системы «Навигатор»"/>
+          <p:cNvPicPr>
+            <a:picLocks noChangeAspect="1" noChangeArrowheads="1"/>
+          </p:cNvPicPr>
+          <p:nvPr/>
+        </p:nvPicPr>
+        <p:blipFill>
+          <a:blip r:embed="rId2">
+            <a:extLst>
+              <a:ext uri="{28A0092B-C50C-407E-A947-70E740481C1C}">
+                <a14:useLocalDpi xmlns:a14="http://schemas.microsoft.com/office/drawing/2010/main" val="0"/>
+              </a:ext>
+            </a:extLst>
+          </a:blip>
+          <a:srcRect/>
+          <a:stretch>
+            <a:fillRect/>
+          </a:stretch>
+        </p:blipFill>
+        <p:spPr bwMode="auto">
+          <a:xfrm>
+            <a:off x="8901191" y="960448"/>
+            <a:ext cx="3290809" cy="3763952"/>
+          </a:xfrm>
+          <a:prstGeom prst="rect">
+            <a:avLst/>
+          </a:prstGeom>
+          <a:noFill/>
+          <a:extLst>
+            <a:ext uri="{909E8E84-426E-40DD-AFC4-6F175D3DCCD1}">
+              <a14:hiddenFill xmlns:a14="http://schemas.microsoft.com/office/drawing/2010/main">
+                <a:solidFill>
+                  <a:srgbClr val="FFFFFF"/>
+                </a:solidFill>
+              </a14:hiddenFill>
+            </a:ext>
+          </a:extLst>
+        </p:spPr>
+      </p:pic>
+      <p:pic>
+        <p:nvPicPr>
+          <p:cNvPr id="1028" name="Picture 4" descr="https://www.karlstorz.com/static/file_pics/pic_editorial/en/HM_NAV/3440664_rdax_449x600_80.jpg"/>
+          <p:cNvPicPr>
+            <a:picLocks noChangeAspect="1" noChangeArrowheads="1"/>
+          </p:cNvPicPr>
+          <p:nvPr/>
+        </p:nvPicPr>
+        <p:blipFill>
+          <a:blip r:embed="rId3">
+            <a:extLst>
+              <a:ext uri="{28A0092B-C50C-407E-A947-70E740481C1C}">
+                <a14:useLocalDpi xmlns:a14="http://schemas.microsoft.com/office/drawing/2010/main" val="0"/>
+              </a:ext>
+            </a:extLst>
+          </a:blip>
+          <a:srcRect/>
+          <a:stretch>
+            <a:fillRect/>
+          </a:stretch>
+        </p:blipFill>
+        <p:spPr bwMode="auto">
+          <a:xfrm>
+            <a:off x="6084255" y="2441674"/>
+            <a:ext cx="2816936" cy="3764280"/>
+          </a:xfrm>
+          <a:prstGeom prst="rect">
+            <a:avLst/>
+          </a:prstGeom>
+          <a:noFill/>
+          <a:extLst>
+            <a:ext uri="{909E8E84-426E-40DD-AFC4-6F175D3DCCD1}">
+              <a14:hiddenFill xmlns:a14="http://schemas.microsoft.com/office/drawing/2010/main">
+                <a:solidFill>
+                  <a:srgbClr val="FFFFFF"/>
+                </a:solidFill>
+              </a14:hiddenFill>
+            </a:ext>
+          </a:extLst>
+        </p:spPr>
+      </p:pic>
+      <p:sp>
+        <p:nvSpPr>
+          <p:cNvPr id="6" name="TextBox 5"/>
+          <p:cNvSpPr txBox="1"/>
+          <p:nvPr/>
+        </p:nvSpPr>
+        <p:spPr>
+          <a:xfrm>
+            <a:off x="8880183" y="4488060"/>
+            <a:ext cx="3332823" cy="646331"/>
+          </a:xfrm>
+          <a:prstGeom prst="rect">
+            <a:avLst/>
+          </a:prstGeom>
+          <a:noFill/>
+        </p:spPr>
+        <p:txBody>
+          <a:bodyPr wrap="square" rtlCol="0">
+            <a:spAutoFit/>
+          </a:bodyPr>
+          <a:lstStyle/>
+          <a:p>
+            <a:pPr algn="ctr"/>
+            <a:r>
+              <a:rPr lang="ru-RU" dirty="0" smtClean="0"/>
+              <a:t>Оптическая навигационная система</a:t>
+            </a:r>
+          </a:p>
+        </p:txBody>
+      </p:sp>
+      <p:sp>
+        <p:nvSpPr>
+          <p:cNvPr id="7" name="Прямоугольник 6"/>
+          <p:cNvSpPr/>
+          <p:nvPr/>
+        </p:nvSpPr>
+        <p:spPr>
+          <a:xfrm>
+            <a:off x="1029815" y="5836622"/>
+            <a:ext cx="4400115" cy="369332"/>
+          </a:xfrm>
+          <a:prstGeom prst="rect">
+            <a:avLst/>
+          </a:prstGeom>
+        </p:spPr>
+        <p:txBody>
+          <a:bodyPr wrap="none">
+            <a:spAutoFit/>
+          </a:bodyPr>
+          <a:lstStyle/>
+          <a:p>
+            <a:pPr algn="ctr"/>
+            <a:r>
+              <a:rPr lang="ru-RU" dirty="0" smtClean="0"/>
+              <a:t>Электромагнитная навигационная </a:t>
+            </a:r>
+            <a:r>
+              <a:rPr lang="ru-RU" dirty="0"/>
+              <a:t>система</a:t>
+            </a:r>
+          </a:p>
+        </p:txBody>
+      </p:sp>
+      <p:cxnSp>
+        <p:nvCxnSpPr>
+          <p:cNvPr id="11" name="Прямая со стрелкой 10"/>
+          <p:cNvCxnSpPr/>
+          <p:nvPr/>
+        </p:nvCxnSpPr>
+        <p:spPr>
+          <a:xfrm>
+            <a:off x="5334000" y="6021288"/>
+            <a:ext cx="640080" cy="0"/>
+          </a:xfrm>
+          <a:prstGeom prst="straightConnector1">
+            <a:avLst/>
+          </a:prstGeom>
+          <a:ln w="38100">
+            <a:solidFill>
+              <a:schemeClr val="tx1"/>
+            </a:solidFill>
+            <a:tailEnd type="triangle"/>
+          </a:ln>
+        </p:spPr>
+        <p:style>
+          <a:lnRef idx="1">
+            <a:schemeClr val="accent1"/>
+          </a:lnRef>
+          <a:fillRef idx="0">
+            <a:schemeClr val="accent1"/>
+          </a:fillRef>
+          <a:effectRef idx="0">
+            <a:schemeClr val="accent1"/>
+          </a:effectRef>
+          <a:fontRef idx="minor">
+            <a:schemeClr val="tx1"/>
+          </a:fontRef>
+        </p:style>
+      </p:cxnSp>
+    </p:spTree>
+    <p:extLst>
+      <p:ext uri="{BB962C8B-B14F-4D97-AF65-F5344CB8AC3E}">
+        <p14:creationId xmlns:p14="http://schemas.microsoft.com/office/powerpoint/2010/main" val="628928056"/>
+      </p:ext>
+    </p:extLst>
+  </p:cSld>
+  <p:clrMapOvr>
+    <a:masterClrMapping/>
+  </p:clrMapOvr>
+  <p:timing>
+    <p:tnLst>
+      <p:par>
+        <p:cTn id="1" dur="indefinite" restart="never" nodeType="tmRoot"/>
+      </p:par>
+    </p:tnLst>
+  </p:timing>
+</p:sld>
+</file>
+
+<file path=ppt/slides/slide6.xml><?xml version="1.0" encoding="utf-8"?>
+<p:sld xmlns:a="http://schemas.openxmlformats.org/drawingml/2006/main" xmlns:r="http://schemas.openxmlformats.org/officeDocument/2006/relationships" xmlns:p="http://schemas.openxmlformats.org/presentationml/2006/main">
+  <p:cSld>
+    <p:spTree>
+      <p:nvGrpSpPr>
+        <p:cNvPr id="1" name=""/>
+        <p:cNvGrpSpPr/>
+        <p:nvPr/>
+      </p:nvGrpSpPr>
+      <p:grpSpPr>
+        <a:xfrm>
+          <a:off x="0" y="0"/>
+          <a:ext cx="0" cy="0"/>
+          <a:chOff x="0" y="0"/>
+          <a:chExt cx="0" cy="0"/>
+        </a:xfrm>
+      </p:grpSpPr>
+      <p:sp>
+        <p:nvSpPr>
+          <p:cNvPr id="4" name="TextBox 3"/>
+          <p:cNvSpPr txBox="1"/>
+          <p:nvPr/>
+        </p:nvSpPr>
+        <p:spPr>
+          <a:xfrm>
+            <a:off x="2636520" y="304800"/>
+            <a:ext cx="6982424" cy="646331"/>
+          </a:xfrm>
+          <a:prstGeom prst="rect">
+            <a:avLst/>
+          </a:prstGeom>
+          <a:noFill/>
+        </p:spPr>
+        <p:txBody>
+          <a:bodyPr wrap="none" rtlCol="0">
+            <a:spAutoFit/>
+          </a:bodyPr>
+          <a:lstStyle/>
+          <a:p>
+            <a:r>
               <a:rPr lang="ru-RU" sz="3600" dirty="0" smtClean="0"/>
               <a:t>Устройство навигационных систем</a:t>
             </a:r>
@@ -5405,6 +6490,403 @@
           </a:p>
         </p:txBody>
       </p:sp>
+      <p:sp>
+        <p:nvSpPr>
+          <p:cNvPr id="3" name="Прямоугольник 2"/>
+          <p:cNvSpPr/>
+          <p:nvPr/>
+        </p:nvSpPr>
+        <p:spPr>
+          <a:xfrm>
+            <a:off x="1600200" y="2025551"/>
+            <a:ext cx="2392680" cy="1295400"/>
+          </a:xfrm>
+          <a:prstGeom prst="rect">
+            <a:avLst/>
+          </a:prstGeom>
+        </p:spPr>
+        <p:style>
+          <a:lnRef idx="2">
+            <a:schemeClr val="accent1">
+              <a:shade val="50000"/>
+            </a:schemeClr>
+          </a:lnRef>
+          <a:fillRef idx="1">
+            <a:schemeClr val="accent1"/>
+          </a:fillRef>
+          <a:effectRef idx="0">
+            <a:schemeClr val="accent1"/>
+          </a:effectRef>
+          <a:fontRef idx="minor">
+            <a:schemeClr val="lt1"/>
+          </a:fontRef>
+        </p:style>
+        <p:txBody>
+          <a:bodyPr rtlCol="0" anchor="ctr"/>
+          <a:lstStyle/>
+          <a:p>
+            <a:pPr algn="ctr"/>
+            <a:r>
+              <a:rPr lang="ru-RU" dirty="0" smtClean="0"/>
+              <a:t>Излучатель</a:t>
+            </a:r>
+            <a:endParaRPr lang="ru-RU" dirty="0"/>
+          </a:p>
+        </p:txBody>
+      </p:sp>
+      <p:sp>
+        <p:nvSpPr>
+          <p:cNvPr id="5" name="Прямоугольник 4"/>
+          <p:cNvSpPr/>
+          <p:nvPr/>
+        </p:nvSpPr>
+        <p:spPr>
+          <a:xfrm>
+            <a:off x="1600200" y="4391636"/>
+            <a:ext cx="2392680" cy="1295400"/>
+          </a:xfrm>
+          <a:prstGeom prst="rect">
+            <a:avLst/>
+          </a:prstGeom>
+        </p:spPr>
+        <p:style>
+          <a:lnRef idx="2">
+            <a:schemeClr val="accent1">
+              <a:shade val="50000"/>
+            </a:schemeClr>
+          </a:lnRef>
+          <a:fillRef idx="1">
+            <a:schemeClr val="accent1"/>
+          </a:fillRef>
+          <a:effectRef idx="0">
+            <a:schemeClr val="accent1"/>
+          </a:effectRef>
+          <a:fontRef idx="minor">
+            <a:schemeClr val="lt1"/>
+          </a:fontRef>
+        </p:style>
+        <p:txBody>
+          <a:bodyPr rtlCol="0" anchor="ctr"/>
+          <a:lstStyle/>
+          <a:p>
+            <a:pPr algn="ctr"/>
+            <a:r>
+              <a:rPr lang="ru-RU" dirty="0" smtClean="0"/>
+              <a:t>Приемник</a:t>
+            </a:r>
+            <a:endParaRPr lang="ru-RU" dirty="0"/>
+          </a:p>
+        </p:txBody>
+      </p:sp>
+      <p:sp>
+        <p:nvSpPr>
+          <p:cNvPr id="6" name="Прямоугольник 5"/>
+          <p:cNvSpPr/>
+          <p:nvPr/>
+        </p:nvSpPr>
+        <p:spPr>
+          <a:xfrm>
+            <a:off x="5068552" y="4391636"/>
+            <a:ext cx="2392680" cy="1295400"/>
+          </a:xfrm>
+          <a:prstGeom prst="rect">
+            <a:avLst/>
+          </a:prstGeom>
+        </p:spPr>
+        <p:style>
+          <a:lnRef idx="2">
+            <a:schemeClr val="accent1">
+              <a:shade val="50000"/>
+            </a:schemeClr>
+          </a:lnRef>
+          <a:fillRef idx="1">
+            <a:schemeClr val="accent1"/>
+          </a:fillRef>
+          <a:effectRef idx="0">
+            <a:schemeClr val="accent1"/>
+          </a:effectRef>
+          <a:fontRef idx="minor">
+            <a:schemeClr val="lt1"/>
+          </a:fontRef>
+        </p:style>
+        <p:txBody>
+          <a:bodyPr rtlCol="0" anchor="ctr"/>
+          <a:lstStyle/>
+          <a:p>
+            <a:pPr algn="ctr"/>
+            <a:r>
+              <a:rPr lang="ru-RU" dirty="0" smtClean="0"/>
+              <a:t>Компьютерная система</a:t>
+            </a:r>
+            <a:endParaRPr lang="ru-RU" dirty="0"/>
+          </a:p>
+        </p:txBody>
+      </p:sp>
+      <p:sp>
+        <p:nvSpPr>
+          <p:cNvPr id="7" name="Прямоугольник 6"/>
+          <p:cNvSpPr/>
+          <p:nvPr/>
+        </p:nvSpPr>
+        <p:spPr>
+          <a:xfrm>
+            <a:off x="5068552" y="2025551"/>
+            <a:ext cx="2392680" cy="1295400"/>
+          </a:xfrm>
+          <a:prstGeom prst="rect">
+            <a:avLst/>
+          </a:prstGeom>
+        </p:spPr>
+        <p:style>
+          <a:lnRef idx="2">
+            <a:schemeClr val="accent1">
+              <a:shade val="50000"/>
+            </a:schemeClr>
+          </a:lnRef>
+          <a:fillRef idx="1">
+            <a:schemeClr val="accent1"/>
+          </a:fillRef>
+          <a:effectRef idx="0">
+            <a:schemeClr val="accent1"/>
+          </a:effectRef>
+          <a:fontRef idx="minor">
+            <a:schemeClr val="lt1"/>
+          </a:fontRef>
+        </p:style>
+        <p:txBody>
+          <a:bodyPr rtlCol="0" anchor="ctr"/>
+          <a:lstStyle/>
+          <a:p>
+            <a:pPr algn="ctr"/>
+            <a:r>
+              <a:rPr lang="ru-RU" dirty="0" smtClean="0"/>
+              <a:t>Специализированный хирургический инструмент</a:t>
+            </a:r>
+            <a:endParaRPr lang="ru-RU" dirty="0"/>
+          </a:p>
+        </p:txBody>
+      </p:sp>
+      <p:sp>
+        <p:nvSpPr>
+          <p:cNvPr id="8" name="Прямоугольник 7"/>
+          <p:cNvSpPr/>
+          <p:nvPr/>
+        </p:nvSpPr>
+        <p:spPr>
+          <a:xfrm>
+            <a:off x="8536904" y="4384016"/>
+            <a:ext cx="2392680" cy="1295400"/>
+          </a:xfrm>
+          <a:prstGeom prst="rect">
+            <a:avLst/>
+          </a:prstGeom>
+        </p:spPr>
+        <p:style>
+          <a:lnRef idx="2">
+            <a:schemeClr val="accent1">
+              <a:shade val="50000"/>
+            </a:schemeClr>
+          </a:lnRef>
+          <a:fillRef idx="1">
+            <a:schemeClr val="accent1"/>
+          </a:fillRef>
+          <a:effectRef idx="0">
+            <a:schemeClr val="accent1"/>
+          </a:effectRef>
+          <a:fontRef idx="minor">
+            <a:schemeClr val="lt1"/>
+          </a:fontRef>
+        </p:style>
+        <p:txBody>
+          <a:bodyPr rtlCol="0" anchor="ctr"/>
+          <a:lstStyle/>
+          <a:p>
+            <a:pPr algn="ctr"/>
+            <a:r>
+              <a:rPr lang="ru-RU" dirty="0" smtClean="0"/>
+              <a:t>Данные полученные на этапе предоперационного планирования</a:t>
+            </a:r>
+            <a:endParaRPr lang="ru-RU" dirty="0"/>
+          </a:p>
+        </p:txBody>
+      </p:sp>
+      <p:cxnSp>
+        <p:nvCxnSpPr>
+          <p:cNvPr id="11" name="Прямая со стрелкой 10"/>
+          <p:cNvCxnSpPr>
+            <a:stCxn id="5" idx="3"/>
+            <a:endCxn id="6" idx="1"/>
+          </p:cNvCxnSpPr>
+          <p:nvPr/>
+        </p:nvCxnSpPr>
+        <p:spPr>
+          <a:xfrm>
+            <a:off x="3992880" y="5039336"/>
+            <a:ext cx="1075672" cy="0"/>
+          </a:xfrm>
+          <a:prstGeom prst="straightConnector1">
+            <a:avLst/>
+          </a:prstGeom>
+          <a:ln w="76200">
+            <a:tailEnd type="triangle"/>
+          </a:ln>
+        </p:spPr>
+        <p:style>
+          <a:lnRef idx="1">
+            <a:schemeClr val="accent1"/>
+          </a:lnRef>
+          <a:fillRef idx="0">
+            <a:schemeClr val="accent1"/>
+          </a:fillRef>
+          <a:effectRef idx="0">
+            <a:schemeClr val="accent1"/>
+          </a:effectRef>
+          <a:fontRef idx="minor">
+            <a:schemeClr val="tx1"/>
+          </a:fontRef>
+        </p:style>
+      </p:cxnSp>
+      <p:cxnSp>
+        <p:nvCxnSpPr>
+          <p:cNvPr id="12" name="Прямая со стрелкой 11"/>
+          <p:cNvCxnSpPr/>
+          <p:nvPr/>
+        </p:nvCxnSpPr>
+        <p:spPr>
+          <a:xfrm flipH="1">
+            <a:off x="7461232" y="5024096"/>
+            <a:ext cx="1075672" cy="0"/>
+          </a:xfrm>
+          <a:prstGeom prst="straightConnector1">
+            <a:avLst/>
+          </a:prstGeom>
+          <a:ln w="76200">
+            <a:tailEnd type="triangle"/>
+          </a:ln>
+        </p:spPr>
+        <p:style>
+          <a:lnRef idx="1">
+            <a:schemeClr val="accent1"/>
+          </a:lnRef>
+          <a:fillRef idx="0">
+            <a:schemeClr val="accent1"/>
+          </a:fillRef>
+          <a:effectRef idx="0">
+            <a:schemeClr val="accent1"/>
+          </a:effectRef>
+          <a:fontRef idx="minor">
+            <a:schemeClr val="tx1"/>
+          </a:fontRef>
+        </p:style>
+      </p:cxnSp>
+      <p:cxnSp>
+        <p:nvCxnSpPr>
+          <p:cNvPr id="13" name="Прямая со стрелкой 12"/>
+          <p:cNvCxnSpPr/>
+          <p:nvPr/>
+        </p:nvCxnSpPr>
+        <p:spPr>
+          <a:xfrm>
+            <a:off x="3992880" y="2673251"/>
+            <a:ext cx="1075672" cy="0"/>
+          </a:xfrm>
+          <a:prstGeom prst="straightConnector1">
+            <a:avLst/>
+          </a:prstGeom>
+          <a:ln w="76200">
+            <a:tailEnd type="triangle"/>
+          </a:ln>
+        </p:spPr>
+        <p:style>
+          <a:lnRef idx="1">
+            <a:schemeClr val="accent1"/>
+          </a:lnRef>
+          <a:fillRef idx="0">
+            <a:schemeClr val="accent1"/>
+          </a:fillRef>
+          <a:effectRef idx="0">
+            <a:schemeClr val="accent1"/>
+          </a:effectRef>
+          <a:fontRef idx="minor">
+            <a:schemeClr val="tx1"/>
+          </a:fontRef>
+        </p:style>
+      </p:cxnSp>
+      <p:cxnSp>
+        <p:nvCxnSpPr>
+          <p:cNvPr id="15" name="Соединительная линия уступом 14"/>
+          <p:cNvCxnSpPr>
+            <a:endCxn id="5" idx="0"/>
+          </p:cNvCxnSpPr>
+          <p:nvPr/>
+        </p:nvCxnSpPr>
+        <p:spPr>
+          <a:xfrm rot="10800000" flipV="1">
+            <a:off x="2796540" y="3968650"/>
+            <a:ext cx="3421380" cy="422986"/>
+          </a:xfrm>
+          <a:prstGeom prst="bentConnector2">
+            <a:avLst/>
+          </a:prstGeom>
+          <a:ln w="76200">
+            <a:solidFill>
+              <a:schemeClr val="accent1"/>
+            </a:solidFill>
+            <a:tailEnd type="triangle"/>
+          </a:ln>
+        </p:spPr>
+        <p:style>
+          <a:lnRef idx="1">
+            <a:schemeClr val="accent1"/>
+          </a:lnRef>
+          <a:fillRef idx="0">
+            <a:schemeClr val="accent1"/>
+          </a:fillRef>
+          <a:effectRef idx="0">
+            <a:schemeClr val="accent1"/>
+          </a:effectRef>
+          <a:fontRef idx="minor">
+            <a:schemeClr val="tx1"/>
+          </a:fontRef>
+        </p:style>
+      </p:cxnSp>
+      <p:cxnSp>
+        <p:nvCxnSpPr>
+          <p:cNvPr id="32" name="Прямая соединительная линия 31"/>
+          <p:cNvCxnSpPr>
+            <a:stCxn id="7" idx="2"/>
+          </p:cNvCxnSpPr>
+          <p:nvPr/>
+        </p:nvCxnSpPr>
+        <p:spPr>
+          <a:xfrm flipH="1">
+            <a:off x="6217920" y="3320951"/>
+            <a:ext cx="0" cy="647699"/>
+          </a:xfrm>
+          <a:prstGeom prst="line">
+            <a:avLst/>
+          </a:prstGeom>
+          <a:ln w="76200">
+            <a:solidFill>
+              <a:schemeClr val="accent1"/>
+            </a:solidFill>
+          </a:ln>
+        </p:spPr>
+        <p:style>
+          <a:lnRef idx="1">
+            <a:schemeClr val="accent1"/>
+          </a:lnRef>
+          <a:fillRef idx="0">
+            <a:schemeClr val="accent1"/>
+          </a:fillRef>
+          <a:effectRef idx="0">
+            <a:schemeClr val="accent1"/>
+          </a:effectRef>
+          <a:fontRef idx="minor">
+            <a:schemeClr val="tx1"/>
+          </a:fontRef>
+        </p:style>
+      </p:cxnSp>
     </p:spTree>
     <p:extLst>
       <p:ext uri="{BB962C8B-B14F-4D97-AF65-F5344CB8AC3E}">
@@ -5425,7 +6907,7 @@
 </p:sld>
 </file>
 
-<file path=ppt/slides/slide5.xml><?xml version="1.0" encoding="utf-8"?>
+<file path=ppt/slides/slide7.xml><?xml version="1.0" encoding="utf-8"?>
 <p:sld xmlns:a="http://schemas.openxmlformats.org/drawingml/2006/main" xmlns:r="http://schemas.openxmlformats.org/officeDocument/2006/relationships" xmlns:p="http://schemas.openxmlformats.org/presentationml/2006/main">
   <p:cSld>
     <p:spTree>
@@ -5993,14 +7475,14 @@
           <p:nvPr>
             <p:extLst>
               <p:ext uri="{D42A27DB-BD31-4B8C-83A1-F6EECF244321}">
-                <p14:modId xmlns:p14="http://schemas.microsoft.com/office/powerpoint/2010/main" val="3605046705"/>
+                <p14:modId xmlns:p14="http://schemas.microsoft.com/office/powerpoint/2010/main" val="3892678116"/>
               </p:ext>
             </p:extLst>
           </p:nvPr>
         </p:nvGraphicFramePr>
         <p:xfrm>
-          <a:off x="5589737" y="3590556"/>
-          <a:ext cx="6055566" cy="1906230"/>
+          <a:off x="5589736" y="3852475"/>
+          <a:ext cx="6055566" cy="1266150"/>
         </p:xfrm>
         <a:graphic>
           <a:graphicData uri="http://schemas.openxmlformats.org/drawingml/2006/table">
@@ -6149,82 +7631,102 @@
                     <a:bodyPr/>
                     <a:lstStyle/>
                     <a:p>
+                      <a:pPr algn="just">
+                        <a:lnSpc>
+                          <a:spcPct val="150000"/>
+                        </a:lnSpc>
+                        <a:spcAft>
+                          <a:spcPts val="0"/>
+                        </a:spcAft>
+                      </a:pPr>
                       <a:r>
-                        <a:rPr lang="ru-RU" sz="1800" kern="1200" dirty="0" smtClean="0">
-                          <a:solidFill>
-                            <a:schemeClr val="dk1"/>
-                          </a:solidFill>
+                        <a:rPr lang="ru-RU" sz="1800" dirty="0">
                           <a:effectLst/>
                           <a:latin typeface="+mn-lt"/>
-                          <a:ea typeface="+mn-ea"/>
-                          <a:cs typeface="+mn-cs"/>
+                          <a:ea typeface="Calibri" panose="020F0502020204030204" pitchFamily="34" charset="0"/>
+                          <a:cs typeface="Times New Roman" panose="02020603050405020304" pitchFamily="18" charset="0"/>
                         </a:rPr>
-                        <a:t>Разрешение камер</a:t>
+                        <a:t>Рабочая область</a:t>
                       </a:r>
-                      <a:endParaRPr lang="ru-RU" dirty="0"/>
                     </a:p>
                   </a:txBody>
-                  <a:tcPr/>
+                  <a:tcPr marL="68580" marR="68580" marT="0" marB="0"/>
                 </a:tc>
                 <a:tc>
                   <a:txBody>
                     <a:bodyPr/>
                     <a:lstStyle/>
                     <a:p>
+                      <a:pPr algn="just">
+                        <a:lnSpc>
+                          <a:spcPct val="150000"/>
+                        </a:lnSpc>
+                        <a:spcAft>
+                          <a:spcPts val="0"/>
+                        </a:spcAft>
+                      </a:pPr>
                       <a:r>
-                        <a:rPr lang="ru-RU" dirty="0" smtClean="0"/>
-                        <a:t>пиксель/</a:t>
+                        <a:rPr lang="ru-RU" sz="1800" dirty="0">
+                          <a:effectLst/>
+                          <a:latin typeface="+mn-lt"/>
+                          <a:ea typeface="Calibri" panose="020F0502020204030204" pitchFamily="34" charset="0"/>
+                          <a:cs typeface="Times New Roman" panose="02020603050405020304" pitchFamily="18" charset="0"/>
+                        </a:rPr>
+                        <a:t>м*м*м</a:t>
                       </a:r>
-                      <a:r>
-                        <a:rPr lang="ru-RU" dirty="0" err="1" smtClean="0"/>
-                        <a:t>ед.площади</a:t>
-                      </a:r>
-                      <a:endParaRPr lang="ru-RU" dirty="0"/>
                     </a:p>
                   </a:txBody>
-                  <a:tcPr/>
+                  <a:tcPr marL="68580" marR="68580" marT="0" marB="0"/>
                 </a:tc>
                 <a:tc>
                   <a:txBody>
                     <a:bodyPr/>
                     <a:lstStyle/>
                     <a:p>
-                      <a:endParaRPr lang="ru-RU" dirty="0"/>
+                      <a:pPr algn="just">
+                        <a:lnSpc>
+                          <a:spcPct val="150000"/>
+                        </a:lnSpc>
+                        <a:spcAft>
+                          <a:spcPts val="0"/>
+                        </a:spcAft>
+                      </a:pPr>
+                      <a:r>
+                        <a:rPr lang="ru-RU" sz="1800" dirty="0">
+                          <a:effectLst/>
+                          <a:latin typeface="+mn-lt"/>
+                          <a:ea typeface="Calibri" panose="020F0502020204030204" pitchFamily="34" charset="0"/>
+                          <a:cs typeface="Times New Roman" panose="02020603050405020304" pitchFamily="18" charset="0"/>
+                        </a:rPr>
+                        <a:t>≈</a:t>
+                      </a:r>
+                      <a:r>
+                        <a:rPr lang="ru-RU" sz="1800" dirty="0" smtClean="0">
+                          <a:effectLst/>
+                          <a:latin typeface="+mn-lt"/>
+                          <a:ea typeface="Calibri" panose="020F0502020204030204" pitchFamily="34" charset="0"/>
+                          <a:cs typeface="Times New Roman" panose="02020603050405020304" pitchFamily="18" charset="0"/>
+                        </a:rPr>
+                        <a:t>0.5*0.5*0.5-2*2*</a:t>
+                      </a:r>
+                      <a:r>
+                        <a:rPr lang="en-US" sz="1800" dirty="0" smtClean="0">
+                          <a:effectLst/>
+                          <a:latin typeface="+mn-lt"/>
+                          <a:ea typeface="Calibri" panose="020F0502020204030204" pitchFamily="34" charset="0"/>
+                          <a:cs typeface="Times New Roman" panose="02020603050405020304" pitchFamily="18" charset="0"/>
+                        </a:rPr>
+                        <a:t>1.5</a:t>
+                      </a:r>
+                      <a:endParaRPr lang="ru-RU" sz="1800" dirty="0">
+                        <a:effectLst/>
+                        <a:latin typeface="+mn-lt"/>
+                        <a:ea typeface="Calibri" panose="020F0502020204030204" pitchFamily="34" charset="0"/>
+                        <a:cs typeface="Times New Roman" panose="02020603050405020304" pitchFamily="18" charset="0"/>
+                      </a:endParaRPr>
                     </a:p>
                   </a:txBody>
-                  <a:tcPr/>
-                </a:tc>
-              </a:tr>
-              <a:tr h="450195">
-                <a:tc>
-                  <a:txBody>
-                    <a:bodyPr/>
-                    <a:lstStyle/>
-                    <a:p>
-                      <a:endParaRPr lang="ru-RU"/>
-                    </a:p>
-                  </a:txBody>
-                  <a:tcPr/>
-                </a:tc>
-                <a:tc>
-                  <a:txBody>
-                    <a:bodyPr/>
-                    <a:lstStyle/>
-                    <a:p>
-                      <a:endParaRPr lang="ru-RU"/>
-                    </a:p>
-                  </a:txBody>
-                  <a:tcPr/>
-                </a:tc>
-                <a:tc>
-                  <a:txBody>
-                    <a:bodyPr/>
-                    <a:lstStyle/>
-                    <a:p>
-                      <a:endParaRPr lang="ru-RU" dirty="0"/>
-                    </a:p>
-                  </a:txBody>
-                  <a:tcPr/>
+                  <a:tcPr marL="68580" marR="68580" marT="0" marB="0"/>
                 </a:tc>
               </a:tr>
             </a:tbl>
@@ -6256,6 +7758,36 @@
             <a:r>
               <a:rPr lang="ru-RU" dirty="0" smtClean="0"/>
               <a:t>Основные характеристики оптических систем</a:t>
+            </a:r>
+            <a:endParaRPr lang="ru-RU" dirty="0"/>
+          </a:p>
+        </p:txBody>
+      </p:sp>
+      <p:sp>
+        <p:nvSpPr>
+          <p:cNvPr id="2" name="TextBox 1"/>
+          <p:cNvSpPr txBox="1"/>
+          <p:nvPr/>
+        </p:nvSpPr>
+        <p:spPr>
+          <a:xfrm>
+            <a:off x="351882" y="5118625"/>
+            <a:ext cx="4801827" cy="369332"/>
+          </a:xfrm>
+          <a:prstGeom prst="rect">
+            <a:avLst/>
+          </a:prstGeom>
+          <a:noFill/>
+        </p:spPr>
+        <p:txBody>
+          <a:bodyPr wrap="none" rtlCol="0">
+            <a:spAutoFit/>
+          </a:bodyPr>
+          <a:lstStyle/>
+          <a:p>
+            <a:r>
+              <a:rPr lang="ru-RU" dirty="0" smtClean="0"/>
+              <a:t>Структура оптической навигационной системы</a:t>
             </a:r>
             <a:endParaRPr lang="ru-RU" dirty="0"/>
           </a:p>
@@ -6271,10 +7803,17 @@
   <p:clrMapOvr>
     <a:masterClrMapping/>
   </p:clrMapOvr>
+  <p:timing>
+    <p:tnLst>
+      <p:par>
+        <p:cTn id="1" dur="indefinite" restart="never" nodeType="tmRoot"/>
+      </p:par>
+    </p:tnLst>
+  </p:timing>
 </p:sld>
 </file>
 
-<file path=ppt/slides/slide6.xml><?xml version="1.0" encoding="utf-8"?>
+<file path=ppt/slides/slide8.xml><?xml version="1.0" encoding="utf-8"?>
 <p:sld xmlns:a="http://schemas.openxmlformats.org/drawingml/2006/main" xmlns:r="http://schemas.openxmlformats.org/officeDocument/2006/relationships" xmlns:p="http://schemas.openxmlformats.org/presentationml/2006/main">
   <p:cSld>
     <p:spTree>
@@ -6299,6 +7838,238 @@
         </p:nvSpPr>
         <p:spPr>
           <a:xfrm>
+            <a:off x="2407920" y="320040"/>
+            <a:ext cx="7461979" cy="646331"/>
+          </a:xfrm>
+          <a:prstGeom prst="rect">
+            <a:avLst/>
+          </a:prstGeom>
+          <a:noFill/>
+        </p:spPr>
+        <p:txBody>
+          <a:bodyPr wrap="none" rtlCol="0">
+            <a:spAutoFit/>
+          </a:bodyPr>
+          <a:lstStyle/>
+          <a:p>
+            <a:r>
+              <a:rPr lang="ru-RU" sz="3600" dirty="0" smtClean="0"/>
+              <a:t>Оптические навигационные системы</a:t>
+            </a:r>
+            <a:endParaRPr lang="ru-RU" sz="3600" dirty="0"/>
+          </a:p>
+        </p:txBody>
+      </p:sp>
+      <p:sp>
+        <p:nvSpPr>
+          <p:cNvPr id="5" name="TextBox 4"/>
+          <p:cNvSpPr txBox="1"/>
+          <p:nvPr/>
+        </p:nvSpPr>
+        <p:spPr>
+          <a:xfrm>
+            <a:off x="5181600" y="1341120"/>
+            <a:ext cx="7010400" cy="5262979"/>
+          </a:xfrm>
+          <a:prstGeom prst="rect">
+            <a:avLst/>
+          </a:prstGeom>
+          <a:noFill/>
+        </p:spPr>
+        <p:txBody>
+          <a:bodyPr wrap="square" rtlCol="0">
+            <a:spAutoFit/>
+          </a:bodyPr>
+          <a:lstStyle/>
+          <a:p>
+            <a:r>
+              <a:rPr lang="ru-RU" sz="2400" b="1" dirty="0" smtClean="0"/>
+              <a:t>Преимущества оптических систем:</a:t>
+            </a:r>
+          </a:p>
+          <a:p>
+            <a:pPr marL="342900" lvl="0" indent="-342900">
+              <a:buFont typeface="+mj-lt"/>
+              <a:buAutoNum type="arabicPeriod"/>
+            </a:pPr>
+            <a:r>
+              <a:rPr lang="ru-RU" sz="2400" dirty="0" smtClean="0"/>
+              <a:t>Дешевизна </a:t>
+            </a:r>
+            <a:r>
+              <a:rPr lang="ru-RU" sz="2400" dirty="0"/>
+              <a:t>оборудования</a:t>
+            </a:r>
+          </a:p>
+          <a:p>
+            <a:pPr marL="342900" lvl="0" indent="-342900">
+              <a:buFont typeface="+mj-lt"/>
+              <a:buAutoNum type="arabicPeriod"/>
+            </a:pPr>
+            <a:r>
+              <a:rPr lang="ru-RU" sz="2400" dirty="0"/>
+              <a:t>Инструмент, более легкий, по сравнению с другими навигационными </a:t>
+            </a:r>
+            <a:r>
+              <a:rPr lang="ru-RU" sz="2400" dirty="0" smtClean="0"/>
+              <a:t>системами</a:t>
+            </a:r>
+          </a:p>
+          <a:p>
+            <a:r>
+              <a:rPr lang="ru-RU" sz="2400" b="1" dirty="0" smtClean="0"/>
+              <a:t>Недостатки оптических </a:t>
+            </a:r>
+            <a:r>
+              <a:rPr lang="ru-RU" sz="2400" b="1" dirty="0"/>
+              <a:t>систем:</a:t>
+            </a:r>
+          </a:p>
+          <a:p>
+            <a:pPr marL="342900" lvl="0" indent="-342900">
+              <a:buFont typeface="+mj-lt"/>
+              <a:buAutoNum type="arabicPeriod"/>
+            </a:pPr>
+            <a:r>
+              <a:rPr lang="ru-RU" sz="2400" dirty="0"/>
+              <a:t>Возникновение ошибок из-за оптических искажений</a:t>
+            </a:r>
+          </a:p>
+          <a:p>
+            <a:pPr marL="342900" lvl="0" indent="-342900">
+              <a:buFont typeface="+mj-lt"/>
+              <a:buAutoNum type="arabicPeriod"/>
+            </a:pPr>
+            <a:r>
+              <a:rPr lang="ru-RU" sz="2400" dirty="0"/>
+              <a:t>Требуется питание для активных навигационных систем</a:t>
+            </a:r>
+          </a:p>
+          <a:p>
+            <a:pPr marL="342900" lvl="0" indent="-342900">
+              <a:buFont typeface="+mj-lt"/>
+              <a:buAutoNum type="arabicPeriod"/>
+            </a:pPr>
+            <a:r>
+              <a:rPr lang="ru-RU" sz="2400" dirty="0"/>
+              <a:t>Хирургический инструмент должен быть постоянно в поле зрения навигационной системы</a:t>
+            </a:r>
+          </a:p>
+          <a:p>
+            <a:pPr marL="342900" lvl="0" indent="-342900">
+              <a:buFont typeface="+mj-lt"/>
+              <a:buAutoNum type="arabicPeriod"/>
+            </a:pPr>
+            <a:endParaRPr lang="ru-RU" sz="2400" dirty="0"/>
+          </a:p>
+          <a:p>
+            <a:pPr marL="342900" indent="-342900">
+              <a:buFont typeface="+mj-lt"/>
+              <a:buAutoNum type="arabicPeriod"/>
+            </a:pPr>
+            <a:endParaRPr lang="ru-RU" sz="2400" dirty="0"/>
+          </a:p>
+        </p:txBody>
+      </p:sp>
+      <p:pic>
+        <p:nvPicPr>
+          <p:cNvPr id="7" name="Рисунок 6"/>
+          <p:cNvPicPr>
+            <a:picLocks noChangeAspect="1"/>
+          </p:cNvPicPr>
+          <p:nvPr/>
+        </p:nvPicPr>
+        <p:blipFill>
+          <a:blip r:embed="rId2">
+            <a:extLst>
+              <a:ext uri="{28A0092B-C50C-407E-A947-70E740481C1C}">
+                <a14:useLocalDpi xmlns:a14="http://schemas.microsoft.com/office/drawing/2010/main" val="0"/>
+              </a:ext>
+            </a:extLst>
+          </a:blip>
+          <a:stretch>
+            <a:fillRect/>
+          </a:stretch>
+        </p:blipFill>
+        <p:spPr>
+          <a:xfrm>
+            <a:off x="420702" y="966371"/>
+            <a:ext cx="3974435" cy="5114389"/>
+          </a:xfrm>
+          <a:prstGeom prst="rect">
+            <a:avLst/>
+          </a:prstGeom>
+        </p:spPr>
+      </p:pic>
+    </p:spTree>
+    <p:extLst>
+      <p:ext uri="{BB962C8B-B14F-4D97-AF65-F5344CB8AC3E}">
+        <p14:creationId xmlns:p14="http://schemas.microsoft.com/office/powerpoint/2010/main" val="2376544721"/>
+      </p:ext>
+    </p:extLst>
+  </p:cSld>
+  <p:clrMapOvr>
+    <a:masterClrMapping/>
+  </p:clrMapOvr>
+  <p:timing>
+    <p:tnLst>
+      <p:par>
+        <p:cTn id="1" dur="indefinite" restart="never" nodeType="tmRoot"/>
+      </p:par>
+    </p:tnLst>
+  </p:timing>
+</p:sld>
+</file>
+
+<file path=ppt/slides/slide9.xml><?xml version="1.0" encoding="utf-8"?>
+<p:sld xmlns:a="http://schemas.openxmlformats.org/drawingml/2006/main" xmlns:r="http://schemas.openxmlformats.org/officeDocument/2006/relationships" xmlns:p="http://schemas.openxmlformats.org/presentationml/2006/main">
+  <p:cSld>
+    <p:spTree>
+      <p:nvGrpSpPr>
+        <p:cNvPr id="1" name=""/>
+        <p:cNvGrpSpPr/>
+        <p:nvPr/>
+      </p:nvGrpSpPr>
+      <p:grpSpPr>
+        <a:xfrm>
+          <a:off x="0" y="0"/>
+          <a:ext cx="0" cy="0"/>
+          <a:chOff x="0" y="0"/>
+          <a:chExt cx="0" cy="0"/>
+        </a:xfrm>
+      </p:grpSpPr>
+      <p:pic>
+        <p:nvPicPr>
+          <p:cNvPr id="2" name="Рисунок 1"/>
+          <p:cNvPicPr>
+            <a:picLocks noChangeAspect="1"/>
+          </p:cNvPicPr>
+          <p:nvPr/>
+        </p:nvPicPr>
+        <p:blipFill>
+          <a:blip r:embed="rId2"/>
+          <a:stretch>
+            <a:fillRect/>
+          </a:stretch>
+        </p:blipFill>
+        <p:spPr>
+          <a:xfrm>
+            <a:off x="7119190" y="981611"/>
+            <a:ext cx="3543136" cy="2657793"/>
+          </a:xfrm>
+          <a:prstGeom prst="rect">
+            <a:avLst/>
+          </a:prstGeom>
+        </p:spPr>
+      </p:pic>
+      <p:sp>
+        <p:nvSpPr>
+          <p:cNvPr id="4" name="TextBox 3"/>
+          <p:cNvSpPr txBox="1"/>
+          <p:nvPr/>
+        </p:nvSpPr>
+        <p:spPr>
+          <a:xfrm>
             <a:off x="1767840" y="335280"/>
             <a:ext cx="8894486" cy="646331"/>
           </a:xfrm>
@@ -6330,7 +8101,7 @@
           <p:nvPr/>
         </p:nvPicPr>
         <p:blipFill>
-          <a:blip r:embed="rId2">
+          <a:blip r:embed="rId3">
             <a:extLst>
               <a:ext uri="{28A0092B-C50C-407E-A947-70E740481C1C}">
                 <a14:useLocalDpi xmlns:a14="http://schemas.microsoft.com/office/drawing/2010/main" val="0"/>
@@ -6344,7 +8115,7 @@
         </p:blipFill>
         <p:spPr bwMode="auto">
           <a:xfrm>
-            <a:off x="304801" y="1189673"/>
+            <a:off x="649334" y="981611"/>
             <a:ext cx="4998720" cy="5007506"/>
           </a:xfrm>
           <a:prstGeom prst="rect">
@@ -6362,6 +8133,36 @@
           </a:extLst>
         </p:spPr>
       </p:pic>
+      <p:sp>
+        <p:nvSpPr>
+          <p:cNvPr id="7" name="TextBox 6"/>
+          <p:cNvSpPr txBox="1"/>
+          <p:nvPr/>
+        </p:nvSpPr>
+        <p:spPr>
+          <a:xfrm>
+            <a:off x="5952759" y="5970914"/>
+            <a:ext cx="5437579" cy="369332"/>
+          </a:xfrm>
+          <a:prstGeom prst="rect">
+            <a:avLst/>
+          </a:prstGeom>
+          <a:noFill/>
+        </p:spPr>
+        <p:txBody>
+          <a:bodyPr wrap="none" rtlCol="0">
+            <a:spAutoFit/>
+          </a:bodyPr>
+          <a:lstStyle/>
+          <a:p>
+            <a:r>
+              <a:rPr lang="ru-RU" dirty="0" smtClean="0"/>
+              <a:t>Основные характеристики электромагнитных систем</a:t>
+            </a:r>
+            <a:endParaRPr lang="ru-RU" dirty="0"/>
+          </a:p>
+        </p:txBody>
+      </p:sp>
       <p:graphicFrame>
         <p:nvGraphicFramePr>
           <p:cNvPr id="6" name="Таблица 5"/>
@@ -6371,14 +8172,14 @@
           <p:nvPr>
             <p:extLst>
               <p:ext uri="{D42A27DB-BD31-4B8C-83A1-F6EECF244321}">
-                <p14:modId xmlns:p14="http://schemas.microsoft.com/office/powerpoint/2010/main" val="2151637503"/>
+                <p14:modId xmlns:p14="http://schemas.microsoft.com/office/powerpoint/2010/main" val="1578241414"/>
               </p:ext>
             </p:extLst>
           </p:nvPr>
         </p:nvGraphicFramePr>
         <p:xfrm>
-          <a:off x="5970707" y="4254570"/>
-          <a:ext cx="6055566" cy="1716345"/>
+          <a:off x="6215081" y="4264591"/>
+          <a:ext cx="4912933" cy="1677139"/>
         </p:xfrm>
         <a:graphic>
           <a:graphicData uri="http://schemas.openxmlformats.org/drawingml/2006/table">
@@ -6387,17 +8188,17 @@
                 <a:tableStyleId>{5C22544A-7EE6-4342-B048-85BDC9FD1C3A}</a:tableStyleId>
               </a:tblPr>
               <a:tblGrid>
-                <a:gridCol w="2018522"/>
-                <a:gridCol w="1357628"/>
-                <a:gridCol w="2679416"/>
+                <a:gridCol w="2535493"/>
+                <a:gridCol w="1158240"/>
+                <a:gridCol w="1219200"/>
               </a:tblGrid>
-              <a:tr h="198216">
+              <a:tr h="337071">
                 <a:tc>
                   <a:txBody>
                     <a:bodyPr/>
                     <a:lstStyle/>
                     <a:p>
-                      <a:pPr algn="just">
+                      <a:pPr algn="l">
                         <a:lnSpc>
                           <a:spcPct val="150000"/>
                         </a:lnSpc>
@@ -6406,20 +8207,14 @@
                         </a:spcAft>
                       </a:pPr>
                       <a:r>
-                        <a:rPr lang="ru-RU" sz="1400" dirty="0">
+                        <a:rPr lang="ru-RU" sz="1800" dirty="0">
                           <a:effectLst/>
-                          <a:latin typeface="Times New Roman" panose="02020603050405020304" pitchFamily="18" charset="0"/>
+                          <a:latin typeface="+mn-lt"/>
                           <a:ea typeface="Calibri" panose="020F0502020204030204" pitchFamily="34" charset="0"/>
                           <a:cs typeface="Times New Roman" panose="02020603050405020304" pitchFamily="18" charset="0"/>
                         </a:rPr>
                         <a:t>Наименование</a:t>
                       </a:r>
-                      <a:endParaRPr lang="ru-RU" sz="1100" dirty="0">
-                        <a:effectLst/>
-                        <a:latin typeface="Calibri" panose="020F0502020204030204" pitchFamily="34" charset="0"/>
-                        <a:ea typeface="Calibri" panose="020F0502020204030204" pitchFamily="34" charset="0"/>
-                        <a:cs typeface="Times New Roman" panose="02020603050405020304" pitchFamily="18" charset="0"/>
-                      </a:endParaRPr>
                     </a:p>
                   </a:txBody>
                   <a:tcPr marL="68580" marR="68580" marT="0" marB="0"/>
@@ -6469,7 +8264,7 @@
                   <a:tcPr/>
                 </a:tc>
               </a:tr>
-              <a:tr h="450195">
+              <a:tr h="414883">
                 <a:tc>
                   <a:txBody>
                     <a:bodyPr/>
@@ -6521,235 +8316,7 @@
                   <a:tcPr/>
                 </a:tc>
               </a:tr>
-              <a:tr h="450195">
-                <a:tc>
-                  <a:txBody>
-                    <a:bodyPr/>
-                    <a:lstStyle/>
-                    <a:p>
-                      <a:endParaRPr lang="ru-RU" dirty="0"/>
-                    </a:p>
-                  </a:txBody>
-                  <a:tcPr/>
-                </a:tc>
-                <a:tc>
-                  <a:txBody>
-                    <a:bodyPr/>
-                    <a:lstStyle/>
-                    <a:p>
-                      <a:endParaRPr lang="ru-RU" dirty="0"/>
-                    </a:p>
-                  </a:txBody>
-                  <a:tcPr/>
-                </a:tc>
-                <a:tc>
-                  <a:txBody>
-                    <a:bodyPr/>
-                    <a:lstStyle/>
-                    <a:p>
-                      <a:endParaRPr lang="ru-RU" dirty="0"/>
-                    </a:p>
-                  </a:txBody>
-                  <a:tcPr/>
-                </a:tc>
-              </a:tr>
-              <a:tr h="450195">
-                <a:tc>
-                  <a:txBody>
-                    <a:bodyPr/>
-                    <a:lstStyle/>
-                    <a:p>
-                      <a:endParaRPr lang="ru-RU"/>
-                    </a:p>
-                  </a:txBody>
-                  <a:tcPr/>
-                </a:tc>
-                <a:tc>
-                  <a:txBody>
-                    <a:bodyPr/>
-                    <a:lstStyle/>
-                    <a:p>
-                      <a:endParaRPr lang="ru-RU"/>
-                    </a:p>
-                  </a:txBody>
-                  <a:tcPr/>
-                </a:tc>
-                <a:tc>
-                  <a:txBody>
-                    <a:bodyPr/>
-                    <a:lstStyle/>
-                    <a:p>
-                      <a:endParaRPr lang="ru-RU" dirty="0"/>
-                    </a:p>
-                  </a:txBody>
-                  <a:tcPr/>
-                </a:tc>
-              </a:tr>
-            </a:tbl>
-          </a:graphicData>
-        </a:graphic>
-      </p:graphicFrame>
-      <p:sp>
-        <p:nvSpPr>
-          <p:cNvPr id="7" name="TextBox 6"/>
-          <p:cNvSpPr txBox="1"/>
-          <p:nvPr/>
-        </p:nvSpPr>
-        <p:spPr>
-          <a:xfrm>
-            <a:off x="6279701" y="5970915"/>
-            <a:ext cx="5437579" cy="369332"/>
-          </a:xfrm>
-          <a:prstGeom prst="rect">
-            <a:avLst/>
-          </a:prstGeom>
-          <a:noFill/>
-        </p:spPr>
-        <p:txBody>
-          <a:bodyPr wrap="none" rtlCol="0">
-            <a:spAutoFit/>
-          </a:bodyPr>
-          <a:lstStyle/>
-          <a:p>
-            <a:r>
-              <a:rPr lang="ru-RU" dirty="0" smtClean="0"/>
-              <a:t>Основные характеристики электромагнитных систем</a:t>
-            </a:r>
-            <a:endParaRPr lang="ru-RU" dirty="0"/>
-          </a:p>
-        </p:txBody>
-      </p:sp>
-      <p:pic>
-        <p:nvPicPr>
-          <p:cNvPr id="3076" name="Picture 4" descr="http://lor-zone.ru/forum/Files/Navi/navy_f_05.jpg"/>
-          <p:cNvPicPr>
-            <a:picLocks noChangeAspect="1" noChangeArrowheads="1"/>
-          </p:cNvPicPr>
-          <p:nvPr/>
-        </p:nvPicPr>
-        <p:blipFill>
-          <a:blip r:embed="rId3">
-            <a:extLst>
-              <a:ext uri="{28A0092B-C50C-407E-A947-70E740481C1C}">
-                <a14:useLocalDpi xmlns:a14="http://schemas.microsoft.com/office/drawing/2010/main" val="0"/>
-              </a:ext>
-            </a:extLst>
-          </a:blip>
-          <a:srcRect/>
-          <a:stretch>
-            <a:fillRect/>
-          </a:stretch>
-        </p:blipFill>
-        <p:spPr bwMode="auto">
-          <a:xfrm>
-            <a:off x="5970707" y="823913"/>
-            <a:ext cx="4065905" cy="3212066"/>
-          </a:xfrm>
-          <a:prstGeom prst="rect">
-            <a:avLst/>
-          </a:prstGeom>
-          <a:noFill/>
-          <a:extLst>
-            <a:ext uri="{909E8E84-426E-40DD-AFC4-6F175D3DCCD1}">
-              <a14:hiddenFill xmlns:a14="http://schemas.microsoft.com/office/drawing/2010/main">
-                <a:solidFill>
-                  <a:srgbClr val="FFFFFF"/>
-                </a:solidFill>
-              </a14:hiddenFill>
-            </a:ext>
-          </a:extLst>
-        </p:spPr>
-      </p:pic>
-    </p:spTree>
-    <p:extLst>
-      <p:ext uri="{BB962C8B-B14F-4D97-AF65-F5344CB8AC3E}">
-        <p14:creationId xmlns:p14="http://schemas.microsoft.com/office/powerpoint/2010/main" val="1055569876"/>
-      </p:ext>
-    </p:extLst>
-  </p:cSld>
-  <p:clrMapOvr>
-    <a:masterClrMapping/>
-  </p:clrMapOvr>
-</p:sld>
-</file>
-
-<file path=ppt/slides/slide7.xml><?xml version="1.0" encoding="utf-8"?>
-<p:sld xmlns:a="http://schemas.openxmlformats.org/drawingml/2006/main" xmlns:r="http://schemas.openxmlformats.org/officeDocument/2006/relationships" xmlns:p="http://schemas.openxmlformats.org/presentationml/2006/main">
-  <p:cSld>
-    <p:spTree>
-      <p:nvGrpSpPr>
-        <p:cNvPr id="1" name=""/>
-        <p:cNvGrpSpPr/>
-        <p:nvPr/>
-      </p:nvGrpSpPr>
-      <p:grpSpPr>
-        <a:xfrm>
-          <a:off x="0" y="0"/>
-          <a:ext cx="0" cy="0"/>
-          <a:chOff x="0" y="0"/>
-          <a:chExt cx="0" cy="0"/>
-        </a:xfrm>
-      </p:grpSpPr>
-      <p:sp>
-        <p:nvSpPr>
-          <p:cNvPr id="4" name="TextBox 3"/>
-          <p:cNvSpPr txBox="1"/>
-          <p:nvPr/>
-        </p:nvSpPr>
-        <p:spPr>
-          <a:xfrm>
-            <a:off x="2362200" y="259080"/>
-            <a:ext cx="7800020" cy="646331"/>
-          </a:xfrm>
-          <a:prstGeom prst="rect">
-            <a:avLst/>
-          </a:prstGeom>
-          <a:noFill/>
-        </p:spPr>
-        <p:txBody>
-          <a:bodyPr wrap="none" rtlCol="0">
-            <a:spAutoFit/>
-          </a:bodyPr>
-          <a:lstStyle/>
-          <a:p>
-            <a:r>
-              <a:rPr lang="ru-RU" sz="3600" dirty="0" smtClean="0"/>
-              <a:t>Акустические навигационные системы</a:t>
-            </a:r>
-            <a:endParaRPr lang="ru-RU" sz="3600" dirty="0"/>
-          </a:p>
-        </p:txBody>
-      </p:sp>
-      <p:graphicFrame>
-        <p:nvGraphicFramePr>
-          <p:cNvPr id="5" name="Таблица 4"/>
-          <p:cNvGraphicFramePr>
-            <a:graphicFrameLocks noGrp="1"/>
-          </p:cNvGraphicFramePr>
-          <p:nvPr>
-            <p:extLst>
-              <p:ext uri="{D42A27DB-BD31-4B8C-83A1-F6EECF244321}">
-                <p14:modId xmlns:p14="http://schemas.microsoft.com/office/powerpoint/2010/main" val="1189332047"/>
-              </p:ext>
-            </p:extLst>
-          </p:nvPr>
-        </p:nvGraphicFramePr>
-        <p:xfrm>
-          <a:off x="5589737" y="3590556"/>
-          <a:ext cx="6055566" cy="1906230"/>
-        </p:xfrm>
-        <a:graphic>
-          <a:graphicData uri="http://schemas.openxmlformats.org/drawingml/2006/table">
-            <a:tbl>
-              <a:tblPr firstRow="1" bandRow="1">
-                <a:tableStyleId>{5C22544A-7EE6-4342-B048-85BDC9FD1C3A}</a:tableStyleId>
-              </a:tblPr>
-              <a:tblGrid>
-                <a:gridCol w="2018522"/>
-                <a:gridCol w="1357628"/>
-                <a:gridCol w="2679416"/>
-              </a:tblGrid>
-              <a:tr h="198216">
+              <a:tr h="435893">
                 <a:tc>
                   <a:txBody>
                     <a:bodyPr/>
@@ -6764,466 +8331,18 @@
                         </a:spcAft>
                       </a:pPr>
                       <a:r>
-                        <a:rPr lang="ru-RU" sz="1400" dirty="0">
+                        <a:rPr lang="ru-RU" sz="1800" b="0" dirty="0">
                           <a:effectLst/>
-                          <a:latin typeface="Times New Roman" panose="02020603050405020304" pitchFamily="18" charset="0"/>
+                          <a:latin typeface="+mn-lt"/>
                           <a:ea typeface="Calibri" panose="020F0502020204030204" pitchFamily="34" charset="0"/>
                           <a:cs typeface="Times New Roman" panose="02020603050405020304" pitchFamily="18" charset="0"/>
                         </a:rPr>
-                        <a:t>Наименование</a:t>
+                        <a:t>Частота детектирования</a:t>
                       </a:r>
-                      <a:endParaRPr lang="ru-RU" sz="1100" dirty="0">
-                        <a:effectLst/>
-                        <a:latin typeface="Calibri" panose="020F0502020204030204" pitchFamily="34" charset="0"/>
-                        <a:ea typeface="Calibri" panose="020F0502020204030204" pitchFamily="34" charset="0"/>
-                        <a:cs typeface="Times New Roman" panose="02020603050405020304" pitchFamily="18" charset="0"/>
-                      </a:endParaRPr>
                     </a:p>
                   </a:txBody>
                   <a:tcPr marL="68580" marR="68580" marT="0" marB="0"/>
                 </a:tc>
-                <a:tc>
-                  <a:txBody>
-                    <a:bodyPr/>
-                    <a:lstStyle/>
-                    <a:p>
-                      <a:r>
-                        <a:rPr lang="ru-RU" sz="1800" b="1" kern="1200" dirty="0" smtClean="0">
-                          <a:solidFill>
-                            <a:schemeClr val="lt1"/>
-                          </a:solidFill>
-                          <a:effectLst/>
-                          <a:latin typeface="+mn-lt"/>
-                          <a:ea typeface="+mn-ea"/>
-                          <a:cs typeface="+mn-cs"/>
-                        </a:rPr>
-                        <a:t>Величина</a:t>
-                      </a:r>
-                      <a:endParaRPr lang="ru-RU" dirty="0"/>
-                    </a:p>
-                  </a:txBody>
-                  <a:tcPr/>
-                </a:tc>
-                <a:tc>
-                  <a:txBody>
-                    <a:bodyPr/>
-                    <a:lstStyle/>
-                    <a:p>
-                      <a:r>
-                        <a:rPr lang="ru-RU" sz="1800" b="1" kern="1200" dirty="0" smtClean="0">
-                          <a:solidFill>
-                            <a:schemeClr val="lt1"/>
-                          </a:solidFill>
-                          <a:effectLst/>
-                          <a:latin typeface="+mn-lt"/>
-                          <a:ea typeface="+mn-ea"/>
-                          <a:cs typeface="+mn-cs"/>
-                        </a:rPr>
-                        <a:t>Диапазон</a:t>
-                      </a:r>
-                      <a:endParaRPr lang="ru-RU" dirty="0"/>
-                    </a:p>
-                  </a:txBody>
-                  <a:tcPr/>
-                </a:tc>
-              </a:tr>
-              <a:tr h="450195">
-                <a:tc>
-                  <a:txBody>
-                    <a:bodyPr/>
-                    <a:lstStyle/>
-                    <a:p>
-                      <a:r>
-                        <a:rPr lang="ru-RU" dirty="0" smtClean="0"/>
-                        <a:t>Точность</a:t>
-                      </a:r>
-                      <a:endParaRPr lang="ru-RU" dirty="0"/>
-                    </a:p>
-                  </a:txBody>
-                  <a:tcPr/>
-                </a:tc>
-                <a:tc>
-                  <a:txBody>
-                    <a:bodyPr/>
-                    <a:lstStyle/>
-                    <a:p>
-                      <a:r>
-                        <a:rPr lang="ru-RU" dirty="0" smtClean="0"/>
-                        <a:t>мм</a:t>
-                      </a:r>
-                      <a:endParaRPr lang="ru-RU" dirty="0"/>
-                    </a:p>
-                  </a:txBody>
-                  <a:tcPr/>
-                </a:tc>
-                <a:tc>
-                  <a:txBody>
-                    <a:bodyPr/>
-                    <a:lstStyle/>
-                    <a:p>
-                      <a:r>
-                        <a:rPr lang="ru-RU" sz="1800" kern="1200" dirty="0" smtClean="0">
-                          <a:solidFill>
-                            <a:schemeClr val="dk1"/>
-                          </a:solidFill>
-                          <a:effectLst/>
-                          <a:latin typeface="+mn-lt"/>
-                          <a:ea typeface="+mn-ea"/>
-                          <a:cs typeface="+mn-cs"/>
-                        </a:rPr>
-                        <a:t>≈0.3-2.0</a:t>
-                      </a:r>
-                      <a:endParaRPr lang="ru-RU" dirty="0"/>
-                    </a:p>
-                  </a:txBody>
-                  <a:tcPr/>
-                </a:tc>
-              </a:tr>
-              <a:tr h="450195">
-                <a:tc>
-                  <a:txBody>
-                    <a:bodyPr/>
-                    <a:lstStyle/>
-                    <a:p>
-                      <a:r>
-                        <a:rPr lang="ru-RU" sz="1800" kern="1200" dirty="0" smtClean="0">
-                          <a:solidFill>
-                            <a:schemeClr val="dk1"/>
-                          </a:solidFill>
-                          <a:effectLst/>
-                          <a:latin typeface="+mn-lt"/>
-                          <a:ea typeface="+mn-ea"/>
-                          <a:cs typeface="+mn-cs"/>
-                        </a:rPr>
-                        <a:t>Разрешение камер</a:t>
-                      </a:r>
-                      <a:endParaRPr lang="ru-RU" dirty="0"/>
-                    </a:p>
-                  </a:txBody>
-                  <a:tcPr/>
-                </a:tc>
-                <a:tc>
-                  <a:txBody>
-                    <a:bodyPr/>
-                    <a:lstStyle/>
-                    <a:p>
-                      <a:r>
-                        <a:rPr lang="ru-RU" dirty="0" smtClean="0"/>
-                        <a:t>пиксель/</a:t>
-                      </a:r>
-                      <a:r>
-                        <a:rPr lang="ru-RU" dirty="0" err="1" smtClean="0"/>
-                        <a:t>ед.площади</a:t>
-                      </a:r>
-                      <a:endParaRPr lang="ru-RU" dirty="0"/>
-                    </a:p>
-                  </a:txBody>
-                  <a:tcPr/>
-                </a:tc>
-                <a:tc>
-                  <a:txBody>
-                    <a:bodyPr/>
-                    <a:lstStyle/>
-                    <a:p>
-                      <a:endParaRPr lang="ru-RU" dirty="0"/>
-                    </a:p>
-                  </a:txBody>
-                  <a:tcPr/>
-                </a:tc>
-              </a:tr>
-              <a:tr h="450195">
-                <a:tc>
-                  <a:txBody>
-                    <a:bodyPr/>
-                    <a:lstStyle/>
-                    <a:p>
-                      <a:endParaRPr lang="ru-RU"/>
-                    </a:p>
-                  </a:txBody>
-                  <a:tcPr/>
-                </a:tc>
-                <a:tc>
-                  <a:txBody>
-                    <a:bodyPr/>
-                    <a:lstStyle/>
-                    <a:p>
-                      <a:endParaRPr lang="ru-RU"/>
-                    </a:p>
-                  </a:txBody>
-                  <a:tcPr/>
-                </a:tc>
-                <a:tc>
-                  <a:txBody>
-                    <a:bodyPr/>
-                    <a:lstStyle/>
-                    <a:p>
-                      <a:endParaRPr lang="ru-RU" dirty="0"/>
-                    </a:p>
-                  </a:txBody>
-                  <a:tcPr/>
-                </a:tc>
-              </a:tr>
-            </a:tbl>
-          </a:graphicData>
-        </a:graphic>
-      </p:graphicFrame>
-      <p:sp>
-        <p:nvSpPr>
-          <p:cNvPr id="6" name="TextBox 5"/>
-          <p:cNvSpPr txBox="1"/>
-          <p:nvPr/>
-        </p:nvSpPr>
-        <p:spPr>
-          <a:xfrm>
-            <a:off x="6279701" y="5970915"/>
-            <a:ext cx="4675639" cy="369332"/>
-          </a:xfrm>
-          <a:prstGeom prst="rect">
-            <a:avLst/>
-          </a:prstGeom>
-          <a:noFill/>
-        </p:spPr>
-        <p:txBody>
-          <a:bodyPr wrap="none" rtlCol="0">
-            <a:spAutoFit/>
-          </a:bodyPr>
-          <a:lstStyle/>
-          <a:p>
-            <a:r>
-              <a:rPr lang="ru-RU" dirty="0" smtClean="0"/>
-              <a:t>Основные характеристики оптических систем</a:t>
-            </a:r>
-            <a:endParaRPr lang="ru-RU" dirty="0"/>
-          </a:p>
-        </p:txBody>
-      </p:sp>
-    </p:spTree>
-    <p:extLst>
-      <p:ext uri="{BB962C8B-B14F-4D97-AF65-F5344CB8AC3E}">
-        <p14:creationId xmlns:p14="http://schemas.microsoft.com/office/powerpoint/2010/main" val="537769083"/>
-      </p:ext>
-    </p:extLst>
-  </p:cSld>
-  <p:clrMapOvr>
-    <a:masterClrMapping/>
-  </p:clrMapOvr>
-</p:sld>
-</file>
-
-<file path=ppt/slides/slide8.xml><?xml version="1.0" encoding="utf-8"?>
-<p:sld xmlns:a="http://schemas.openxmlformats.org/drawingml/2006/main" xmlns:r="http://schemas.openxmlformats.org/officeDocument/2006/relationships" xmlns:p="http://schemas.openxmlformats.org/presentationml/2006/main">
-  <p:cSld>
-    <p:spTree>
-      <p:nvGrpSpPr>
-        <p:cNvPr id="1" name=""/>
-        <p:cNvGrpSpPr/>
-        <p:nvPr/>
-      </p:nvGrpSpPr>
-      <p:grpSpPr>
-        <a:xfrm>
-          <a:off x="0" y="0"/>
-          <a:ext cx="0" cy="0"/>
-          <a:chOff x="0" y="0"/>
-          <a:chExt cx="0" cy="0"/>
-        </a:xfrm>
-      </p:grpSpPr>
-      <p:sp>
-        <p:nvSpPr>
-          <p:cNvPr id="4" name="TextBox 3"/>
-          <p:cNvSpPr txBox="1"/>
-          <p:nvPr/>
-        </p:nvSpPr>
-        <p:spPr>
-          <a:xfrm>
-            <a:off x="2164080" y="304800"/>
-            <a:ext cx="8025595" cy="646331"/>
-          </a:xfrm>
-          <a:prstGeom prst="rect">
-            <a:avLst/>
-          </a:prstGeom>
-          <a:noFill/>
-        </p:spPr>
-        <p:txBody>
-          <a:bodyPr wrap="none" rtlCol="0">
-            <a:spAutoFit/>
-          </a:bodyPr>
-          <a:lstStyle/>
-          <a:p>
-            <a:r>
-              <a:rPr lang="ru-RU" sz="3600" dirty="0" smtClean="0"/>
-              <a:t>Механические навигационные системы</a:t>
-            </a:r>
-            <a:endParaRPr lang="ru-RU" sz="3600" dirty="0"/>
-          </a:p>
-        </p:txBody>
-      </p:sp>
-      <p:pic>
-        <p:nvPicPr>
-          <p:cNvPr id="5" name="Рисунок 4"/>
-          <p:cNvPicPr>
-            <a:picLocks noChangeAspect="1"/>
-          </p:cNvPicPr>
-          <p:nvPr/>
-        </p:nvPicPr>
-        <p:blipFill>
-          <a:blip r:embed="rId2"/>
-          <a:stretch>
-            <a:fillRect/>
-          </a:stretch>
-        </p:blipFill>
-        <p:spPr>
-          <a:xfrm>
-            <a:off x="351350" y="951131"/>
-            <a:ext cx="3129940" cy="2963288"/>
-          </a:xfrm>
-          <a:prstGeom prst="rect">
-            <a:avLst/>
-          </a:prstGeom>
-        </p:spPr>
-      </p:pic>
-      <p:sp>
-        <p:nvSpPr>
-          <p:cNvPr id="6" name="TextBox 5"/>
-          <p:cNvSpPr txBox="1"/>
-          <p:nvPr/>
-        </p:nvSpPr>
-        <p:spPr>
-          <a:xfrm>
-            <a:off x="0" y="3914419"/>
-            <a:ext cx="4296689" cy="646331"/>
-          </a:xfrm>
-          <a:prstGeom prst="rect">
-            <a:avLst/>
-          </a:prstGeom>
-          <a:noFill/>
-        </p:spPr>
-        <p:txBody>
-          <a:bodyPr wrap="none" rtlCol="0">
-            <a:spAutoFit/>
-          </a:bodyPr>
-          <a:lstStyle/>
-          <a:p>
-            <a:pPr algn="ctr"/>
-            <a:r>
-              <a:rPr lang="ru-RU" dirty="0" smtClean="0"/>
-              <a:t>Гироскопическая</a:t>
-            </a:r>
-            <a:r>
-              <a:rPr lang="en-US" dirty="0" smtClean="0"/>
-              <a:t> </a:t>
-            </a:r>
-            <a:r>
-              <a:rPr lang="ru-RU" dirty="0" smtClean="0"/>
-              <a:t>навигационная система </a:t>
-            </a:r>
-            <a:endParaRPr lang="en-US" dirty="0" smtClean="0"/>
-          </a:p>
-          <a:p>
-            <a:pPr algn="ctr"/>
-            <a:r>
-              <a:rPr lang="en-US" dirty="0" smtClean="0"/>
-              <a:t>Zimmer </a:t>
-            </a:r>
-            <a:r>
-              <a:rPr lang="en-US" dirty="0" err="1" smtClean="0"/>
-              <a:t>iAssisst</a:t>
-            </a:r>
-            <a:r>
-              <a:rPr lang="en-US" dirty="0" smtClean="0"/>
-              <a:t> Knee</a:t>
-            </a:r>
-            <a:endParaRPr lang="ru-RU" dirty="0"/>
-          </a:p>
-        </p:txBody>
-      </p:sp>
-      <p:pic>
-        <p:nvPicPr>
-          <p:cNvPr id="7" name="Рисунок 6"/>
-          <p:cNvPicPr>
-            <a:picLocks noChangeAspect="1"/>
-          </p:cNvPicPr>
-          <p:nvPr/>
-        </p:nvPicPr>
-        <p:blipFill>
-          <a:blip r:embed="rId3"/>
-          <a:stretch>
-            <a:fillRect/>
-          </a:stretch>
-        </p:blipFill>
-        <p:spPr>
-          <a:xfrm>
-            <a:off x="4648039" y="905443"/>
-            <a:ext cx="4175756" cy="3053522"/>
-          </a:xfrm>
-          <a:prstGeom prst="rect">
-            <a:avLst/>
-          </a:prstGeom>
-        </p:spPr>
-      </p:pic>
-      <p:sp>
-        <p:nvSpPr>
-          <p:cNvPr id="8" name="TextBox 7"/>
-          <p:cNvSpPr txBox="1"/>
-          <p:nvPr/>
-        </p:nvSpPr>
-        <p:spPr>
-          <a:xfrm>
-            <a:off x="5781777" y="3958965"/>
-            <a:ext cx="1908279" cy="369332"/>
-          </a:xfrm>
-          <a:prstGeom prst="rect">
-            <a:avLst/>
-          </a:prstGeom>
-          <a:noFill/>
-        </p:spPr>
-        <p:txBody>
-          <a:bodyPr wrap="none" rtlCol="0">
-            <a:spAutoFit/>
-          </a:bodyPr>
-          <a:lstStyle/>
-          <a:p>
-            <a:r>
-              <a:rPr lang="ru-RU" dirty="0" smtClean="0"/>
-              <a:t>Робот </a:t>
-            </a:r>
-            <a:r>
-              <a:rPr lang="en-US" dirty="0" smtClean="0"/>
-              <a:t>Spine Assist</a:t>
-            </a:r>
-            <a:endParaRPr lang="ru-RU" dirty="0"/>
-          </a:p>
-        </p:txBody>
-      </p:sp>
-      <p:graphicFrame>
-        <p:nvGraphicFramePr>
-          <p:cNvPr id="9" name="Таблица 8"/>
-          <p:cNvGraphicFramePr>
-            <a:graphicFrameLocks noGrp="1"/>
-          </p:cNvGraphicFramePr>
-          <p:nvPr>
-            <p:extLst>
-              <p:ext uri="{D42A27DB-BD31-4B8C-83A1-F6EECF244321}">
-                <p14:modId xmlns:p14="http://schemas.microsoft.com/office/powerpoint/2010/main" val="1989959515"/>
-              </p:ext>
-            </p:extLst>
-          </p:nvPr>
-        </p:nvGraphicFramePr>
-        <p:xfrm>
-          <a:off x="167640" y="4560750"/>
-          <a:ext cx="4838268" cy="1463040"/>
-        </p:xfrm>
-        <a:graphic>
-          <a:graphicData uri="http://schemas.openxmlformats.org/drawingml/2006/table">
-            <a:tbl>
-              <a:tblPr firstRow="1" bandRow="1">
-                <a:tableStyleId>{5C22544A-7EE6-4342-B048-85BDC9FD1C3A}</a:tableStyleId>
-              </a:tblPr>
-              <a:tblGrid>
-                <a:gridCol w="2018522"/>
-                <a:gridCol w="1357628"/>
-                <a:gridCol w="1462118"/>
-              </a:tblGrid>
-              <a:tr h="198216">
                 <a:tc>
                   <a:txBody>
                     <a:bodyPr/>
@@ -7238,264 +8357,18 @@
                         </a:spcAft>
                       </a:pPr>
                       <a:r>
-                        <a:rPr lang="ru-RU" sz="1400" dirty="0">
+                        <a:rPr lang="ru-RU" sz="1800" b="0">
                           <a:effectLst/>
-                          <a:latin typeface="Times New Roman" panose="02020603050405020304" pitchFamily="18" charset="0"/>
+                          <a:latin typeface="+mn-lt"/>
                           <a:ea typeface="Calibri" panose="020F0502020204030204" pitchFamily="34" charset="0"/>
                           <a:cs typeface="Times New Roman" panose="02020603050405020304" pitchFamily="18" charset="0"/>
                         </a:rPr>
-                        <a:t>Наименование</a:t>
+                        <a:t>Гц</a:t>
                       </a:r>
-                      <a:endParaRPr lang="ru-RU" sz="1100" dirty="0">
-                        <a:effectLst/>
-                        <a:latin typeface="Calibri" panose="020F0502020204030204" pitchFamily="34" charset="0"/>
-                        <a:ea typeface="Calibri" panose="020F0502020204030204" pitchFamily="34" charset="0"/>
-                        <a:cs typeface="Times New Roman" panose="02020603050405020304" pitchFamily="18" charset="0"/>
-                      </a:endParaRPr>
                     </a:p>
                   </a:txBody>
                   <a:tcPr marL="68580" marR="68580" marT="0" marB="0"/>
                 </a:tc>
-                <a:tc>
-                  <a:txBody>
-                    <a:bodyPr/>
-                    <a:lstStyle/>
-                    <a:p>
-                      <a:r>
-                        <a:rPr lang="ru-RU" sz="1800" b="1" kern="1200" dirty="0" smtClean="0">
-                          <a:solidFill>
-                            <a:schemeClr val="lt1"/>
-                          </a:solidFill>
-                          <a:effectLst/>
-                          <a:latin typeface="+mn-lt"/>
-                          <a:ea typeface="+mn-ea"/>
-                          <a:cs typeface="+mn-cs"/>
-                        </a:rPr>
-                        <a:t>Величина</a:t>
-                      </a:r>
-                      <a:endParaRPr lang="ru-RU" dirty="0"/>
-                    </a:p>
-                  </a:txBody>
-                  <a:tcPr/>
-                </a:tc>
-                <a:tc>
-                  <a:txBody>
-                    <a:bodyPr/>
-                    <a:lstStyle/>
-                    <a:p>
-                      <a:r>
-                        <a:rPr lang="ru-RU" sz="1800" b="1" kern="1200" dirty="0" smtClean="0">
-                          <a:solidFill>
-                            <a:schemeClr val="lt1"/>
-                          </a:solidFill>
-                          <a:effectLst/>
-                          <a:latin typeface="+mn-lt"/>
-                          <a:ea typeface="+mn-ea"/>
-                          <a:cs typeface="+mn-cs"/>
-                        </a:rPr>
-                        <a:t>Диапазон</a:t>
-                      </a:r>
-                      <a:endParaRPr lang="ru-RU" dirty="0"/>
-                    </a:p>
-                  </a:txBody>
-                  <a:tcPr/>
-                </a:tc>
-              </a:tr>
-              <a:tr h="328275">
-                <a:tc>
-                  <a:txBody>
-                    <a:bodyPr/>
-                    <a:lstStyle/>
-                    <a:p>
-                      <a:r>
-                        <a:rPr lang="ru-RU" dirty="0" smtClean="0"/>
-                        <a:t>Точность</a:t>
-                      </a:r>
-                      <a:endParaRPr lang="ru-RU" dirty="0"/>
-                    </a:p>
-                  </a:txBody>
-                  <a:tcPr/>
-                </a:tc>
-                <a:tc>
-                  <a:txBody>
-                    <a:bodyPr/>
-                    <a:lstStyle/>
-                    <a:p>
-                      <a:r>
-                        <a:rPr lang="ru-RU" dirty="0" smtClean="0"/>
-                        <a:t>мм</a:t>
-                      </a:r>
-                      <a:endParaRPr lang="ru-RU" dirty="0"/>
-                    </a:p>
-                  </a:txBody>
-                  <a:tcPr/>
-                </a:tc>
-                <a:tc>
-                  <a:txBody>
-                    <a:bodyPr/>
-                    <a:lstStyle/>
-                    <a:p>
-                      <a:r>
-                        <a:rPr lang="ru-RU" sz="1800" kern="1200" dirty="0" smtClean="0">
-                          <a:solidFill>
-                            <a:schemeClr val="dk1"/>
-                          </a:solidFill>
-                          <a:effectLst/>
-                          <a:latin typeface="+mn-lt"/>
-                          <a:ea typeface="+mn-ea"/>
-                          <a:cs typeface="+mn-cs"/>
-                        </a:rPr>
-                        <a:t>≈0.3-2.0</a:t>
-                      </a:r>
-                      <a:endParaRPr lang="ru-RU" dirty="0"/>
-                    </a:p>
-                  </a:txBody>
-                  <a:tcPr/>
-                </a:tc>
-              </a:tr>
-              <a:tr h="297795">
-                <a:tc>
-                  <a:txBody>
-                    <a:bodyPr/>
-                    <a:lstStyle/>
-                    <a:p>
-                      <a:endParaRPr lang="ru-RU" dirty="0"/>
-                    </a:p>
-                  </a:txBody>
-                  <a:tcPr/>
-                </a:tc>
-                <a:tc>
-                  <a:txBody>
-                    <a:bodyPr/>
-                    <a:lstStyle/>
-                    <a:p>
-                      <a:endParaRPr lang="ru-RU" dirty="0"/>
-                    </a:p>
-                  </a:txBody>
-                  <a:tcPr/>
-                </a:tc>
-                <a:tc>
-                  <a:txBody>
-                    <a:bodyPr/>
-                    <a:lstStyle/>
-                    <a:p>
-                      <a:endParaRPr lang="ru-RU" dirty="0"/>
-                    </a:p>
-                  </a:txBody>
-                  <a:tcPr/>
-                </a:tc>
-              </a:tr>
-              <a:tr h="262095">
-                <a:tc>
-                  <a:txBody>
-                    <a:bodyPr/>
-                    <a:lstStyle/>
-                    <a:p>
-                      <a:endParaRPr lang="ru-RU" dirty="0"/>
-                    </a:p>
-                  </a:txBody>
-                  <a:tcPr/>
-                </a:tc>
-                <a:tc>
-                  <a:txBody>
-                    <a:bodyPr/>
-                    <a:lstStyle/>
-                    <a:p>
-                      <a:endParaRPr lang="ru-RU"/>
-                    </a:p>
-                  </a:txBody>
-                  <a:tcPr/>
-                </a:tc>
-                <a:tc>
-                  <a:txBody>
-                    <a:bodyPr/>
-                    <a:lstStyle/>
-                    <a:p>
-                      <a:endParaRPr lang="ru-RU" dirty="0"/>
-                    </a:p>
-                  </a:txBody>
-                  <a:tcPr/>
-                </a:tc>
-              </a:tr>
-            </a:tbl>
-          </a:graphicData>
-        </a:graphic>
-      </p:graphicFrame>
-      <p:sp>
-        <p:nvSpPr>
-          <p:cNvPr id="12" name="TextBox 11"/>
-          <p:cNvSpPr txBox="1"/>
-          <p:nvPr/>
-        </p:nvSpPr>
-        <p:spPr>
-          <a:xfrm>
-            <a:off x="167640" y="6023790"/>
-            <a:ext cx="5690597" cy="646331"/>
-          </a:xfrm>
-          <a:prstGeom prst="rect">
-            <a:avLst/>
-          </a:prstGeom>
-          <a:noFill/>
-        </p:spPr>
-        <p:txBody>
-          <a:bodyPr wrap="none" rtlCol="0">
-            <a:spAutoFit/>
-          </a:bodyPr>
-          <a:lstStyle/>
-          <a:p>
-            <a:r>
-              <a:rPr lang="ru-RU" dirty="0" smtClean="0"/>
-              <a:t>Основные характеристики системы </a:t>
-            </a:r>
-            <a:r>
-              <a:rPr lang="en-US" dirty="0" smtClean="0"/>
-              <a:t>Zimmer </a:t>
-            </a:r>
-            <a:r>
-              <a:rPr lang="en-US" dirty="0" err="1" smtClean="0"/>
-              <a:t>iAssisst</a:t>
-            </a:r>
-            <a:r>
-              <a:rPr lang="en-US" dirty="0" smtClean="0"/>
-              <a:t> Knee</a:t>
-            </a:r>
-            <a:endParaRPr lang="ru-RU" dirty="0" smtClean="0"/>
-          </a:p>
-          <a:p>
-            <a:endParaRPr lang="ru-RU" dirty="0"/>
-          </a:p>
-        </p:txBody>
-      </p:sp>
-      <p:graphicFrame>
-        <p:nvGraphicFramePr>
-          <p:cNvPr id="13" name="Таблица 12"/>
-          <p:cNvGraphicFramePr>
-            <a:graphicFrameLocks noGrp="1"/>
-          </p:cNvGraphicFramePr>
-          <p:nvPr>
-            <p:extLst>
-              <p:ext uri="{D42A27DB-BD31-4B8C-83A1-F6EECF244321}">
-                <p14:modId xmlns:p14="http://schemas.microsoft.com/office/powerpoint/2010/main" val="2446005368"/>
-              </p:ext>
-            </p:extLst>
-          </p:nvPr>
-        </p:nvGraphicFramePr>
-        <p:xfrm>
-          <a:off x="5858237" y="4559608"/>
-          <a:ext cx="4838268" cy="1463040"/>
-        </p:xfrm>
-        <a:graphic>
-          <a:graphicData uri="http://schemas.openxmlformats.org/drawingml/2006/table">
-            <a:tbl>
-              <a:tblPr firstRow="1" bandRow="1">
-                <a:tableStyleId>{5C22544A-7EE6-4342-B048-85BDC9FD1C3A}</a:tableStyleId>
-              </a:tblPr>
-              <a:tblGrid>
-                <a:gridCol w="2018522"/>
-                <a:gridCol w="1357628"/>
-                <a:gridCol w="1462118"/>
-              </a:tblGrid>
-              <a:tr h="198216">
                 <a:tc>
                   <a:txBody>
                     <a:bodyPr/>
@@ -7510,20 +8383,57 @@
                         </a:spcAft>
                       </a:pPr>
                       <a:r>
-                        <a:rPr lang="ru-RU" sz="1400" dirty="0">
+                        <a:rPr lang="ru-RU" sz="1800" b="0" dirty="0">
                           <a:effectLst/>
-                          <a:latin typeface="Times New Roman" panose="02020603050405020304" pitchFamily="18" charset="0"/>
+                          <a:latin typeface="+mn-lt"/>
                           <a:ea typeface="Calibri" panose="020F0502020204030204" pitchFamily="34" charset="0"/>
                           <a:cs typeface="Times New Roman" panose="02020603050405020304" pitchFamily="18" charset="0"/>
                         </a:rPr>
-                        <a:t>Наименование</a:t>
+                        <a:t>До </a:t>
                       </a:r>
-                      <a:endParaRPr lang="ru-RU" sz="1100" dirty="0">
+                      <a:r>
+                        <a:rPr lang="ru-RU" sz="1800" b="0" dirty="0" smtClean="0">
+                          <a:effectLst/>
+                          <a:latin typeface="+mn-lt"/>
+                          <a:ea typeface="Calibri" panose="020F0502020204030204" pitchFamily="34" charset="0"/>
+                          <a:cs typeface="Times New Roman" panose="02020603050405020304" pitchFamily="18" charset="0"/>
+                        </a:rPr>
+                        <a:t>400</a:t>
+                      </a:r>
+                      <a:endParaRPr lang="ru-RU" sz="1800" b="0" dirty="0">
                         <a:effectLst/>
-                        <a:latin typeface="Calibri" panose="020F0502020204030204" pitchFamily="34" charset="0"/>
+                        <a:latin typeface="+mn-lt"/>
                         <a:ea typeface="Calibri" panose="020F0502020204030204" pitchFamily="34" charset="0"/>
                         <a:cs typeface="Times New Roman" panose="02020603050405020304" pitchFamily="18" charset="0"/>
                       </a:endParaRPr>
+                    </a:p>
+                  </a:txBody>
+                  <a:tcPr marL="68580" marR="68580" marT="0" marB="0"/>
+                </a:tc>
+              </a:tr>
+              <a:tr h="414883">
+                <a:tc>
+                  <a:txBody>
+                    <a:bodyPr/>
+                    <a:lstStyle/>
+                    <a:p>
+                      <a:pPr algn="just">
+                        <a:lnSpc>
+                          <a:spcPct val="150000"/>
+                        </a:lnSpc>
+                        <a:spcAft>
+                          <a:spcPts val="0"/>
+                        </a:spcAft>
+                      </a:pPr>
+                      <a:r>
+                        <a:rPr lang="ru-RU" sz="1800" b="0" dirty="0">
+                          <a:effectLst/>
+                          <a:latin typeface="+mn-lt"/>
+                          <a:ea typeface="Calibri" panose="020F0502020204030204" pitchFamily="34" charset="0"/>
+                          <a:cs typeface="Times New Roman" panose="02020603050405020304" pitchFamily="18" charset="0"/>
+                        </a:rPr>
+                        <a:t>Угловая погрешность</a:t>
+                      </a:r>
                     </a:p>
                   </a:txBody>
                   <a:tcPr marL="68580" marR="68580" marT="0" marB="0"/>
@@ -7533,160 +8443,52 @@
                     <a:bodyPr/>
                     <a:lstStyle/>
                     <a:p>
+                      <a:pPr algn="just">
+                        <a:lnSpc>
+                          <a:spcPct val="150000"/>
+                        </a:lnSpc>
+                        <a:spcAft>
+                          <a:spcPts val="0"/>
+                        </a:spcAft>
+                      </a:pPr>
                       <a:r>
-                        <a:rPr lang="ru-RU" sz="1800" b="1" kern="1200" dirty="0" smtClean="0">
-                          <a:solidFill>
-                            <a:schemeClr val="lt1"/>
-                          </a:solidFill>
+                        <a:rPr lang="ru-RU" sz="1800" b="0">
                           <a:effectLst/>
                           <a:latin typeface="+mn-lt"/>
-                          <a:ea typeface="+mn-ea"/>
-                          <a:cs typeface="+mn-cs"/>
+                          <a:ea typeface="Calibri" panose="020F0502020204030204" pitchFamily="34" charset="0"/>
+                          <a:cs typeface="Times New Roman" panose="02020603050405020304" pitchFamily="18" charset="0"/>
                         </a:rPr>
-                        <a:t>Величина</a:t>
+                        <a:t>º</a:t>
                       </a:r>
-                      <a:endParaRPr lang="ru-RU" dirty="0"/>
                     </a:p>
                   </a:txBody>
-                  <a:tcPr/>
+                  <a:tcPr marL="68580" marR="68580" marT="0" marB="0"/>
                 </a:tc>
                 <a:tc>
                   <a:txBody>
                     <a:bodyPr/>
                     <a:lstStyle/>
                     <a:p>
+                      <a:pPr algn="just">
+                        <a:lnSpc>
+                          <a:spcPct val="150000"/>
+                        </a:lnSpc>
+                        <a:spcAft>
+                          <a:spcPts val="0"/>
+                        </a:spcAft>
+                      </a:pPr>
                       <a:r>
-                        <a:rPr lang="ru-RU" sz="1800" b="1" kern="1200" dirty="0" smtClean="0">
-                          <a:solidFill>
-                            <a:schemeClr val="lt1"/>
-                          </a:solidFill>
+                        <a:rPr lang="ru-RU" sz="1800" b="0" dirty="0">
                           <a:effectLst/>
                           <a:latin typeface="+mn-lt"/>
-                          <a:ea typeface="+mn-ea"/>
-                          <a:cs typeface="+mn-cs"/>
+                          <a:ea typeface="Calibri" panose="020F0502020204030204" pitchFamily="34" charset="0"/>
+                          <a:cs typeface="Times New Roman" panose="02020603050405020304" pitchFamily="18" charset="0"/>
                         </a:rPr>
-                        <a:t>Диапазон</a:t>
+                        <a:t>≈0.8</a:t>
                       </a:r>
-                      <a:endParaRPr lang="ru-RU" dirty="0"/>
                     </a:p>
                   </a:txBody>
-                  <a:tcPr/>
-                </a:tc>
-              </a:tr>
-              <a:tr h="328275">
-                <a:tc>
-                  <a:txBody>
-                    <a:bodyPr/>
-                    <a:lstStyle/>
-                    <a:p>
-                      <a:r>
-                        <a:rPr lang="ru-RU" dirty="0" smtClean="0"/>
-                        <a:t>Точность</a:t>
-                      </a:r>
-                      <a:endParaRPr lang="ru-RU" dirty="0"/>
-                    </a:p>
-                  </a:txBody>
-                  <a:tcPr/>
-                </a:tc>
-                <a:tc>
-                  <a:txBody>
-                    <a:bodyPr/>
-                    <a:lstStyle/>
-                    <a:p>
-                      <a:r>
-                        <a:rPr lang="ru-RU" dirty="0" smtClean="0"/>
-                        <a:t>мм</a:t>
-                      </a:r>
-                      <a:endParaRPr lang="ru-RU" dirty="0"/>
-                    </a:p>
-                  </a:txBody>
-                  <a:tcPr/>
-                </a:tc>
-                <a:tc>
-                  <a:txBody>
-                    <a:bodyPr/>
-                    <a:lstStyle/>
-                    <a:p>
-                      <a:r>
-                        <a:rPr lang="ru-RU" sz="1800" kern="1200" dirty="0" smtClean="0">
-                          <a:solidFill>
-                            <a:schemeClr val="dk1"/>
-                          </a:solidFill>
-                          <a:effectLst/>
-                          <a:latin typeface="+mn-lt"/>
-                          <a:ea typeface="+mn-ea"/>
-                          <a:cs typeface="+mn-cs"/>
-                        </a:rPr>
-                        <a:t>≈0.3-2.0</a:t>
-                      </a:r>
-                      <a:endParaRPr lang="ru-RU" dirty="0"/>
-                    </a:p>
-                  </a:txBody>
-                  <a:tcPr/>
-                </a:tc>
-              </a:tr>
-              <a:tr h="297795">
-                <a:tc>
-                  <a:txBody>
-                    <a:bodyPr/>
-                    <a:lstStyle/>
-                    <a:p>
-                      <a:endParaRPr lang="ru-RU" dirty="0"/>
-                    </a:p>
-                  </a:txBody>
-                  <a:tcPr/>
-                </a:tc>
-                <a:tc>
-                  <a:txBody>
-                    <a:bodyPr/>
-                    <a:lstStyle/>
-                    <a:p>
-                      <a:endParaRPr lang="ru-RU" dirty="0"/>
-                    </a:p>
-                  </a:txBody>
-                  <a:tcPr/>
-                </a:tc>
-                <a:tc>
-                  <a:txBody>
-                    <a:bodyPr/>
-                    <a:lstStyle/>
-                    <a:p>
-                      <a:endParaRPr lang="ru-RU" dirty="0"/>
-                    </a:p>
-                  </a:txBody>
-                  <a:tcPr/>
-                </a:tc>
-              </a:tr>
-              <a:tr h="262095">
-                <a:tc>
-                  <a:txBody>
-                    <a:bodyPr/>
-                    <a:lstStyle/>
-                    <a:p>
-                      <a:endParaRPr lang="ru-RU" dirty="0"/>
-                    </a:p>
-                  </a:txBody>
-                  <a:tcPr/>
-                </a:tc>
-                <a:tc>
-                  <a:txBody>
-                    <a:bodyPr/>
-                    <a:lstStyle/>
-                    <a:p>
-                      <a:endParaRPr lang="ru-RU"/>
-                    </a:p>
-                  </a:txBody>
-                  <a:tcPr/>
-                </a:tc>
-                <a:tc>
-                  <a:txBody>
-                    <a:bodyPr/>
-                    <a:lstStyle/>
-                    <a:p>
-                      <a:endParaRPr lang="ru-RU" dirty="0"/>
-                    </a:p>
-                  </a:txBody>
-                  <a:tcPr/>
+                  <a:tcPr marL="68580" marR="68580" marT="0" marB="0"/>
                 </a:tc>
               </a:tr>
             </a:tbl>
@@ -7695,14 +8497,14 @@
       </p:graphicFrame>
       <p:sp>
         <p:nvSpPr>
-          <p:cNvPr id="14" name="TextBox 13"/>
+          <p:cNvPr id="3" name="TextBox 2"/>
           <p:cNvSpPr txBox="1"/>
           <p:nvPr/>
         </p:nvSpPr>
         <p:spPr>
           <a:xfrm>
-            <a:off x="5858237" y="6022648"/>
-            <a:ext cx="4818948" cy="923330"/>
+            <a:off x="6814484" y="3632884"/>
+            <a:ext cx="4152547" cy="369332"/>
           </a:xfrm>
           <a:prstGeom prst="rect">
             <a:avLst/>
@@ -7717,18 +8519,38 @@
           <a:p>
             <a:r>
               <a:rPr lang="ru-RU" dirty="0" smtClean="0"/>
-              <a:t>Основные характеристики системы </a:t>
-            </a:r>
-            <a:r>
-              <a:rPr lang="en-US" dirty="0" smtClean="0"/>
-              <a:t>Spine Assist</a:t>
-            </a:r>
-            <a:endParaRPr lang="ru-RU" dirty="0" smtClean="0"/>
-          </a:p>
-          <a:p>
-            <a:endParaRPr lang="ru-RU" dirty="0" smtClean="0"/>
-          </a:p>
-          <a:p>
+              <a:t>Устройство хирургического инструмента</a:t>
+            </a:r>
+            <a:endParaRPr lang="ru-RU" dirty="0"/>
+          </a:p>
+        </p:txBody>
+      </p:sp>
+      <p:sp>
+        <p:nvSpPr>
+          <p:cNvPr id="5" name="TextBox 4"/>
+          <p:cNvSpPr txBox="1"/>
+          <p:nvPr/>
+        </p:nvSpPr>
+        <p:spPr>
+          <a:xfrm>
+            <a:off x="948636" y="5619785"/>
+            <a:ext cx="4400115" cy="369332"/>
+          </a:xfrm>
+          <a:prstGeom prst="rect">
+            <a:avLst/>
+          </a:prstGeom>
+          <a:noFill/>
+        </p:spPr>
+        <p:txBody>
+          <a:bodyPr wrap="none" rtlCol="0">
+            <a:spAutoFit/>
+          </a:bodyPr>
+          <a:lstStyle/>
+          <a:p>
+            <a:r>
+              <a:rPr lang="ru-RU" dirty="0" smtClean="0"/>
+              <a:t>Электромагнитная навигационная система</a:t>
+            </a:r>
             <a:endParaRPr lang="ru-RU" dirty="0"/>
           </a:p>
         </p:txBody>
@@ -7736,134 +8558,20 @@
     </p:spTree>
     <p:extLst>
       <p:ext uri="{BB962C8B-B14F-4D97-AF65-F5344CB8AC3E}">
-        <p14:creationId xmlns:p14="http://schemas.microsoft.com/office/powerpoint/2010/main" val="1382713349"/>
+        <p14:creationId xmlns:p14="http://schemas.microsoft.com/office/powerpoint/2010/main" val="1055569876"/>
       </p:ext>
     </p:extLst>
   </p:cSld>
   <p:clrMapOvr>
     <a:masterClrMapping/>
   </p:clrMapOvr>
-</p:sld>
-</file>
-
-<file path=ppt/slides/slide9.xml><?xml version="1.0" encoding="utf-8"?>
-<p:sld xmlns:a="http://schemas.openxmlformats.org/drawingml/2006/main" xmlns:r="http://schemas.openxmlformats.org/officeDocument/2006/relationships" xmlns:p="http://schemas.openxmlformats.org/presentationml/2006/main">
-  <p:cSld>
-    <p:spTree>
-      <p:nvGrpSpPr>
-        <p:cNvPr id="1" name=""/>
-        <p:cNvGrpSpPr/>
-        <p:nvPr/>
-      </p:nvGrpSpPr>
-      <p:grpSpPr>
-        <a:xfrm>
-          <a:off x="0" y="0"/>
-          <a:ext cx="0" cy="0"/>
-          <a:chOff x="0" y="0"/>
-          <a:chExt cx="0" cy="0"/>
-        </a:xfrm>
-      </p:grpSpPr>
-      <p:sp>
-        <p:nvSpPr>
-          <p:cNvPr id="4" name="TextBox 3"/>
-          <p:cNvSpPr txBox="1"/>
-          <p:nvPr/>
-        </p:nvSpPr>
-        <p:spPr>
-          <a:xfrm>
-            <a:off x="2103120" y="0"/>
-            <a:ext cx="7719870" cy="1200329"/>
-          </a:xfrm>
-          <a:prstGeom prst="rect">
-            <a:avLst/>
-          </a:prstGeom>
-          <a:noFill/>
-        </p:spPr>
-        <p:txBody>
-          <a:bodyPr wrap="none" rtlCol="0">
-            <a:spAutoFit/>
-          </a:bodyPr>
-          <a:lstStyle/>
-          <a:p>
-            <a:pPr algn="ctr"/>
-            <a:r>
-              <a:rPr lang="ru-RU" sz="3600" dirty="0" smtClean="0"/>
-              <a:t>Статистика применения </a:t>
-            </a:r>
-          </a:p>
-          <a:p>
-            <a:pPr algn="ctr"/>
-            <a:r>
-              <a:rPr lang="ru-RU" sz="3600" dirty="0" smtClean="0"/>
-              <a:t>хирургический навигационных систем</a:t>
-            </a:r>
-            <a:endParaRPr lang="ru-RU" sz="3600" dirty="0"/>
-          </a:p>
-        </p:txBody>
-      </p:sp>
-      <p:graphicFrame>
-        <p:nvGraphicFramePr>
-          <p:cNvPr id="3" name="Диаграмма 2"/>
-          <p:cNvGraphicFramePr/>
-          <p:nvPr>
-            <p:extLst>
-              <p:ext uri="{D42A27DB-BD31-4B8C-83A1-F6EECF244321}">
-                <p14:modId xmlns:p14="http://schemas.microsoft.com/office/powerpoint/2010/main" val="2522252742"/>
-              </p:ext>
-            </p:extLst>
-          </p:nvPr>
-        </p:nvGraphicFramePr>
-        <p:xfrm>
-          <a:off x="600596" y="1850299"/>
-          <a:ext cx="5144884" cy="2797901"/>
-        </p:xfrm>
-        <a:graphic>
-          <a:graphicData uri="http://schemas.openxmlformats.org/drawingml/2006/chart">
-            <c:chart xmlns:c="http://schemas.openxmlformats.org/drawingml/2006/chart" xmlns:r="http://schemas.openxmlformats.org/officeDocument/2006/relationships" r:id="rId2"/>
-          </a:graphicData>
-        </a:graphic>
-      </p:graphicFrame>
-      <p:sp>
-        <p:nvSpPr>
-          <p:cNvPr id="5" name="TextBox 4"/>
-          <p:cNvSpPr txBox="1"/>
-          <p:nvPr/>
-        </p:nvSpPr>
-        <p:spPr>
-          <a:xfrm>
-            <a:off x="873390" y="4648200"/>
-            <a:ext cx="4599296" cy="646331"/>
-          </a:xfrm>
-          <a:prstGeom prst="rect">
-            <a:avLst/>
-          </a:prstGeom>
-          <a:noFill/>
-        </p:spPr>
-        <p:txBody>
-          <a:bodyPr wrap="square" rtlCol="0">
-            <a:spAutoFit/>
-          </a:bodyPr>
-          <a:lstStyle/>
-          <a:p>
-            <a:pPr algn="ctr"/>
-            <a:r>
-              <a:rPr lang="ru-RU" dirty="0" smtClean="0"/>
-              <a:t>Доля производства хирургических навигационных систем</a:t>
-            </a:r>
-            <a:endParaRPr lang="ru-RU" dirty="0"/>
-          </a:p>
-        </p:txBody>
-      </p:sp>
-    </p:spTree>
-    <p:extLst>
-      <p:ext uri="{BB962C8B-B14F-4D97-AF65-F5344CB8AC3E}">
-        <p14:creationId xmlns:p14="http://schemas.microsoft.com/office/powerpoint/2010/main" val="1779328601"/>
-      </p:ext>
-    </p:extLst>
-  </p:cSld>
-  <p:clrMapOvr>
-    <a:masterClrMapping/>
-  </p:clrMapOvr>
+  <p:timing>
+    <p:tnLst>
+      <p:par>
+        <p:cTn id="1" dur="indefinite" restart="never" nodeType="tmRoot"/>
+      </p:par>
+    </p:tnLst>
+  </p:timing>
 </p:sld>
 </file>
 
